--- a/Проект интернет-магазин.pptx
+++ b/Проект интернет-магазин.pptx
@@ -2,22 +2,26 @@
 <file path=ppt/presentation.xml><?xml version="1.0" encoding="utf-8"?>
 <p:presentation xmlns:a="http://schemas.openxmlformats.org/drawingml/2006/main" xmlns:r="http://schemas.openxmlformats.org/officeDocument/2006/relationships" xmlns:p="http://schemas.openxmlformats.org/presentationml/2006/main" saveSubsetFonts="1">
   <p:sldMasterIdLst>
-    <p:sldMasterId id="2147483648" r:id="rId1"/>
+    <p:sldMasterId id="2147483660" r:id="rId1"/>
   </p:sldMasterIdLst>
   <p:sldIdLst>
     <p:sldId id="256" r:id="rId2"/>
     <p:sldId id="259" r:id="rId3"/>
     <p:sldId id="258" r:id="rId4"/>
-    <p:sldId id="261" r:id="rId5"/>
-    <p:sldId id="263" r:id="rId6"/>
+    <p:sldId id="264" r:id="rId5"/>
+    <p:sldId id="265" r:id="rId6"/>
+    <p:sldId id="266" r:id="rId7"/>
+    <p:sldId id="267" r:id="rId8"/>
+    <p:sldId id="261" r:id="rId9"/>
+    <p:sldId id="263" r:id="rId10"/>
   </p:sldIdLst>
   <p:sldSz cx="12192000" cy="6858000"/>
   <p:notesSz cx="6858000" cy="9144000"/>
   <p:defaultTextStyle>
     <a:defPPr>
-      <a:defRPr lang="ru-RU"/>
+      <a:defRPr lang="en-US"/>
     </a:defPPr>
-    <a:lvl1pPr marL="0" algn="l" defTabSz="914400" rtl="0" eaLnBrk="1" latinLnBrk="0" hangingPunct="1">
+    <a:lvl1pPr marL="0" algn="l" defTabSz="457200" rtl="0" eaLnBrk="1" latinLnBrk="0" hangingPunct="1">
       <a:defRPr sz="1800" kern="1200">
         <a:solidFill>
           <a:schemeClr val="tx1"/>
@@ -27,7 +31,7 @@
         <a:cs typeface="+mn-cs"/>
       </a:defRPr>
     </a:lvl1pPr>
-    <a:lvl2pPr marL="457200" algn="l" defTabSz="914400" rtl="0" eaLnBrk="1" latinLnBrk="0" hangingPunct="1">
+    <a:lvl2pPr marL="457200" algn="l" defTabSz="457200" rtl="0" eaLnBrk="1" latinLnBrk="0" hangingPunct="1">
       <a:defRPr sz="1800" kern="1200">
         <a:solidFill>
           <a:schemeClr val="tx1"/>
@@ -37,7 +41,7 @@
         <a:cs typeface="+mn-cs"/>
       </a:defRPr>
     </a:lvl2pPr>
-    <a:lvl3pPr marL="914400" algn="l" defTabSz="914400" rtl="0" eaLnBrk="1" latinLnBrk="0" hangingPunct="1">
+    <a:lvl3pPr marL="914400" algn="l" defTabSz="457200" rtl="0" eaLnBrk="1" latinLnBrk="0" hangingPunct="1">
       <a:defRPr sz="1800" kern="1200">
         <a:solidFill>
           <a:schemeClr val="tx1"/>
@@ -47,7 +51,7 @@
         <a:cs typeface="+mn-cs"/>
       </a:defRPr>
     </a:lvl3pPr>
-    <a:lvl4pPr marL="1371600" algn="l" defTabSz="914400" rtl="0" eaLnBrk="1" latinLnBrk="0" hangingPunct="1">
+    <a:lvl4pPr marL="1371600" algn="l" defTabSz="457200" rtl="0" eaLnBrk="1" latinLnBrk="0" hangingPunct="1">
       <a:defRPr sz="1800" kern="1200">
         <a:solidFill>
           <a:schemeClr val="tx1"/>
@@ -57,7 +61,7 @@
         <a:cs typeface="+mn-cs"/>
       </a:defRPr>
     </a:lvl4pPr>
-    <a:lvl5pPr marL="1828800" algn="l" defTabSz="914400" rtl="0" eaLnBrk="1" latinLnBrk="0" hangingPunct="1">
+    <a:lvl5pPr marL="1828800" algn="l" defTabSz="457200" rtl="0" eaLnBrk="1" latinLnBrk="0" hangingPunct="1">
       <a:defRPr sz="1800" kern="1200">
         <a:solidFill>
           <a:schemeClr val="tx1"/>
@@ -67,7 +71,7 @@
         <a:cs typeface="+mn-cs"/>
       </a:defRPr>
     </a:lvl5pPr>
-    <a:lvl6pPr marL="2286000" algn="l" defTabSz="914400" rtl="0" eaLnBrk="1" latinLnBrk="0" hangingPunct="1">
+    <a:lvl6pPr marL="2286000" algn="l" defTabSz="457200" rtl="0" eaLnBrk="1" latinLnBrk="0" hangingPunct="1">
       <a:defRPr sz="1800" kern="1200">
         <a:solidFill>
           <a:schemeClr val="tx1"/>
@@ -77,7 +81,7 @@
         <a:cs typeface="+mn-cs"/>
       </a:defRPr>
     </a:lvl6pPr>
-    <a:lvl7pPr marL="2743200" algn="l" defTabSz="914400" rtl="0" eaLnBrk="1" latinLnBrk="0" hangingPunct="1">
+    <a:lvl7pPr marL="2743200" algn="l" defTabSz="457200" rtl="0" eaLnBrk="1" latinLnBrk="0" hangingPunct="1">
       <a:defRPr sz="1800" kern="1200">
         <a:solidFill>
           <a:schemeClr val="tx1"/>
@@ -87,7 +91,7 @@
         <a:cs typeface="+mn-cs"/>
       </a:defRPr>
     </a:lvl7pPr>
-    <a:lvl8pPr marL="3200400" algn="l" defTabSz="914400" rtl="0" eaLnBrk="1" latinLnBrk="0" hangingPunct="1">
+    <a:lvl8pPr marL="3200400" algn="l" defTabSz="457200" rtl="0" eaLnBrk="1" latinLnBrk="0" hangingPunct="1">
       <a:defRPr sz="1800" kern="1200">
         <a:solidFill>
           <a:schemeClr val="tx1"/>
@@ -97,7 +101,7 @@
         <a:cs typeface="+mn-cs"/>
       </a:defRPr>
     </a:lvl8pPr>
-    <a:lvl9pPr marL="3657600" algn="l" defTabSz="914400" rtl="0" eaLnBrk="1" latinLnBrk="0" hangingPunct="1">
+    <a:lvl9pPr marL="3657600" algn="l" defTabSz="457200" rtl="0" eaLnBrk="1" latinLnBrk="0" hangingPunct="1">
       <a:defRPr sz="1800" kern="1200">
         <a:solidFill>
           <a:schemeClr val="tx1"/>
@@ -147,13 +151,7 @@
       </p:grpSpPr>
       <p:sp>
         <p:nvSpPr>
-          <p:cNvPr id="2" name="Заголовок 1">
-            <a:extLst>
-              <a:ext uri="{FF2B5EF4-FFF2-40B4-BE49-F238E27FC236}">
-                <a16:creationId xmlns:a16="http://schemas.microsoft.com/office/drawing/2014/main" id="{033D984C-D71F-4976-958E-6D31355CB13B}"/>
-              </a:ext>
-            </a:extLst>
-          </p:cNvPr>
+          <p:cNvPr id="2" name="Title 1"/>
           <p:cNvSpPr>
             <a:spLocks noGrp="1"/>
           </p:cNvSpPr>
@@ -163,15 +161,17 @@
         </p:nvSpPr>
         <p:spPr>
           <a:xfrm>
-            <a:off x="1524000" y="1122363"/>
-            <a:ext cx="9144000" cy="2387600"/>
+            <a:off x="2589213" y="2514600"/>
+            <a:ext cx="8915399" cy="2262781"/>
           </a:xfrm>
         </p:spPr>
         <p:txBody>
-          <a:bodyPr anchor="b"/>
+          <a:bodyPr anchor="b">
+            <a:normAutofit/>
+          </a:bodyPr>
           <a:lstStyle>
-            <a:lvl1pPr algn="ctr">
-              <a:defRPr sz="6000"/>
+            <a:lvl1pPr>
+              <a:defRPr sz="5400"/>
             </a:lvl1pPr>
           </a:lstStyle>
           <a:p>
@@ -179,18 +179,13 @@
               <a:rPr lang="ru-RU"/>
               <a:t>Образец заголовка</a:t>
             </a:r>
-          </a:p>
-        </p:txBody>
-      </p:sp>
-      <p:sp>
-        <p:nvSpPr>
-          <p:cNvPr id="3" name="Подзаголовок 2">
-            <a:extLst>
-              <a:ext uri="{FF2B5EF4-FFF2-40B4-BE49-F238E27FC236}">
-                <a16:creationId xmlns:a16="http://schemas.microsoft.com/office/drawing/2014/main" id="{1E44B5F3-0B8A-41FF-8B9F-A82232A55882}"/>
-              </a:ext>
-            </a:extLst>
-          </p:cNvPr>
+            <a:endParaRPr lang="en-US" dirty="0"/>
+          </a:p>
+        </p:txBody>
+      </p:sp>
+      <p:sp>
+        <p:nvSpPr>
+          <p:cNvPr id="3" name="Subtitle 2"/>
           <p:cNvSpPr>
             <a:spLocks noGrp="1"/>
           </p:cNvSpPr>
@@ -200,48 +195,103 @@
         </p:nvSpPr>
         <p:spPr>
           <a:xfrm>
-            <a:off x="1524000" y="3602038"/>
-            <a:ext cx="9144000" cy="1655762"/>
+            <a:off x="2589213" y="4777379"/>
+            <a:ext cx="8915399" cy="1126283"/>
           </a:xfrm>
         </p:spPr>
         <p:txBody>
-          <a:bodyPr/>
+          <a:bodyPr anchor="t"/>
           <a:lstStyle>
-            <a:lvl1pPr marL="0" indent="0" algn="ctr">
-              <a:buNone/>
-              <a:defRPr sz="2400"/>
+            <a:lvl1pPr marL="0" indent="0" algn="l">
+              <a:buNone/>
+              <a:defRPr>
+                <a:solidFill>
+                  <a:schemeClr val="tx1">
+                    <a:lumMod val="65000"/>
+                    <a:lumOff val="35000"/>
+                  </a:schemeClr>
+                </a:solidFill>
+              </a:defRPr>
             </a:lvl1pPr>
             <a:lvl2pPr marL="457200" indent="0" algn="ctr">
               <a:buNone/>
-              <a:defRPr sz="2000"/>
+              <a:defRPr>
+                <a:solidFill>
+                  <a:schemeClr val="tx1">
+                    <a:tint val="75000"/>
+                  </a:schemeClr>
+                </a:solidFill>
+              </a:defRPr>
             </a:lvl2pPr>
             <a:lvl3pPr marL="914400" indent="0" algn="ctr">
               <a:buNone/>
-              <a:defRPr sz="1800"/>
+              <a:defRPr>
+                <a:solidFill>
+                  <a:schemeClr val="tx1">
+                    <a:tint val="75000"/>
+                  </a:schemeClr>
+                </a:solidFill>
+              </a:defRPr>
             </a:lvl3pPr>
             <a:lvl4pPr marL="1371600" indent="0" algn="ctr">
               <a:buNone/>
-              <a:defRPr sz="1600"/>
+              <a:defRPr>
+                <a:solidFill>
+                  <a:schemeClr val="tx1">
+                    <a:tint val="75000"/>
+                  </a:schemeClr>
+                </a:solidFill>
+              </a:defRPr>
             </a:lvl4pPr>
             <a:lvl5pPr marL="1828800" indent="0" algn="ctr">
               <a:buNone/>
-              <a:defRPr sz="1600"/>
+              <a:defRPr>
+                <a:solidFill>
+                  <a:schemeClr val="tx1">
+                    <a:tint val="75000"/>
+                  </a:schemeClr>
+                </a:solidFill>
+              </a:defRPr>
             </a:lvl5pPr>
             <a:lvl6pPr marL="2286000" indent="0" algn="ctr">
               <a:buNone/>
-              <a:defRPr sz="1600"/>
+              <a:defRPr>
+                <a:solidFill>
+                  <a:schemeClr val="tx1">
+                    <a:tint val="75000"/>
+                  </a:schemeClr>
+                </a:solidFill>
+              </a:defRPr>
             </a:lvl6pPr>
             <a:lvl7pPr marL="2743200" indent="0" algn="ctr">
               <a:buNone/>
-              <a:defRPr sz="1600"/>
+              <a:defRPr>
+                <a:solidFill>
+                  <a:schemeClr val="tx1">
+                    <a:tint val="75000"/>
+                  </a:schemeClr>
+                </a:solidFill>
+              </a:defRPr>
             </a:lvl7pPr>
             <a:lvl8pPr marL="3200400" indent="0" algn="ctr">
               <a:buNone/>
-              <a:defRPr sz="1600"/>
+              <a:defRPr>
+                <a:solidFill>
+                  <a:schemeClr val="tx1">
+                    <a:tint val="75000"/>
+                  </a:schemeClr>
+                </a:solidFill>
+              </a:defRPr>
             </a:lvl8pPr>
             <a:lvl9pPr marL="3657600" indent="0" algn="ctr">
               <a:buNone/>
-              <a:defRPr sz="1600"/>
+              <a:defRPr>
+                <a:solidFill>
+                  <a:schemeClr val="tx1">
+                    <a:tint val="75000"/>
+                  </a:schemeClr>
+                </a:solidFill>
+              </a:defRPr>
             </a:lvl9pPr>
           </a:lstStyle>
           <a:p>
@@ -249,18 +299,13 @@
               <a:rPr lang="ru-RU"/>
               <a:t>Образец подзаголовка</a:t>
             </a:r>
-          </a:p>
-        </p:txBody>
-      </p:sp>
-      <p:sp>
-        <p:nvSpPr>
-          <p:cNvPr id="4" name="Дата 3">
-            <a:extLst>
-              <a:ext uri="{FF2B5EF4-FFF2-40B4-BE49-F238E27FC236}">
-                <a16:creationId xmlns:a16="http://schemas.microsoft.com/office/drawing/2014/main" id="{F856217A-331E-4A89-90BC-2125E7ABE9D5}"/>
-              </a:ext>
-            </a:extLst>
-          </p:cNvPr>
+            <a:endParaRPr lang="en-US" dirty="0"/>
+          </a:p>
+        </p:txBody>
+      </p:sp>
+      <p:sp>
+        <p:nvSpPr>
+          <p:cNvPr id="4" name="Date Placeholder 3"/>
           <p:cNvSpPr>
             <a:spLocks noGrp="1"/>
           </p:cNvSpPr>
@@ -275,7 +320,7 @@
           <a:p>
             <a:fld id="{EFC8ABA4-CCD7-4540-A12A-E2FC69BF12D3}" type="datetimeFigureOut">
               <a:rPr lang="ru-RU" smtClean="0"/>
-              <a:t>14.04.2022</a:t>
+              <a:t>21.04.2022</a:t>
             </a:fld>
             <a:endParaRPr lang="ru-RU"/>
           </a:p>
@@ -283,13 +328,7 @@
       </p:sp>
       <p:sp>
         <p:nvSpPr>
-          <p:cNvPr id="5" name="Нижний колонтитул 4">
-            <a:extLst>
-              <a:ext uri="{FF2B5EF4-FFF2-40B4-BE49-F238E27FC236}">
-                <a16:creationId xmlns:a16="http://schemas.microsoft.com/office/drawing/2014/main" id="{3C1D6226-F5EE-4E8D-A221-5185A66CE92E}"/>
-              </a:ext>
-            </a:extLst>
-          </p:cNvPr>
+          <p:cNvPr id="5" name="Footer Placeholder 4"/>
           <p:cNvSpPr>
             <a:spLocks noGrp="1"/>
           </p:cNvSpPr>
@@ -308,13 +347,89 @@
       </p:sp>
       <p:sp>
         <p:nvSpPr>
-          <p:cNvPr id="6" name="Номер слайда 5">
-            <a:extLst>
-              <a:ext uri="{FF2B5EF4-FFF2-40B4-BE49-F238E27FC236}">
-                <a16:creationId xmlns:a16="http://schemas.microsoft.com/office/drawing/2014/main" id="{92CB1D19-AFBE-49F9-9FB6-428EC5A96434}"/>
-              </a:ext>
-            </a:extLst>
-          </p:cNvPr>
+          <p:cNvPr id="7" name="Freeform 6"/>
+          <p:cNvSpPr/>
+          <p:nvPr/>
+        </p:nvSpPr>
+        <p:spPr bwMode="auto">
+          <a:xfrm>
+            <a:off x="0" y="4323810"/>
+            <a:ext cx="1744652" cy="778589"/>
+          </a:xfrm>
+          <a:custGeom>
+            <a:avLst/>
+            <a:gdLst/>
+            <a:ahLst/>
+            <a:cxnLst/>
+            <a:rect l="0" t="0" r="r" b="b"/>
+            <a:pathLst>
+              <a:path w="372" h="166">
+                <a:moveTo>
+                  <a:pt x="287" y="166"/>
+                </a:moveTo>
+                <a:cubicBezTo>
+                  <a:pt x="290" y="166"/>
+                  <a:pt x="292" y="165"/>
+                  <a:pt x="293" y="164"/>
+                </a:cubicBezTo>
+                <a:cubicBezTo>
+                  <a:pt x="293" y="163"/>
+                  <a:pt x="294" y="163"/>
+                  <a:pt x="294" y="163"/>
+                </a:cubicBezTo>
+                <a:cubicBezTo>
+                  <a:pt x="370" y="87"/>
+                  <a:pt x="370" y="87"/>
+                  <a:pt x="370" y="87"/>
+                </a:cubicBezTo>
+                <a:cubicBezTo>
+                  <a:pt x="372" y="85"/>
+                  <a:pt x="372" y="81"/>
+                  <a:pt x="370" y="78"/>
+                </a:cubicBezTo>
+                <a:cubicBezTo>
+                  <a:pt x="294" y="3"/>
+                  <a:pt x="294" y="3"/>
+                  <a:pt x="294" y="3"/>
+                </a:cubicBezTo>
+                <a:cubicBezTo>
+                  <a:pt x="294" y="2"/>
+                  <a:pt x="293" y="2"/>
+                  <a:pt x="293" y="2"/>
+                </a:cubicBezTo>
+                <a:cubicBezTo>
+                  <a:pt x="292" y="1"/>
+                  <a:pt x="290" y="0"/>
+                  <a:pt x="287" y="0"/>
+                </a:cubicBezTo>
+                <a:cubicBezTo>
+                  <a:pt x="0" y="0"/>
+                  <a:pt x="0" y="0"/>
+                  <a:pt x="0" y="0"/>
+                </a:cubicBezTo>
+                <a:cubicBezTo>
+                  <a:pt x="0" y="166"/>
+                  <a:pt x="0" y="166"/>
+                  <a:pt x="0" y="166"/>
+                </a:cubicBezTo>
+                <a:lnTo>
+                  <a:pt x="287" y="166"/>
+                </a:lnTo>
+                <a:close/>
+              </a:path>
+            </a:pathLst>
+          </a:custGeom>
+          <a:solidFill>
+            <a:schemeClr val="accent1"/>
+          </a:solidFill>
+          <a:ln>
+            <a:noFill/>
+          </a:ln>
+        </p:spPr>
+      </p:sp>
+      <p:sp>
+        <p:nvSpPr>
+          <p:cNvPr id="6" name="Slide Number Placeholder 5"/>
           <p:cNvSpPr>
             <a:spLocks noGrp="1"/>
           </p:cNvSpPr>
@@ -322,7 +437,12 @@
             <p:ph type="sldNum" sz="quarter" idx="12"/>
           </p:nvPr>
         </p:nvSpPr>
-        <p:spPr/>
+        <p:spPr>
+          <a:xfrm>
+            <a:off x="531812" y="4529540"/>
+            <a:ext cx="779767" cy="365125"/>
+          </a:xfrm>
+        </p:spPr>
         <p:txBody>
           <a:bodyPr/>
           <a:lstStyle/>
@@ -338,7 +458,7 @@
     </p:spTree>
     <p:extLst>
       <p:ext uri="{BB962C8B-B14F-4D97-AF65-F5344CB8AC3E}">
-        <p14:creationId xmlns:p14="http://schemas.microsoft.com/office/powerpoint/2010/main" val="2899200870"/>
+        <p14:creationId xmlns:p14="http://schemas.microsoft.com/office/powerpoint/2010/main" val="3786739025"/>
       </p:ext>
     </p:extLst>
   </p:cSld>
@@ -349,6 +469,1797 @@
 </file>
 
 <file path=ppt/slideLayouts/slideLayout10.xml><?xml version="1.0" encoding="utf-8"?>
+<p:sldLayout xmlns:a="http://schemas.openxmlformats.org/drawingml/2006/main" xmlns:r="http://schemas.openxmlformats.org/officeDocument/2006/relationships" xmlns:p="http://schemas.openxmlformats.org/presentationml/2006/main" preserve="1">
+  <p:cSld name="Заголовок и подпись">
+    <p:spTree>
+      <p:nvGrpSpPr>
+        <p:cNvPr id="1" name=""/>
+        <p:cNvGrpSpPr/>
+        <p:nvPr/>
+      </p:nvGrpSpPr>
+      <p:grpSpPr>
+        <a:xfrm>
+          <a:off x="0" y="0"/>
+          <a:ext cx="0" cy="0"/>
+          <a:chOff x="0" y="0"/>
+          <a:chExt cx="0" cy="0"/>
+        </a:xfrm>
+      </p:grpSpPr>
+      <p:sp>
+        <p:nvSpPr>
+          <p:cNvPr id="2" name="Title 1"/>
+          <p:cNvSpPr>
+            <a:spLocks noGrp="1"/>
+          </p:cNvSpPr>
+          <p:nvPr>
+            <p:ph type="title"/>
+          </p:nvPr>
+        </p:nvSpPr>
+        <p:spPr>
+          <a:xfrm>
+            <a:off x="2589212" y="609600"/>
+            <a:ext cx="8915399" cy="3117040"/>
+          </a:xfrm>
+        </p:spPr>
+        <p:txBody>
+          <a:bodyPr anchor="ctr">
+            <a:normAutofit/>
+          </a:bodyPr>
+          <a:lstStyle>
+            <a:lvl1pPr algn="l">
+              <a:defRPr sz="4800" b="0" cap="none"/>
+            </a:lvl1pPr>
+          </a:lstStyle>
+          <a:p>
+            <a:r>
+              <a:rPr lang="ru-RU"/>
+              <a:t>Образец заголовка</a:t>
+            </a:r>
+            <a:endParaRPr lang="en-US" dirty="0"/>
+          </a:p>
+        </p:txBody>
+      </p:sp>
+      <p:sp>
+        <p:nvSpPr>
+          <p:cNvPr id="3" name="Text Placeholder 2"/>
+          <p:cNvSpPr>
+            <a:spLocks noGrp="1"/>
+          </p:cNvSpPr>
+          <p:nvPr>
+            <p:ph type="body" idx="1"/>
+          </p:nvPr>
+        </p:nvSpPr>
+        <p:spPr>
+          <a:xfrm>
+            <a:off x="2589212" y="4354046"/>
+            <a:ext cx="8915399" cy="1555864"/>
+          </a:xfrm>
+        </p:spPr>
+        <p:txBody>
+          <a:bodyPr anchor="ctr">
+            <a:normAutofit/>
+          </a:bodyPr>
+          <a:lstStyle>
+            <a:lvl1pPr marL="0" indent="0" algn="l">
+              <a:buNone/>
+              <a:defRPr sz="1800">
+                <a:solidFill>
+                  <a:schemeClr val="tx1">
+                    <a:lumMod val="65000"/>
+                    <a:lumOff val="35000"/>
+                  </a:schemeClr>
+                </a:solidFill>
+              </a:defRPr>
+            </a:lvl1pPr>
+            <a:lvl2pPr marL="457200" indent="0">
+              <a:buNone/>
+              <a:defRPr sz="1800">
+                <a:solidFill>
+                  <a:schemeClr val="tx1">
+                    <a:tint val="75000"/>
+                  </a:schemeClr>
+                </a:solidFill>
+              </a:defRPr>
+            </a:lvl2pPr>
+            <a:lvl3pPr marL="914400" indent="0">
+              <a:buNone/>
+              <a:defRPr sz="1600">
+                <a:solidFill>
+                  <a:schemeClr val="tx1">
+                    <a:tint val="75000"/>
+                  </a:schemeClr>
+                </a:solidFill>
+              </a:defRPr>
+            </a:lvl3pPr>
+            <a:lvl4pPr marL="1371600" indent="0">
+              <a:buNone/>
+              <a:defRPr sz="1400">
+                <a:solidFill>
+                  <a:schemeClr val="tx1">
+                    <a:tint val="75000"/>
+                  </a:schemeClr>
+                </a:solidFill>
+              </a:defRPr>
+            </a:lvl4pPr>
+            <a:lvl5pPr marL="1828800" indent="0">
+              <a:buNone/>
+              <a:defRPr sz="1400">
+                <a:solidFill>
+                  <a:schemeClr val="tx1">
+                    <a:tint val="75000"/>
+                  </a:schemeClr>
+                </a:solidFill>
+              </a:defRPr>
+            </a:lvl5pPr>
+            <a:lvl6pPr marL="2286000" indent="0">
+              <a:buNone/>
+              <a:defRPr sz="1400">
+                <a:solidFill>
+                  <a:schemeClr val="tx1">
+                    <a:tint val="75000"/>
+                  </a:schemeClr>
+                </a:solidFill>
+              </a:defRPr>
+            </a:lvl6pPr>
+            <a:lvl7pPr marL="2743200" indent="0">
+              <a:buNone/>
+              <a:defRPr sz="1400">
+                <a:solidFill>
+                  <a:schemeClr val="tx1">
+                    <a:tint val="75000"/>
+                  </a:schemeClr>
+                </a:solidFill>
+              </a:defRPr>
+            </a:lvl7pPr>
+            <a:lvl8pPr marL="3200400" indent="0">
+              <a:buNone/>
+              <a:defRPr sz="1400">
+                <a:solidFill>
+                  <a:schemeClr val="tx1">
+                    <a:tint val="75000"/>
+                  </a:schemeClr>
+                </a:solidFill>
+              </a:defRPr>
+            </a:lvl8pPr>
+            <a:lvl9pPr marL="3657600" indent="0">
+              <a:buNone/>
+              <a:defRPr sz="1400">
+                <a:solidFill>
+                  <a:schemeClr val="tx1">
+                    <a:tint val="75000"/>
+                  </a:schemeClr>
+                </a:solidFill>
+              </a:defRPr>
+            </a:lvl9pPr>
+          </a:lstStyle>
+          <a:p>
+            <a:pPr lvl="0"/>
+            <a:r>
+              <a:rPr lang="ru-RU"/>
+              <a:t>Образец текста</a:t>
+            </a:r>
+          </a:p>
+        </p:txBody>
+      </p:sp>
+      <p:sp>
+        <p:nvSpPr>
+          <p:cNvPr id="4" name="Date Placeholder 3"/>
+          <p:cNvSpPr>
+            <a:spLocks noGrp="1"/>
+          </p:cNvSpPr>
+          <p:nvPr>
+            <p:ph type="dt" sz="half" idx="10"/>
+          </p:nvPr>
+        </p:nvSpPr>
+        <p:spPr/>
+        <p:txBody>
+          <a:bodyPr/>
+          <a:lstStyle/>
+          <a:p>
+            <a:fld id="{EFC8ABA4-CCD7-4540-A12A-E2FC69BF12D3}" type="datetimeFigureOut">
+              <a:rPr lang="ru-RU" smtClean="0"/>
+              <a:t>21.04.2022</a:t>
+            </a:fld>
+            <a:endParaRPr lang="ru-RU"/>
+          </a:p>
+        </p:txBody>
+      </p:sp>
+      <p:sp>
+        <p:nvSpPr>
+          <p:cNvPr id="5" name="Footer Placeholder 4"/>
+          <p:cNvSpPr>
+            <a:spLocks noGrp="1"/>
+          </p:cNvSpPr>
+          <p:nvPr>
+            <p:ph type="ftr" sz="quarter" idx="11"/>
+          </p:nvPr>
+        </p:nvSpPr>
+        <p:spPr/>
+        <p:txBody>
+          <a:bodyPr/>
+          <a:lstStyle/>
+          <a:p>
+            <a:endParaRPr lang="ru-RU"/>
+          </a:p>
+        </p:txBody>
+      </p:sp>
+      <p:sp>
+        <p:nvSpPr>
+          <p:cNvPr id="9" name="Freeform 11"/>
+          <p:cNvSpPr/>
+          <p:nvPr/>
+        </p:nvSpPr>
+        <p:spPr bwMode="auto">
+          <a:xfrm flipV="1">
+            <a:off x="-4189" y="3178175"/>
+            <a:ext cx="1588527" cy="507297"/>
+          </a:xfrm>
+          <a:custGeom>
+            <a:avLst/>
+            <a:gdLst/>
+            <a:ahLst/>
+            <a:cxnLst/>
+            <a:rect l="l" t="t" r="r" b="b"/>
+            <a:pathLst>
+              <a:path w="9248" h="10000">
+                <a:moveTo>
+                  <a:pt x="9248" y="4701"/>
+                </a:moveTo>
+                <a:lnTo>
+                  <a:pt x="7915" y="188"/>
+                </a:lnTo>
+                <a:cubicBezTo>
+                  <a:pt x="7906" y="156"/>
+                  <a:pt x="7895" y="126"/>
+                  <a:pt x="7886" y="94"/>
+                </a:cubicBezTo>
+                <a:cubicBezTo>
+                  <a:pt x="7859" y="0"/>
+                  <a:pt x="7831" y="0"/>
+                  <a:pt x="7803" y="0"/>
+                </a:cubicBezTo>
+                <a:lnTo>
+                  <a:pt x="7275" y="0"/>
+                </a:lnTo>
+                <a:lnTo>
+                  <a:pt x="0" y="70"/>
+                </a:lnTo>
+                <a:cubicBezTo>
+                  <a:pt x="8" y="3380"/>
+                  <a:pt x="17" y="6690"/>
+                  <a:pt x="25" y="10000"/>
+                </a:cubicBezTo>
+                <a:lnTo>
+                  <a:pt x="7275" y="9966"/>
+                </a:lnTo>
+                <a:lnTo>
+                  <a:pt x="7803" y="9966"/>
+                </a:lnTo>
+                <a:cubicBezTo>
+                  <a:pt x="7831" y="9966"/>
+                  <a:pt x="7859" y="9872"/>
+                  <a:pt x="7886" y="9872"/>
+                </a:cubicBezTo>
+                <a:cubicBezTo>
+                  <a:pt x="7886" y="9778"/>
+                  <a:pt x="7915" y="9778"/>
+                  <a:pt x="7915" y="9778"/>
+                </a:cubicBezTo>
+                <a:lnTo>
+                  <a:pt x="9248" y="5265"/>
+                </a:lnTo>
+                <a:cubicBezTo>
+                  <a:pt x="9303" y="5077"/>
+                  <a:pt x="9303" y="4889"/>
+                  <a:pt x="9248" y="4701"/>
+                </a:cubicBezTo>
+                <a:close/>
+              </a:path>
+            </a:pathLst>
+          </a:custGeom>
+          <a:solidFill>
+            <a:schemeClr val="accent1"/>
+          </a:solidFill>
+          <a:ln>
+            <a:noFill/>
+          </a:ln>
+        </p:spPr>
+      </p:sp>
+      <p:sp>
+        <p:nvSpPr>
+          <p:cNvPr id="6" name="Slide Number Placeholder 5"/>
+          <p:cNvSpPr>
+            <a:spLocks noGrp="1"/>
+          </p:cNvSpPr>
+          <p:nvPr>
+            <p:ph type="sldNum" sz="quarter" idx="12"/>
+          </p:nvPr>
+        </p:nvSpPr>
+        <p:spPr>
+          <a:xfrm>
+            <a:off x="531812" y="3244139"/>
+            <a:ext cx="779767" cy="365125"/>
+          </a:xfrm>
+        </p:spPr>
+        <p:txBody>
+          <a:bodyPr/>
+          <a:lstStyle/>
+          <a:p>
+            <a:fld id="{34180137-54F4-4A16-A60A-E4381F255B74}" type="slidenum">
+              <a:rPr lang="ru-RU" smtClean="0"/>
+              <a:t>‹#›</a:t>
+            </a:fld>
+            <a:endParaRPr lang="ru-RU"/>
+          </a:p>
+        </p:txBody>
+      </p:sp>
+    </p:spTree>
+    <p:extLst>
+      <p:ext uri="{BB962C8B-B14F-4D97-AF65-F5344CB8AC3E}">
+        <p14:creationId xmlns:p14="http://schemas.microsoft.com/office/powerpoint/2010/main" val="2315129243"/>
+      </p:ext>
+    </p:extLst>
+  </p:cSld>
+  <p:clrMapOvr>
+    <a:masterClrMapping/>
+  </p:clrMapOvr>
+</p:sldLayout>
+</file>
+
+<file path=ppt/slideLayouts/slideLayout11.xml><?xml version="1.0" encoding="utf-8"?>
+<p:sldLayout xmlns:a="http://schemas.openxmlformats.org/drawingml/2006/main" xmlns:r="http://schemas.openxmlformats.org/officeDocument/2006/relationships" xmlns:p="http://schemas.openxmlformats.org/presentationml/2006/main" preserve="1">
+  <p:cSld name="Цитата с подписью">
+    <p:spTree>
+      <p:nvGrpSpPr>
+        <p:cNvPr id="1" name=""/>
+        <p:cNvGrpSpPr/>
+        <p:nvPr/>
+      </p:nvGrpSpPr>
+      <p:grpSpPr>
+        <a:xfrm>
+          <a:off x="0" y="0"/>
+          <a:ext cx="0" cy="0"/>
+          <a:chOff x="0" y="0"/>
+          <a:chExt cx="0" cy="0"/>
+        </a:xfrm>
+      </p:grpSpPr>
+      <p:sp>
+        <p:nvSpPr>
+          <p:cNvPr id="2" name="Title 1"/>
+          <p:cNvSpPr>
+            <a:spLocks noGrp="1"/>
+          </p:cNvSpPr>
+          <p:nvPr>
+            <p:ph type="title"/>
+          </p:nvPr>
+        </p:nvSpPr>
+        <p:spPr>
+          <a:xfrm>
+            <a:off x="2849949" y="609600"/>
+            <a:ext cx="8393926" cy="2895600"/>
+          </a:xfrm>
+        </p:spPr>
+        <p:txBody>
+          <a:bodyPr anchor="ctr">
+            <a:normAutofit/>
+          </a:bodyPr>
+          <a:lstStyle>
+            <a:lvl1pPr algn="l">
+              <a:defRPr sz="4800" b="0" cap="none"/>
+            </a:lvl1pPr>
+          </a:lstStyle>
+          <a:p>
+            <a:r>
+              <a:rPr lang="ru-RU"/>
+              <a:t>Образец заголовка</a:t>
+            </a:r>
+            <a:endParaRPr lang="en-US" dirty="0"/>
+          </a:p>
+        </p:txBody>
+      </p:sp>
+      <p:sp>
+        <p:nvSpPr>
+          <p:cNvPr id="13" name="Text Placeholder 9"/>
+          <p:cNvSpPr>
+            <a:spLocks noGrp="1"/>
+          </p:cNvSpPr>
+          <p:nvPr>
+            <p:ph type="body" sz="quarter" idx="13"/>
+          </p:nvPr>
+        </p:nvSpPr>
+        <p:spPr>
+          <a:xfrm>
+            <a:off x="3275012" y="3505200"/>
+            <a:ext cx="7536554" cy="381000"/>
+          </a:xfrm>
+        </p:spPr>
+        <p:txBody>
+          <a:bodyPr anchor="ctr">
+            <a:noAutofit/>
+          </a:bodyPr>
+          <a:lstStyle>
+            <a:lvl1pPr marL="0" indent="0">
+              <a:buFontTx/>
+              <a:buNone/>
+              <a:defRPr sz="1600">
+                <a:solidFill>
+                  <a:schemeClr val="tx1">
+                    <a:lumMod val="50000"/>
+                    <a:lumOff val="50000"/>
+                  </a:schemeClr>
+                </a:solidFill>
+              </a:defRPr>
+            </a:lvl1pPr>
+            <a:lvl2pPr marL="457200" indent="0">
+              <a:buFontTx/>
+              <a:buNone/>
+              <a:defRPr/>
+            </a:lvl2pPr>
+            <a:lvl3pPr marL="914400" indent="0">
+              <a:buFontTx/>
+              <a:buNone/>
+              <a:defRPr/>
+            </a:lvl3pPr>
+            <a:lvl4pPr marL="1371600" indent="0">
+              <a:buFontTx/>
+              <a:buNone/>
+              <a:defRPr/>
+            </a:lvl4pPr>
+            <a:lvl5pPr marL="1828800" indent="0">
+              <a:buFontTx/>
+              <a:buNone/>
+              <a:defRPr/>
+            </a:lvl5pPr>
+          </a:lstStyle>
+          <a:p>
+            <a:pPr lvl="0"/>
+            <a:r>
+              <a:rPr lang="ru-RU"/>
+              <a:t>Образец текста</a:t>
+            </a:r>
+          </a:p>
+        </p:txBody>
+      </p:sp>
+      <p:sp>
+        <p:nvSpPr>
+          <p:cNvPr id="3" name="Text Placeholder 2"/>
+          <p:cNvSpPr>
+            <a:spLocks noGrp="1"/>
+          </p:cNvSpPr>
+          <p:nvPr>
+            <p:ph type="body" idx="1"/>
+          </p:nvPr>
+        </p:nvSpPr>
+        <p:spPr>
+          <a:xfrm>
+            <a:off x="2589212" y="4354046"/>
+            <a:ext cx="8915399" cy="1555864"/>
+          </a:xfrm>
+        </p:spPr>
+        <p:txBody>
+          <a:bodyPr anchor="ctr">
+            <a:normAutofit/>
+          </a:bodyPr>
+          <a:lstStyle>
+            <a:lvl1pPr marL="0" indent="0" algn="l">
+              <a:buNone/>
+              <a:defRPr sz="1800">
+                <a:solidFill>
+                  <a:schemeClr val="tx1">
+                    <a:lumMod val="65000"/>
+                    <a:lumOff val="35000"/>
+                  </a:schemeClr>
+                </a:solidFill>
+              </a:defRPr>
+            </a:lvl1pPr>
+            <a:lvl2pPr marL="457200" indent="0">
+              <a:buNone/>
+              <a:defRPr sz="1800">
+                <a:solidFill>
+                  <a:schemeClr val="tx1">
+                    <a:tint val="75000"/>
+                  </a:schemeClr>
+                </a:solidFill>
+              </a:defRPr>
+            </a:lvl2pPr>
+            <a:lvl3pPr marL="914400" indent="0">
+              <a:buNone/>
+              <a:defRPr sz="1600">
+                <a:solidFill>
+                  <a:schemeClr val="tx1">
+                    <a:tint val="75000"/>
+                  </a:schemeClr>
+                </a:solidFill>
+              </a:defRPr>
+            </a:lvl3pPr>
+            <a:lvl4pPr marL="1371600" indent="0">
+              <a:buNone/>
+              <a:defRPr sz="1400">
+                <a:solidFill>
+                  <a:schemeClr val="tx1">
+                    <a:tint val="75000"/>
+                  </a:schemeClr>
+                </a:solidFill>
+              </a:defRPr>
+            </a:lvl4pPr>
+            <a:lvl5pPr marL="1828800" indent="0">
+              <a:buNone/>
+              <a:defRPr sz="1400">
+                <a:solidFill>
+                  <a:schemeClr val="tx1">
+                    <a:tint val="75000"/>
+                  </a:schemeClr>
+                </a:solidFill>
+              </a:defRPr>
+            </a:lvl5pPr>
+            <a:lvl6pPr marL="2286000" indent="0">
+              <a:buNone/>
+              <a:defRPr sz="1400">
+                <a:solidFill>
+                  <a:schemeClr val="tx1">
+                    <a:tint val="75000"/>
+                  </a:schemeClr>
+                </a:solidFill>
+              </a:defRPr>
+            </a:lvl6pPr>
+            <a:lvl7pPr marL="2743200" indent="0">
+              <a:buNone/>
+              <a:defRPr sz="1400">
+                <a:solidFill>
+                  <a:schemeClr val="tx1">
+                    <a:tint val="75000"/>
+                  </a:schemeClr>
+                </a:solidFill>
+              </a:defRPr>
+            </a:lvl7pPr>
+            <a:lvl8pPr marL="3200400" indent="0">
+              <a:buNone/>
+              <a:defRPr sz="1400">
+                <a:solidFill>
+                  <a:schemeClr val="tx1">
+                    <a:tint val="75000"/>
+                  </a:schemeClr>
+                </a:solidFill>
+              </a:defRPr>
+            </a:lvl8pPr>
+            <a:lvl9pPr marL="3657600" indent="0">
+              <a:buNone/>
+              <a:defRPr sz="1400">
+                <a:solidFill>
+                  <a:schemeClr val="tx1">
+                    <a:tint val="75000"/>
+                  </a:schemeClr>
+                </a:solidFill>
+              </a:defRPr>
+            </a:lvl9pPr>
+          </a:lstStyle>
+          <a:p>
+            <a:pPr lvl="0"/>
+            <a:r>
+              <a:rPr lang="ru-RU"/>
+              <a:t>Образец текста</a:t>
+            </a:r>
+          </a:p>
+        </p:txBody>
+      </p:sp>
+      <p:sp>
+        <p:nvSpPr>
+          <p:cNvPr id="4" name="Date Placeholder 3"/>
+          <p:cNvSpPr>
+            <a:spLocks noGrp="1"/>
+          </p:cNvSpPr>
+          <p:nvPr>
+            <p:ph type="dt" sz="half" idx="10"/>
+          </p:nvPr>
+        </p:nvSpPr>
+        <p:spPr/>
+        <p:txBody>
+          <a:bodyPr/>
+          <a:lstStyle/>
+          <a:p>
+            <a:fld id="{EFC8ABA4-CCD7-4540-A12A-E2FC69BF12D3}" type="datetimeFigureOut">
+              <a:rPr lang="ru-RU" smtClean="0"/>
+              <a:t>21.04.2022</a:t>
+            </a:fld>
+            <a:endParaRPr lang="ru-RU"/>
+          </a:p>
+        </p:txBody>
+      </p:sp>
+      <p:sp>
+        <p:nvSpPr>
+          <p:cNvPr id="5" name="Footer Placeholder 4"/>
+          <p:cNvSpPr>
+            <a:spLocks noGrp="1"/>
+          </p:cNvSpPr>
+          <p:nvPr>
+            <p:ph type="ftr" sz="quarter" idx="11"/>
+          </p:nvPr>
+        </p:nvSpPr>
+        <p:spPr/>
+        <p:txBody>
+          <a:bodyPr/>
+          <a:lstStyle/>
+          <a:p>
+            <a:endParaRPr lang="ru-RU"/>
+          </a:p>
+        </p:txBody>
+      </p:sp>
+      <p:sp>
+        <p:nvSpPr>
+          <p:cNvPr id="11" name="Freeform 11"/>
+          <p:cNvSpPr/>
+          <p:nvPr/>
+        </p:nvSpPr>
+        <p:spPr bwMode="auto">
+          <a:xfrm flipV="1">
+            <a:off x="-4189" y="3178175"/>
+            <a:ext cx="1588527" cy="507297"/>
+          </a:xfrm>
+          <a:custGeom>
+            <a:avLst/>
+            <a:gdLst/>
+            <a:ahLst/>
+            <a:cxnLst/>
+            <a:rect l="l" t="t" r="r" b="b"/>
+            <a:pathLst>
+              <a:path w="9248" h="10000">
+                <a:moveTo>
+                  <a:pt x="9248" y="4701"/>
+                </a:moveTo>
+                <a:lnTo>
+                  <a:pt x="7915" y="188"/>
+                </a:lnTo>
+                <a:cubicBezTo>
+                  <a:pt x="7906" y="156"/>
+                  <a:pt x="7895" y="126"/>
+                  <a:pt x="7886" y="94"/>
+                </a:cubicBezTo>
+                <a:cubicBezTo>
+                  <a:pt x="7859" y="0"/>
+                  <a:pt x="7831" y="0"/>
+                  <a:pt x="7803" y="0"/>
+                </a:cubicBezTo>
+                <a:lnTo>
+                  <a:pt x="7275" y="0"/>
+                </a:lnTo>
+                <a:lnTo>
+                  <a:pt x="0" y="70"/>
+                </a:lnTo>
+                <a:cubicBezTo>
+                  <a:pt x="8" y="3380"/>
+                  <a:pt x="17" y="6690"/>
+                  <a:pt x="25" y="10000"/>
+                </a:cubicBezTo>
+                <a:lnTo>
+                  <a:pt x="7275" y="9966"/>
+                </a:lnTo>
+                <a:lnTo>
+                  <a:pt x="7803" y="9966"/>
+                </a:lnTo>
+                <a:cubicBezTo>
+                  <a:pt x="7831" y="9966"/>
+                  <a:pt x="7859" y="9872"/>
+                  <a:pt x="7886" y="9872"/>
+                </a:cubicBezTo>
+                <a:cubicBezTo>
+                  <a:pt x="7886" y="9778"/>
+                  <a:pt x="7915" y="9778"/>
+                  <a:pt x="7915" y="9778"/>
+                </a:cubicBezTo>
+                <a:lnTo>
+                  <a:pt x="9248" y="5265"/>
+                </a:lnTo>
+                <a:cubicBezTo>
+                  <a:pt x="9303" y="5077"/>
+                  <a:pt x="9303" y="4889"/>
+                  <a:pt x="9248" y="4701"/>
+                </a:cubicBezTo>
+                <a:close/>
+              </a:path>
+            </a:pathLst>
+          </a:custGeom>
+          <a:solidFill>
+            <a:schemeClr val="accent1"/>
+          </a:solidFill>
+          <a:ln>
+            <a:noFill/>
+          </a:ln>
+        </p:spPr>
+      </p:sp>
+      <p:sp>
+        <p:nvSpPr>
+          <p:cNvPr id="6" name="Slide Number Placeholder 5"/>
+          <p:cNvSpPr>
+            <a:spLocks noGrp="1"/>
+          </p:cNvSpPr>
+          <p:nvPr>
+            <p:ph type="sldNum" sz="quarter" idx="12"/>
+          </p:nvPr>
+        </p:nvSpPr>
+        <p:spPr>
+          <a:xfrm>
+            <a:off x="531812" y="3244139"/>
+            <a:ext cx="779767" cy="365125"/>
+          </a:xfrm>
+        </p:spPr>
+        <p:txBody>
+          <a:bodyPr/>
+          <a:lstStyle/>
+          <a:p>
+            <a:fld id="{34180137-54F4-4A16-A60A-E4381F255B74}" type="slidenum">
+              <a:rPr lang="ru-RU" smtClean="0"/>
+              <a:t>‹#›</a:t>
+            </a:fld>
+            <a:endParaRPr lang="ru-RU"/>
+          </a:p>
+        </p:txBody>
+      </p:sp>
+      <p:sp>
+        <p:nvSpPr>
+          <p:cNvPr id="14" name="TextBox 13"/>
+          <p:cNvSpPr txBox="1"/>
+          <p:nvPr/>
+        </p:nvSpPr>
+        <p:spPr>
+          <a:xfrm>
+            <a:off x="2467652" y="648005"/>
+            <a:ext cx="609600" cy="584776"/>
+          </a:xfrm>
+          <a:prstGeom prst="rect">
+            <a:avLst/>
+          </a:prstGeom>
+        </p:spPr>
+        <p:txBody>
+          <a:bodyPr vert="horz" lIns="91440" tIns="45720" rIns="91440" bIns="45720" rtlCol="0" anchor="ctr">
+            <a:noAutofit/>
+          </a:bodyPr>
+          <a:lstStyle/>
+          <a:p>
+            <a:pPr lvl="0"/>
+            <a:r>
+              <a:rPr lang="en-US" sz="8000" baseline="0" dirty="0">
+                <a:ln w="3175" cmpd="sng">
+                  <a:noFill/>
+                </a:ln>
+                <a:solidFill>
+                  <a:schemeClr val="accent1"/>
+                </a:solidFill>
+                <a:effectLst/>
+                <a:latin typeface="Arial"/>
+              </a:rPr>
+              <a:t>“</a:t>
+            </a:r>
+          </a:p>
+        </p:txBody>
+      </p:sp>
+      <p:sp>
+        <p:nvSpPr>
+          <p:cNvPr id="15" name="TextBox 14"/>
+          <p:cNvSpPr txBox="1"/>
+          <p:nvPr/>
+        </p:nvSpPr>
+        <p:spPr>
+          <a:xfrm>
+            <a:off x="11114852" y="2905306"/>
+            <a:ext cx="609600" cy="584776"/>
+          </a:xfrm>
+          <a:prstGeom prst="rect">
+            <a:avLst/>
+          </a:prstGeom>
+        </p:spPr>
+        <p:txBody>
+          <a:bodyPr vert="horz" lIns="91440" tIns="45720" rIns="91440" bIns="45720" rtlCol="0" anchor="ctr">
+            <a:noAutofit/>
+          </a:bodyPr>
+          <a:lstStyle/>
+          <a:p>
+            <a:pPr lvl="0"/>
+            <a:r>
+              <a:rPr lang="en-US" sz="8000" baseline="0" dirty="0">
+                <a:ln w="3175" cmpd="sng">
+                  <a:noFill/>
+                </a:ln>
+                <a:solidFill>
+                  <a:schemeClr val="accent1"/>
+                </a:solidFill>
+                <a:effectLst/>
+                <a:latin typeface="Arial"/>
+              </a:rPr>
+              <a:t>”</a:t>
+            </a:r>
+          </a:p>
+        </p:txBody>
+      </p:sp>
+    </p:spTree>
+    <p:extLst>
+      <p:ext uri="{BB962C8B-B14F-4D97-AF65-F5344CB8AC3E}">
+        <p14:creationId xmlns:p14="http://schemas.microsoft.com/office/powerpoint/2010/main" val="3074927429"/>
+      </p:ext>
+    </p:extLst>
+  </p:cSld>
+  <p:clrMapOvr>
+    <a:masterClrMapping/>
+  </p:clrMapOvr>
+</p:sldLayout>
+</file>
+
+<file path=ppt/slideLayouts/slideLayout12.xml><?xml version="1.0" encoding="utf-8"?>
+<p:sldLayout xmlns:a="http://schemas.openxmlformats.org/drawingml/2006/main" xmlns:r="http://schemas.openxmlformats.org/officeDocument/2006/relationships" xmlns:p="http://schemas.openxmlformats.org/presentationml/2006/main" preserve="1">
+  <p:cSld name="Карточка имени">
+    <p:spTree>
+      <p:nvGrpSpPr>
+        <p:cNvPr id="1" name=""/>
+        <p:cNvGrpSpPr/>
+        <p:nvPr/>
+      </p:nvGrpSpPr>
+      <p:grpSpPr>
+        <a:xfrm>
+          <a:off x="0" y="0"/>
+          <a:ext cx="0" cy="0"/>
+          <a:chOff x="0" y="0"/>
+          <a:chExt cx="0" cy="0"/>
+        </a:xfrm>
+      </p:grpSpPr>
+      <p:sp>
+        <p:nvSpPr>
+          <p:cNvPr id="2" name="Title 1"/>
+          <p:cNvSpPr>
+            <a:spLocks noGrp="1"/>
+          </p:cNvSpPr>
+          <p:nvPr>
+            <p:ph type="title"/>
+          </p:nvPr>
+        </p:nvSpPr>
+        <p:spPr>
+          <a:xfrm>
+            <a:off x="2589213" y="2438400"/>
+            <a:ext cx="8915400" cy="2724845"/>
+          </a:xfrm>
+        </p:spPr>
+        <p:txBody>
+          <a:bodyPr anchor="b">
+            <a:normAutofit/>
+          </a:bodyPr>
+          <a:lstStyle>
+            <a:lvl1pPr algn="l">
+              <a:defRPr sz="4800" b="0"/>
+            </a:lvl1pPr>
+          </a:lstStyle>
+          <a:p>
+            <a:r>
+              <a:rPr lang="ru-RU"/>
+              <a:t>Образец заголовка</a:t>
+            </a:r>
+            <a:endParaRPr lang="en-US" dirty="0"/>
+          </a:p>
+        </p:txBody>
+      </p:sp>
+      <p:sp>
+        <p:nvSpPr>
+          <p:cNvPr id="4" name="Text Placeholder 3"/>
+          <p:cNvSpPr>
+            <a:spLocks noGrp="1"/>
+          </p:cNvSpPr>
+          <p:nvPr>
+            <p:ph type="body" sz="half" idx="2"/>
+          </p:nvPr>
+        </p:nvSpPr>
+        <p:spPr>
+          <a:xfrm>
+            <a:off x="2589213" y="5181600"/>
+            <a:ext cx="8915400" cy="729622"/>
+          </a:xfrm>
+        </p:spPr>
+        <p:txBody>
+          <a:bodyPr vert="horz" lIns="91440" tIns="45720" rIns="91440" bIns="45720" rtlCol="0" anchor="t">
+            <a:normAutofit/>
+          </a:bodyPr>
+          <a:lstStyle>
+            <a:lvl1pPr>
+              <a:buNone/>
+              <a:defRPr lang="en-US">
+                <a:solidFill>
+                  <a:schemeClr val="tx1">
+                    <a:lumMod val="65000"/>
+                    <a:lumOff val="35000"/>
+                  </a:schemeClr>
+                </a:solidFill>
+              </a:defRPr>
+            </a:lvl1pPr>
+          </a:lstStyle>
+          <a:p>
+            <a:pPr marL="0" lvl="0" indent="0">
+              <a:buNone/>
+            </a:pPr>
+            <a:r>
+              <a:rPr lang="ru-RU"/>
+              <a:t>Образец текста</a:t>
+            </a:r>
+          </a:p>
+        </p:txBody>
+      </p:sp>
+      <p:sp>
+        <p:nvSpPr>
+          <p:cNvPr id="5" name="Date Placeholder 4"/>
+          <p:cNvSpPr>
+            <a:spLocks noGrp="1"/>
+          </p:cNvSpPr>
+          <p:nvPr>
+            <p:ph type="dt" sz="half" idx="10"/>
+          </p:nvPr>
+        </p:nvSpPr>
+        <p:spPr/>
+        <p:txBody>
+          <a:bodyPr/>
+          <a:lstStyle/>
+          <a:p>
+            <a:fld id="{EFC8ABA4-CCD7-4540-A12A-E2FC69BF12D3}" type="datetimeFigureOut">
+              <a:rPr lang="ru-RU" smtClean="0"/>
+              <a:t>21.04.2022</a:t>
+            </a:fld>
+            <a:endParaRPr lang="ru-RU"/>
+          </a:p>
+        </p:txBody>
+      </p:sp>
+      <p:sp>
+        <p:nvSpPr>
+          <p:cNvPr id="6" name="Footer Placeholder 5"/>
+          <p:cNvSpPr>
+            <a:spLocks noGrp="1"/>
+          </p:cNvSpPr>
+          <p:nvPr>
+            <p:ph type="ftr" sz="quarter" idx="11"/>
+          </p:nvPr>
+        </p:nvSpPr>
+        <p:spPr/>
+        <p:txBody>
+          <a:bodyPr/>
+          <a:lstStyle/>
+          <a:p>
+            <a:endParaRPr lang="ru-RU"/>
+          </a:p>
+        </p:txBody>
+      </p:sp>
+      <p:sp>
+        <p:nvSpPr>
+          <p:cNvPr id="9" name="Freeform 11"/>
+          <p:cNvSpPr/>
+          <p:nvPr/>
+        </p:nvSpPr>
+        <p:spPr bwMode="auto">
+          <a:xfrm flipV="1">
+            <a:off x="-4189" y="4911725"/>
+            <a:ext cx="1588527" cy="507297"/>
+          </a:xfrm>
+          <a:custGeom>
+            <a:avLst/>
+            <a:gdLst/>
+            <a:ahLst/>
+            <a:cxnLst/>
+            <a:rect l="l" t="t" r="r" b="b"/>
+            <a:pathLst>
+              <a:path w="9248" h="10000">
+                <a:moveTo>
+                  <a:pt x="9248" y="4701"/>
+                </a:moveTo>
+                <a:lnTo>
+                  <a:pt x="7915" y="188"/>
+                </a:lnTo>
+                <a:cubicBezTo>
+                  <a:pt x="7906" y="156"/>
+                  <a:pt x="7895" y="126"/>
+                  <a:pt x="7886" y="94"/>
+                </a:cubicBezTo>
+                <a:cubicBezTo>
+                  <a:pt x="7859" y="0"/>
+                  <a:pt x="7831" y="0"/>
+                  <a:pt x="7803" y="0"/>
+                </a:cubicBezTo>
+                <a:lnTo>
+                  <a:pt x="7275" y="0"/>
+                </a:lnTo>
+                <a:lnTo>
+                  <a:pt x="0" y="70"/>
+                </a:lnTo>
+                <a:cubicBezTo>
+                  <a:pt x="8" y="3380"/>
+                  <a:pt x="17" y="6690"/>
+                  <a:pt x="25" y="10000"/>
+                </a:cubicBezTo>
+                <a:lnTo>
+                  <a:pt x="7275" y="9966"/>
+                </a:lnTo>
+                <a:lnTo>
+                  <a:pt x="7803" y="9966"/>
+                </a:lnTo>
+                <a:cubicBezTo>
+                  <a:pt x="7831" y="9966"/>
+                  <a:pt x="7859" y="9872"/>
+                  <a:pt x="7886" y="9872"/>
+                </a:cubicBezTo>
+                <a:cubicBezTo>
+                  <a:pt x="7886" y="9778"/>
+                  <a:pt x="7915" y="9778"/>
+                  <a:pt x="7915" y="9778"/>
+                </a:cubicBezTo>
+                <a:lnTo>
+                  <a:pt x="9248" y="5265"/>
+                </a:lnTo>
+                <a:cubicBezTo>
+                  <a:pt x="9303" y="5077"/>
+                  <a:pt x="9303" y="4889"/>
+                  <a:pt x="9248" y="4701"/>
+                </a:cubicBezTo>
+                <a:close/>
+              </a:path>
+            </a:pathLst>
+          </a:custGeom>
+          <a:solidFill>
+            <a:schemeClr val="accent1"/>
+          </a:solidFill>
+          <a:ln>
+            <a:noFill/>
+          </a:ln>
+        </p:spPr>
+      </p:sp>
+      <p:sp>
+        <p:nvSpPr>
+          <p:cNvPr id="7" name="Slide Number Placeholder 6"/>
+          <p:cNvSpPr>
+            <a:spLocks noGrp="1"/>
+          </p:cNvSpPr>
+          <p:nvPr>
+            <p:ph type="sldNum" sz="quarter" idx="12"/>
+          </p:nvPr>
+        </p:nvSpPr>
+        <p:spPr>
+          <a:xfrm>
+            <a:off x="531812" y="4983087"/>
+            <a:ext cx="779767" cy="365125"/>
+          </a:xfrm>
+        </p:spPr>
+        <p:txBody>
+          <a:bodyPr/>
+          <a:lstStyle/>
+          <a:p>
+            <a:fld id="{34180137-54F4-4A16-A60A-E4381F255B74}" type="slidenum">
+              <a:rPr lang="ru-RU" smtClean="0"/>
+              <a:t>‹#›</a:t>
+            </a:fld>
+            <a:endParaRPr lang="ru-RU"/>
+          </a:p>
+        </p:txBody>
+      </p:sp>
+    </p:spTree>
+    <p:extLst>
+      <p:ext uri="{BB962C8B-B14F-4D97-AF65-F5344CB8AC3E}">
+        <p14:creationId xmlns:p14="http://schemas.microsoft.com/office/powerpoint/2010/main" val="2866203948"/>
+      </p:ext>
+    </p:extLst>
+  </p:cSld>
+  <p:clrMapOvr>
+    <a:masterClrMapping/>
+  </p:clrMapOvr>
+</p:sldLayout>
+</file>
+
+<file path=ppt/slideLayouts/slideLayout13.xml><?xml version="1.0" encoding="utf-8"?>
+<p:sldLayout xmlns:a="http://schemas.openxmlformats.org/drawingml/2006/main" xmlns:r="http://schemas.openxmlformats.org/officeDocument/2006/relationships" xmlns:p="http://schemas.openxmlformats.org/presentationml/2006/main" preserve="1">
+  <p:cSld name="Цитата карточки имени">
+    <p:spTree>
+      <p:nvGrpSpPr>
+        <p:cNvPr id="1" name=""/>
+        <p:cNvGrpSpPr/>
+        <p:nvPr/>
+      </p:nvGrpSpPr>
+      <p:grpSpPr>
+        <a:xfrm>
+          <a:off x="0" y="0"/>
+          <a:ext cx="0" cy="0"/>
+          <a:chOff x="0" y="0"/>
+          <a:chExt cx="0" cy="0"/>
+        </a:xfrm>
+      </p:grpSpPr>
+      <p:sp>
+        <p:nvSpPr>
+          <p:cNvPr id="12" name="Title 1"/>
+          <p:cNvSpPr>
+            <a:spLocks noGrp="1"/>
+          </p:cNvSpPr>
+          <p:nvPr>
+            <p:ph type="title"/>
+          </p:nvPr>
+        </p:nvSpPr>
+        <p:spPr>
+          <a:xfrm>
+            <a:off x="2849949" y="609600"/>
+            <a:ext cx="8393926" cy="2895600"/>
+          </a:xfrm>
+        </p:spPr>
+        <p:txBody>
+          <a:bodyPr anchor="ctr">
+            <a:normAutofit/>
+          </a:bodyPr>
+          <a:lstStyle>
+            <a:lvl1pPr algn="l">
+              <a:defRPr sz="4800" b="0" cap="none"/>
+            </a:lvl1pPr>
+          </a:lstStyle>
+          <a:p>
+            <a:r>
+              <a:rPr lang="ru-RU"/>
+              <a:t>Образец заголовка</a:t>
+            </a:r>
+            <a:endParaRPr lang="en-US" dirty="0"/>
+          </a:p>
+        </p:txBody>
+      </p:sp>
+      <p:sp>
+        <p:nvSpPr>
+          <p:cNvPr id="21" name="Text Placeholder 9"/>
+          <p:cNvSpPr>
+            <a:spLocks noGrp="1"/>
+          </p:cNvSpPr>
+          <p:nvPr>
+            <p:ph type="body" sz="quarter" idx="13"/>
+          </p:nvPr>
+        </p:nvSpPr>
+        <p:spPr>
+          <a:xfrm>
+            <a:off x="2589212" y="4343400"/>
+            <a:ext cx="8915400" cy="838200"/>
+          </a:xfrm>
+        </p:spPr>
+        <p:txBody>
+          <a:bodyPr anchor="b">
+            <a:noAutofit/>
+          </a:bodyPr>
+          <a:lstStyle>
+            <a:lvl1pPr marL="0" indent="0">
+              <a:buFontTx/>
+              <a:buNone/>
+              <a:defRPr sz="2400">
+                <a:solidFill>
+                  <a:schemeClr val="accent1"/>
+                </a:solidFill>
+              </a:defRPr>
+            </a:lvl1pPr>
+            <a:lvl2pPr marL="457200" indent="0">
+              <a:buFontTx/>
+              <a:buNone/>
+              <a:defRPr/>
+            </a:lvl2pPr>
+            <a:lvl3pPr marL="914400" indent="0">
+              <a:buFontTx/>
+              <a:buNone/>
+              <a:defRPr/>
+            </a:lvl3pPr>
+            <a:lvl4pPr marL="1371600" indent="0">
+              <a:buFontTx/>
+              <a:buNone/>
+              <a:defRPr/>
+            </a:lvl4pPr>
+            <a:lvl5pPr marL="1828800" indent="0">
+              <a:buFontTx/>
+              <a:buNone/>
+              <a:defRPr/>
+            </a:lvl5pPr>
+          </a:lstStyle>
+          <a:p>
+            <a:pPr lvl="0"/>
+            <a:r>
+              <a:rPr lang="ru-RU"/>
+              <a:t>Образец текста</a:t>
+            </a:r>
+          </a:p>
+        </p:txBody>
+      </p:sp>
+      <p:sp>
+        <p:nvSpPr>
+          <p:cNvPr id="4" name="Text Placeholder 3"/>
+          <p:cNvSpPr>
+            <a:spLocks noGrp="1"/>
+          </p:cNvSpPr>
+          <p:nvPr>
+            <p:ph type="body" sz="half" idx="2"/>
+          </p:nvPr>
+        </p:nvSpPr>
+        <p:spPr>
+          <a:xfrm>
+            <a:off x="2589213" y="5181600"/>
+            <a:ext cx="8915400" cy="729622"/>
+          </a:xfrm>
+        </p:spPr>
+        <p:txBody>
+          <a:bodyPr vert="horz" lIns="91440" tIns="45720" rIns="91440" bIns="45720" rtlCol="0" anchor="t">
+            <a:normAutofit/>
+          </a:bodyPr>
+          <a:lstStyle>
+            <a:lvl1pPr>
+              <a:buNone/>
+              <a:defRPr lang="en-US">
+                <a:solidFill>
+                  <a:schemeClr val="tx1">
+                    <a:lumMod val="65000"/>
+                    <a:lumOff val="35000"/>
+                  </a:schemeClr>
+                </a:solidFill>
+              </a:defRPr>
+            </a:lvl1pPr>
+          </a:lstStyle>
+          <a:p>
+            <a:pPr marL="0" lvl="0" indent="0">
+              <a:buNone/>
+            </a:pPr>
+            <a:r>
+              <a:rPr lang="ru-RU"/>
+              <a:t>Образец текста</a:t>
+            </a:r>
+          </a:p>
+        </p:txBody>
+      </p:sp>
+      <p:sp>
+        <p:nvSpPr>
+          <p:cNvPr id="5" name="Date Placeholder 4"/>
+          <p:cNvSpPr>
+            <a:spLocks noGrp="1"/>
+          </p:cNvSpPr>
+          <p:nvPr>
+            <p:ph type="dt" sz="half" idx="10"/>
+          </p:nvPr>
+        </p:nvSpPr>
+        <p:spPr/>
+        <p:txBody>
+          <a:bodyPr/>
+          <a:lstStyle/>
+          <a:p>
+            <a:fld id="{EFC8ABA4-CCD7-4540-A12A-E2FC69BF12D3}" type="datetimeFigureOut">
+              <a:rPr lang="ru-RU" smtClean="0"/>
+              <a:t>21.04.2022</a:t>
+            </a:fld>
+            <a:endParaRPr lang="ru-RU"/>
+          </a:p>
+        </p:txBody>
+      </p:sp>
+      <p:sp>
+        <p:nvSpPr>
+          <p:cNvPr id="6" name="Footer Placeholder 5"/>
+          <p:cNvSpPr>
+            <a:spLocks noGrp="1"/>
+          </p:cNvSpPr>
+          <p:nvPr>
+            <p:ph type="ftr" sz="quarter" idx="11"/>
+          </p:nvPr>
+        </p:nvSpPr>
+        <p:spPr/>
+        <p:txBody>
+          <a:bodyPr/>
+          <a:lstStyle/>
+          <a:p>
+            <a:endParaRPr lang="ru-RU"/>
+          </a:p>
+        </p:txBody>
+      </p:sp>
+      <p:sp>
+        <p:nvSpPr>
+          <p:cNvPr id="11" name="Freeform 11"/>
+          <p:cNvSpPr/>
+          <p:nvPr/>
+        </p:nvSpPr>
+        <p:spPr bwMode="auto">
+          <a:xfrm flipV="1">
+            <a:off x="-4189" y="4911725"/>
+            <a:ext cx="1588527" cy="507297"/>
+          </a:xfrm>
+          <a:custGeom>
+            <a:avLst/>
+            <a:gdLst/>
+            <a:ahLst/>
+            <a:cxnLst/>
+            <a:rect l="l" t="t" r="r" b="b"/>
+            <a:pathLst>
+              <a:path w="9248" h="10000">
+                <a:moveTo>
+                  <a:pt x="9248" y="4701"/>
+                </a:moveTo>
+                <a:lnTo>
+                  <a:pt x="7915" y="188"/>
+                </a:lnTo>
+                <a:cubicBezTo>
+                  <a:pt x="7906" y="156"/>
+                  <a:pt x="7895" y="126"/>
+                  <a:pt x="7886" y="94"/>
+                </a:cubicBezTo>
+                <a:cubicBezTo>
+                  <a:pt x="7859" y="0"/>
+                  <a:pt x="7831" y="0"/>
+                  <a:pt x="7803" y="0"/>
+                </a:cubicBezTo>
+                <a:lnTo>
+                  <a:pt x="7275" y="0"/>
+                </a:lnTo>
+                <a:lnTo>
+                  <a:pt x="0" y="70"/>
+                </a:lnTo>
+                <a:cubicBezTo>
+                  <a:pt x="8" y="3380"/>
+                  <a:pt x="17" y="6690"/>
+                  <a:pt x="25" y="10000"/>
+                </a:cubicBezTo>
+                <a:lnTo>
+                  <a:pt x="7275" y="9966"/>
+                </a:lnTo>
+                <a:lnTo>
+                  <a:pt x="7803" y="9966"/>
+                </a:lnTo>
+                <a:cubicBezTo>
+                  <a:pt x="7831" y="9966"/>
+                  <a:pt x="7859" y="9872"/>
+                  <a:pt x="7886" y="9872"/>
+                </a:cubicBezTo>
+                <a:cubicBezTo>
+                  <a:pt x="7886" y="9778"/>
+                  <a:pt x="7915" y="9778"/>
+                  <a:pt x="7915" y="9778"/>
+                </a:cubicBezTo>
+                <a:lnTo>
+                  <a:pt x="9248" y="5265"/>
+                </a:lnTo>
+                <a:cubicBezTo>
+                  <a:pt x="9303" y="5077"/>
+                  <a:pt x="9303" y="4889"/>
+                  <a:pt x="9248" y="4701"/>
+                </a:cubicBezTo>
+                <a:close/>
+              </a:path>
+            </a:pathLst>
+          </a:custGeom>
+          <a:solidFill>
+            <a:schemeClr val="accent1"/>
+          </a:solidFill>
+          <a:ln>
+            <a:noFill/>
+          </a:ln>
+        </p:spPr>
+      </p:sp>
+      <p:sp>
+        <p:nvSpPr>
+          <p:cNvPr id="7" name="Slide Number Placeholder 6"/>
+          <p:cNvSpPr>
+            <a:spLocks noGrp="1"/>
+          </p:cNvSpPr>
+          <p:nvPr>
+            <p:ph type="sldNum" sz="quarter" idx="12"/>
+          </p:nvPr>
+        </p:nvSpPr>
+        <p:spPr>
+          <a:xfrm>
+            <a:off x="531812" y="4983087"/>
+            <a:ext cx="779767" cy="365125"/>
+          </a:xfrm>
+        </p:spPr>
+        <p:txBody>
+          <a:bodyPr/>
+          <a:lstStyle/>
+          <a:p>
+            <a:fld id="{34180137-54F4-4A16-A60A-E4381F255B74}" type="slidenum">
+              <a:rPr lang="ru-RU" smtClean="0"/>
+              <a:t>‹#›</a:t>
+            </a:fld>
+            <a:endParaRPr lang="ru-RU"/>
+          </a:p>
+        </p:txBody>
+      </p:sp>
+      <p:sp>
+        <p:nvSpPr>
+          <p:cNvPr id="17" name="TextBox 16"/>
+          <p:cNvSpPr txBox="1"/>
+          <p:nvPr/>
+        </p:nvSpPr>
+        <p:spPr>
+          <a:xfrm>
+            <a:off x="2467652" y="648005"/>
+            <a:ext cx="609600" cy="584776"/>
+          </a:xfrm>
+          <a:prstGeom prst="rect">
+            <a:avLst/>
+          </a:prstGeom>
+        </p:spPr>
+        <p:txBody>
+          <a:bodyPr vert="horz" lIns="91440" tIns="45720" rIns="91440" bIns="45720" rtlCol="0" anchor="ctr">
+            <a:noAutofit/>
+          </a:bodyPr>
+          <a:lstStyle/>
+          <a:p>
+            <a:pPr lvl="0"/>
+            <a:r>
+              <a:rPr lang="en-US" sz="8000" baseline="0" dirty="0">
+                <a:ln w="3175" cmpd="sng">
+                  <a:noFill/>
+                </a:ln>
+                <a:solidFill>
+                  <a:schemeClr val="accent1"/>
+                </a:solidFill>
+                <a:effectLst/>
+                <a:latin typeface="Arial"/>
+              </a:rPr>
+              <a:t>“</a:t>
+            </a:r>
+          </a:p>
+        </p:txBody>
+      </p:sp>
+      <p:sp>
+        <p:nvSpPr>
+          <p:cNvPr id="18" name="TextBox 17"/>
+          <p:cNvSpPr txBox="1"/>
+          <p:nvPr/>
+        </p:nvSpPr>
+        <p:spPr>
+          <a:xfrm>
+            <a:off x="11114852" y="2905306"/>
+            <a:ext cx="609600" cy="584776"/>
+          </a:xfrm>
+          <a:prstGeom prst="rect">
+            <a:avLst/>
+          </a:prstGeom>
+        </p:spPr>
+        <p:txBody>
+          <a:bodyPr vert="horz" lIns="91440" tIns="45720" rIns="91440" bIns="45720" rtlCol="0" anchor="ctr">
+            <a:noAutofit/>
+          </a:bodyPr>
+          <a:lstStyle/>
+          <a:p>
+            <a:pPr lvl="0"/>
+            <a:r>
+              <a:rPr lang="en-US" sz="8000" baseline="0" dirty="0">
+                <a:ln w="3175" cmpd="sng">
+                  <a:noFill/>
+                </a:ln>
+                <a:solidFill>
+                  <a:schemeClr val="accent1"/>
+                </a:solidFill>
+                <a:effectLst/>
+                <a:latin typeface="Arial"/>
+              </a:rPr>
+              <a:t>”</a:t>
+            </a:r>
+          </a:p>
+        </p:txBody>
+      </p:sp>
+    </p:spTree>
+    <p:extLst>
+      <p:ext uri="{BB962C8B-B14F-4D97-AF65-F5344CB8AC3E}">
+        <p14:creationId xmlns:p14="http://schemas.microsoft.com/office/powerpoint/2010/main" val="2662941107"/>
+      </p:ext>
+    </p:extLst>
+  </p:cSld>
+  <p:clrMapOvr>
+    <a:masterClrMapping/>
+  </p:clrMapOvr>
+</p:sldLayout>
+</file>
+
+<file path=ppt/slideLayouts/slideLayout14.xml><?xml version="1.0" encoding="utf-8"?>
+<p:sldLayout xmlns:a="http://schemas.openxmlformats.org/drawingml/2006/main" xmlns:r="http://schemas.openxmlformats.org/officeDocument/2006/relationships" xmlns:p="http://schemas.openxmlformats.org/presentationml/2006/main" preserve="1">
+  <p:cSld name="Истина или ложь">
+    <p:spTree>
+      <p:nvGrpSpPr>
+        <p:cNvPr id="1" name=""/>
+        <p:cNvGrpSpPr/>
+        <p:nvPr/>
+      </p:nvGrpSpPr>
+      <p:grpSpPr>
+        <a:xfrm>
+          <a:off x="0" y="0"/>
+          <a:ext cx="0" cy="0"/>
+          <a:chOff x="0" y="0"/>
+          <a:chExt cx="0" cy="0"/>
+        </a:xfrm>
+      </p:grpSpPr>
+      <p:sp>
+        <p:nvSpPr>
+          <p:cNvPr id="2" name="Title 1"/>
+          <p:cNvSpPr>
+            <a:spLocks noGrp="1"/>
+          </p:cNvSpPr>
+          <p:nvPr>
+            <p:ph type="title"/>
+          </p:nvPr>
+        </p:nvSpPr>
+        <p:spPr>
+          <a:xfrm>
+            <a:off x="2589212" y="627407"/>
+            <a:ext cx="8915399" cy="2880020"/>
+          </a:xfrm>
+        </p:spPr>
+        <p:txBody>
+          <a:bodyPr anchor="ctr">
+            <a:normAutofit/>
+          </a:bodyPr>
+          <a:lstStyle>
+            <a:lvl1pPr algn="l">
+              <a:defRPr sz="4800" b="0"/>
+            </a:lvl1pPr>
+          </a:lstStyle>
+          <a:p>
+            <a:r>
+              <a:rPr lang="ru-RU"/>
+              <a:t>Образец заголовка</a:t>
+            </a:r>
+            <a:endParaRPr lang="en-US" dirty="0"/>
+          </a:p>
+        </p:txBody>
+      </p:sp>
+      <p:sp>
+        <p:nvSpPr>
+          <p:cNvPr id="21" name="Text Placeholder 9"/>
+          <p:cNvSpPr>
+            <a:spLocks noGrp="1"/>
+          </p:cNvSpPr>
+          <p:nvPr>
+            <p:ph type="body" sz="quarter" idx="13"/>
+          </p:nvPr>
+        </p:nvSpPr>
+        <p:spPr>
+          <a:xfrm>
+            <a:off x="2589212" y="4343400"/>
+            <a:ext cx="8915400" cy="838200"/>
+          </a:xfrm>
+        </p:spPr>
+        <p:txBody>
+          <a:bodyPr anchor="b">
+            <a:noAutofit/>
+          </a:bodyPr>
+          <a:lstStyle>
+            <a:lvl1pPr marL="0" indent="0">
+              <a:buFontTx/>
+              <a:buNone/>
+              <a:defRPr sz="2400">
+                <a:solidFill>
+                  <a:schemeClr val="accent1"/>
+                </a:solidFill>
+              </a:defRPr>
+            </a:lvl1pPr>
+            <a:lvl2pPr marL="457200" indent="0">
+              <a:buFontTx/>
+              <a:buNone/>
+              <a:defRPr/>
+            </a:lvl2pPr>
+            <a:lvl3pPr marL="914400" indent="0">
+              <a:buFontTx/>
+              <a:buNone/>
+              <a:defRPr/>
+            </a:lvl3pPr>
+            <a:lvl4pPr marL="1371600" indent="0">
+              <a:buFontTx/>
+              <a:buNone/>
+              <a:defRPr/>
+            </a:lvl4pPr>
+            <a:lvl5pPr marL="1828800" indent="0">
+              <a:buFontTx/>
+              <a:buNone/>
+              <a:defRPr/>
+            </a:lvl5pPr>
+          </a:lstStyle>
+          <a:p>
+            <a:pPr lvl="0"/>
+            <a:r>
+              <a:rPr lang="ru-RU"/>
+              <a:t>Образец текста</a:t>
+            </a:r>
+          </a:p>
+        </p:txBody>
+      </p:sp>
+      <p:sp>
+        <p:nvSpPr>
+          <p:cNvPr id="4" name="Text Placeholder 3"/>
+          <p:cNvSpPr>
+            <a:spLocks noGrp="1"/>
+          </p:cNvSpPr>
+          <p:nvPr>
+            <p:ph type="body" sz="half" idx="2"/>
+          </p:nvPr>
+        </p:nvSpPr>
+        <p:spPr>
+          <a:xfrm>
+            <a:off x="2589213" y="5181600"/>
+            <a:ext cx="8915400" cy="729622"/>
+          </a:xfrm>
+        </p:spPr>
+        <p:txBody>
+          <a:bodyPr vert="horz" lIns="91440" tIns="45720" rIns="91440" bIns="45720" rtlCol="0" anchor="t">
+            <a:normAutofit/>
+          </a:bodyPr>
+          <a:lstStyle>
+            <a:lvl1pPr>
+              <a:buNone/>
+              <a:defRPr lang="en-US">
+                <a:solidFill>
+                  <a:schemeClr val="tx1">
+                    <a:lumMod val="65000"/>
+                    <a:lumOff val="35000"/>
+                  </a:schemeClr>
+                </a:solidFill>
+              </a:defRPr>
+            </a:lvl1pPr>
+          </a:lstStyle>
+          <a:p>
+            <a:pPr marL="0" lvl="0" indent="0">
+              <a:buNone/>
+            </a:pPr>
+            <a:r>
+              <a:rPr lang="ru-RU"/>
+              <a:t>Образец текста</a:t>
+            </a:r>
+          </a:p>
+        </p:txBody>
+      </p:sp>
+      <p:sp>
+        <p:nvSpPr>
+          <p:cNvPr id="5" name="Date Placeholder 4"/>
+          <p:cNvSpPr>
+            <a:spLocks noGrp="1"/>
+          </p:cNvSpPr>
+          <p:nvPr>
+            <p:ph type="dt" sz="half" idx="10"/>
+          </p:nvPr>
+        </p:nvSpPr>
+        <p:spPr/>
+        <p:txBody>
+          <a:bodyPr/>
+          <a:lstStyle/>
+          <a:p>
+            <a:fld id="{EFC8ABA4-CCD7-4540-A12A-E2FC69BF12D3}" type="datetimeFigureOut">
+              <a:rPr lang="ru-RU" smtClean="0"/>
+              <a:t>21.04.2022</a:t>
+            </a:fld>
+            <a:endParaRPr lang="ru-RU"/>
+          </a:p>
+        </p:txBody>
+      </p:sp>
+      <p:sp>
+        <p:nvSpPr>
+          <p:cNvPr id="6" name="Footer Placeholder 5"/>
+          <p:cNvSpPr>
+            <a:spLocks noGrp="1"/>
+          </p:cNvSpPr>
+          <p:nvPr>
+            <p:ph type="ftr" sz="quarter" idx="11"/>
+          </p:nvPr>
+        </p:nvSpPr>
+        <p:spPr/>
+        <p:txBody>
+          <a:bodyPr/>
+          <a:lstStyle/>
+          <a:p>
+            <a:endParaRPr lang="ru-RU"/>
+          </a:p>
+        </p:txBody>
+      </p:sp>
+      <p:sp>
+        <p:nvSpPr>
+          <p:cNvPr id="9" name="Freeform 11"/>
+          <p:cNvSpPr/>
+          <p:nvPr/>
+        </p:nvSpPr>
+        <p:spPr bwMode="auto">
+          <a:xfrm flipV="1">
+            <a:off x="-4189" y="4911725"/>
+            <a:ext cx="1588527" cy="507297"/>
+          </a:xfrm>
+          <a:custGeom>
+            <a:avLst/>
+            <a:gdLst/>
+            <a:ahLst/>
+            <a:cxnLst/>
+            <a:rect l="l" t="t" r="r" b="b"/>
+            <a:pathLst>
+              <a:path w="9248" h="10000">
+                <a:moveTo>
+                  <a:pt x="9248" y="4701"/>
+                </a:moveTo>
+                <a:lnTo>
+                  <a:pt x="7915" y="188"/>
+                </a:lnTo>
+                <a:cubicBezTo>
+                  <a:pt x="7906" y="156"/>
+                  <a:pt x="7895" y="126"/>
+                  <a:pt x="7886" y="94"/>
+                </a:cubicBezTo>
+                <a:cubicBezTo>
+                  <a:pt x="7859" y="0"/>
+                  <a:pt x="7831" y="0"/>
+                  <a:pt x="7803" y="0"/>
+                </a:cubicBezTo>
+                <a:lnTo>
+                  <a:pt x="7275" y="0"/>
+                </a:lnTo>
+                <a:lnTo>
+                  <a:pt x="0" y="70"/>
+                </a:lnTo>
+                <a:cubicBezTo>
+                  <a:pt x="8" y="3380"/>
+                  <a:pt x="17" y="6690"/>
+                  <a:pt x="25" y="10000"/>
+                </a:cubicBezTo>
+                <a:lnTo>
+                  <a:pt x="7275" y="9966"/>
+                </a:lnTo>
+                <a:lnTo>
+                  <a:pt x="7803" y="9966"/>
+                </a:lnTo>
+                <a:cubicBezTo>
+                  <a:pt x="7831" y="9966"/>
+                  <a:pt x="7859" y="9872"/>
+                  <a:pt x="7886" y="9872"/>
+                </a:cubicBezTo>
+                <a:cubicBezTo>
+                  <a:pt x="7886" y="9778"/>
+                  <a:pt x="7915" y="9778"/>
+                  <a:pt x="7915" y="9778"/>
+                </a:cubicBezTo>
+                <a:lnTo>
+                  <a:pt x="9248" y="5265"/>
+                </a:lnTo>
+                <a:cubicBezTo>
+                  <a:pt x="9303" y="5077"/>
+                  <a:pt x="9303" y="4889"/>
+                  <a:pt x="9248" y="4701"/>
+                </a:cubicBezTo>
+                <a:close/>
+              </a:path>
+            </a:pathLst>
+          </a:custGeom>
+          <a:solidFill>
+            <a:schemeClr val="accent1"/>
+          </a:solidFill>
+          <a:ln>
+            <a:noFill/>
+          </a:ln>
+        </p:spPr>
+      </p:sp>
+      <p:sp>
+        <p:nvSpPr>
+          <p:cNvPr id="7" name="Slide Number Placeholder 6"/>
+          <p:cNvSpPr>
+            <a:spLocks noGrp="1"/>
+          </p:cNvSpPr>
+          <p:nvPr>
+            <p:ph type="sldNum" sz="quarter" idx="12"/>
+          </p:nvPr>
+        </p:nvSpPr>
+        <p:spPr>
+          <a:xfrm>
+            <a:off x="531812" y="4983087"/>
+            <a:ext cx="779767" cy="365125"/>
+          </a:xfrm>
+        </p:spPr>
+        <p:txBody>
+          <a:bodyPr/>
+          <a:lstStyle/>
+          <a:p>
+            <a:fld id="{34180137-54F4-4A16-A60A-E4381F255B74}" type="slidenum">
+              <a:rPr lang="ru-RU" smtClean="0"/>
+              <a:t>‹#›</a:t>
+            </a:fld>
+            <a:endParaRPr lang="ru-RU"/>
+          </a:p>
+        </p:txBody>
+      </p:sp>
+    </p:spTree>
+    <p:extLst>
+      <p:ext uri="{BB962C8B-B14F-4D97-AF65-F5344CB8AC3E}">
+        <p14:creationId xmlns:p14="http://schemas.microsoft.com/office/powerpoint/2010/main" val="4111190364"/>
+      </p:ext>
+    </p:extLst>
+  </p:cSld>
+  <p:clrMapOvr>
+    <a:masterClrMapping/>
+  </p:clrMapOvr>
+</p:sldLayout>
+</file>
+
+<file path=ppt/slideLayouts/slideLayout15.xml><?xml version="1.0" encoding="utf-8"?>
 <p:sldLayout xmlns:a="http://schemas.openxmlformats.org/drawingml/2006/main" xmlns:r="http://schemas.openxmlformats.org/officeDocument/2006/relationships" xmlns:p="http://schemas.openxmlformats.org/presentationml/2006/main" type="vertTx" preserve="1">
   <p:cSld name="Заголовок и вертикальный текст">
     <p:spTree>
@@ -367,13 +2278,7 @@
       </p:grpSpPr>
       <p:sp>
         <p:nvSpPr>
-          <p:cNvPr id="2" name="Заголовок 1">
-            <a:extLst>
-              <a:ext uri="{FF2B5EF4-FFF2-40B4-BE49-F238E27FC236}">
-                <a16:creationId xmlns:a16="http://schemas.microsoft.com/office/drawing/2014/main" id="{1E866D10-2B6B-4FEC-B2C7-3D73EECA2573}"/>
-              </a:ext>
-            </a:extLst>
-          </p:cNvPr>
+          <p:cNvPr id="2" name="Title 1"/>
           <p:cNvSpPr>
             <a:spLocks noGrp="1"/>
           </p:cNvSpPr>
@@ -390,18 +2295,13 @@
               <a:rPr lang="ru-RU"/>
               <a:t>Образец заголовка</a:t>
             </a:r>
-          </a:p>
-        </p:txBody>
-      </p:sp>
-      <p:sp>
-        <p:nvSpPr>
-          <p:cNvPr id="3" name="Вертикальный текст 2">
-            <a:extLst>
-              <a:ext uri="{FF2B5EF4-FFF2-40B4-BE49-F238E27FC236}">
-                <a16:creationId xmlns:a16="http://schemas.microsoft.com/office/drawing/2014/main" id="{B0676D40-2F93-4414-8204-80A2EA90AF50}"/>
-              </a:ext>
-            </a:extLst>
-          </p:cNvPr>
+            <a:endParaRPr lang="en-US" dirty="0"/>
+          </a:p>
+        </p:txBody>
+      </p:sp>
+      <p:sp>
+        <p:nvSpPr>
+          <p:cNvPr id="3" name="Vertical Text Placeholder 2"/>
           <p:cNvSpPr>
             <a:spLocks noGrp="1"/>
           </p:cNvSpPr>
@@ -411,7 +2311,7 @@
         </p:nvSpPr>
         <p:spPr/>
         <p:txBody>
-          <a:bodyPr vert="eaVert"/>
+          <a:bodyPr vert="eaVert" anchor="t"/>
           <a:lstStyle/>
           <a:p>
             <a:pPr lvl="0"/>
@@ -447,18 +2347,13 @@
               <a:rPr lang="ru-RU"/>
               <a:t>Пятый уровень</a:t>
             </a:r>
-          </a:p>
-        </p:txBody>
-      </p:sp>
-      <p:sp>
-        <p:nvSpPr>
-          <p:cNvPr id="4" name="Дата 3">
-            <a:extLst>
-              <a:ext uri="{FF2B5EF4-FFF2-40B4-BE49-F238E27FC236}">
-                <a16:creationId xmlns:a16="http://schemas.microsoft.com/office/drawing/2014/main" id="{2C4AAC9D-9FB4-4AE8-B962-C4618498FD27}"/>
-              </a:ext>
-            </a:extLst>
-          </p:cNvPr>
+            <a:endParaRPr lang="en-US" dirty="0"/>
+          </a:p>
+        </p:txBody>
+      </p:sp>
+      <p:sp>
+        <p:nvSpPr>
+          <p:cNvPr id="4" name="Date Placeholder 3"/>
           <p:cNvSpPr>
             <a:spLocks noGrp="1"/>
           </p:cNvSpPr>
@@ -473,7 +2368,7 @@
           <a:p>
             <a:fld id="{EFC8ABA4-CCD7-4540-A12A-E2FC69BF12D3}" type="datetimeFigureOut">
               <a:rPr lang="ru-RU" smtClean="0"/>
-              <a:t>14.04.2022</a:t>
+              <a:t>21.04.2022</a:t>
             </a:fld>
             <a:endParaRPr lang="ru-RU"/>
           </a:p>
@@ -481,13 +2376,7 @@
       </p:sp>
       <p:sp>
         <p:nvSpPr>
-          <p:cNvPr id="5" name="Нижний колонтитул 4">
-            <a:extLst>
-              <a:ext uri="{FF2B5EF4-FFF2-40B4-BE49-F238E27FC236}">
-                <a16:creationId xmlns:a16="http://schemas.microsoft.com/office/drawing/2014/main" id="{101D79C6-13F2-4E09-92DB-8689B44D30BD}"/>
-              </a:ext>
-            </a:extLst>
-          </p:cNvPr>
+          <p:cNvPr id="5" name="Footer Placeholder 4"/>
           <p:cNvSpPr>
             <a:spLocks noGrp="1"/>
           </p:cNvSpPr>
@@ -506,13 +2395,89 @@
       </p:sp>
       <p:sp>
         <p:nvSpPr>
-          <p:cNvPr id="6" name="Номер слайда 5">
-            <a:extLst>
-              <a:ext uri="{FF2B5EF4-FFF2-40B4-BE49-F238E27FC236}">
-                <a16:creationId xmlns:a16="http://schemas.microsoft.com/office/drawing/2014/main" id="{01FDE691-535C-4586-8028-7E5B41AFC11C}"/>
-              </a:ext>
-            </a:extLst>
-          </p:cNvPr>
+          <p:cNvPr id="8" name="Freeform 11"/>
+          <p:cNvSpPr/>
+          <p:nvPr/>
+        </p:nvSpPr>
+        <p:spPr bwMode="auto">
+          <a:xfrm flipV="1">
+            <a:off x="-4189" y="714375"/>
+            <a:ext cx="1588527" cy="507297"/>
+          </a:xfrm>
+          <a:custGeom>
+            <a:avLst/>
+            <a:gdLst/>
+            <a:ahLst/>
+            <a:cxnLst/>
+            <a:rect l="l" t="t" r="r" b="b"/>
+            <a:pathLst>
+              <a:path w="9248" h="10000">
+                <a:moveTo>
+                  <a:pt x="9248" y="4701"/>
+                </a:moveTo>
+                <a:lnTo>
+                  <a:pt x="7915" y="188"/>
+                </a:lnTo>
+                <a:cubicBezTo>
+                  <a:pt x="7906" y="156"/>
+                  <a:pt x="7895" y="126"/>
+                  <a:pt x="7886" y="94"/>
+                </a:cubicBezTo>
+                <a:cubicBezTo>
+                  <a:pt x="7859" y="0"/>
+                  <a:pt x="7831" y="0"/>
+                  <a:pt x="7803" y="0"/>
+                </a:cubicBezTo>
+                <a:lnTo>
+                  <a:pt x="7275" y="0"/>
+                </a:lnTo>
+                <a:lnTo>
+                  <a:pt x="0" y="70"/>
+                </a:lnTo>
+                <a:cubicBezTo>
+                  <a:pt x="8" y="3380"/>
+                  <a:pt x="17" y="6690"/>
+                  <a:pt x="25" y="10000"/>
+                </a:cubicBezTo>
+                <a:lnTo>
+                  <a:pt x="7275" y="9966"/>
+                </a:lnTo>
+                <a:lnTo>
+                  <a:pt x="7803" y="9966"/>
+                </a:lnTo>
+                <a:cubicBezTo>
+                  <a:pt x="7831" y="9966"/>
+                  <a:pt x="7859" y="9872"/>
+                  <a:pt x="7886" y="9872"/>
+                </a:cubicBezTo>
+                <a:cubicBezTo>
+                  <a:pt x="7886" y="9778"/>
+                  <a:pt x="7915" y="9778"/>
+                  <a:pt x="7915" y="9778"/>
+                </a:cubicBezTo>
+                <a:lnTo>
+                  <a:pt x="9248" y="5265"/>
+                </a:lnTo>
+                <a:cubicBezTo>
+                  <a:pt x="9303" y="5077"/>
+                  <a:pt x="9303" y="4889"/>
+                  <a:pt x="9248" y="4701"/>
+                </a:cubicBezTo>
+                <a:close/>
+              </a:path>
+            </a:pathLst>
+          </a:custGeom>
+          <a:solidFill>
+            <a:schemeClr val="accent1"/>
+          </a:solidFill>
+          <a:ln>
+            <a:noFill/>
+          </a:ln>
+        </p:spPr>
+      </p:sp>
+      <p:sp>
+        <p:nvSpPr>
+          <p:cNvPr id="6" name="Slide Number Placeholder 5"/>
           <p:cNvSpPr>
             <a:spLocks noGrp="1"/>
           </p:cNvSpPr>
@@ -536,7 +2501,7 @@
     </p:spTree>
     <p:extLst>
       <p:ext uri="{BB962C8B-B14F-4D97-AF65-F5344CB8AC3E}">
-        <p14:creationId xmlns:p14="http://schemas.microsoft.com/office/powerpoint/2010/main" val="2548922852"/>
+        <p14:creationId xmlns:p14="http://schemas.microsoft.com/office/powerpoint/2010/main" val="130337502"/>
       </p:ext>
     </p:extLst>
   </p:cSld>
@@ -546,7 +2511,7 @@
 </p:sldLayout>
 </file>
 
-<file path=ppt/slideLayouts/slideLayout11.xml><?xml version="1.0" encoding="utf-8"?>
+<file path=ppt/slideLayouts/slideLayout16.xml><?xml version="1.0" encoding="utf-8"?>
 <p:sldLayout xmlns:a="http://schemas.openxmlformats.org/drawingml/2006/main" xmlns:r="http://schemas.openxmlformats.org/officeDocument/2006/relationships" xmlns:p="http://schemas.openxmlformats.org/presentationml/2006/main" type="vertTitleAndTx" preserve="1">
   <p:cSld name="Вертикальный заголовок и текст">
     <p:spTree>
@@ -565,13 +2530,7 @@
       </p:grpSpPr>
       <p:sp>
         <p:nvSpPr>
-          <p:cNvPr id="2" name="Вертикальный заголовок 1">
-            <a:extLst>
-              <a:ext uri="{FF2B5EF4-FFF2-40B4-BE49-F238E27FC236}">
-                <a16:creationId xmlns:a16="http://schemas.microsoft.com/office/drawing/2014/main" id="{AE787E3D-1B0E-4523-8446-30EFC963B457}"/>
-              </a:ext>
-            </a:extLst>
-          </p:cNvPr>
+          <p:cNvPr id="2" name="Vertical Title 1"/>
           <p:cNvSpPr>
             <a:spLocks noGrp="1"/>
           </p:cNvSpPr>
@@ -581,47 +2540,42 @@
         </p:nvSpPr>
         <p:spPr>
           <a:xfrm>
-            <a:off x="8724900" y="365125"/>
-            <a:ext cx="2628900" cy="5811838"/>
+            <a:off x="9294812" y="627405"/>
+            <a:ext cx="2207601" cy="5283817"/>
           </a:xfrm>
         </p:spPr>
         <p:txBody>
+          <a:bodyPr vert="eaVert" anchor="ctr"/>
+          <a:lstStyle/>
+          <a:p>
+            <a:r>
+              <a:rPr lang="ru-RU"/>
+              <a:t>Образец заголовка</a:t>
+            </a:r>
+            <a:endParaRPr lang="en-US" dirty="0"/>
+          </a:p>
+        </p:txBody>
+      </p:sp>
+      <p:sp>
+        <p:nvSpPr>
+          <p:cNvPr id="3" name="Vertical Text Placeholder 2"/>
+          <p:cNvSpPr>
+            <a:spLocks noGrp="1"/>
+          </p:cNvSpPr>
+          <p:nvPr>
+            <p:ph type="body" orient="vert" idx="1"/>
+          </p:nvPr>
+        </p:nvSpPr>
+        <p:spPr>
+          <a:xfrm>
+            <a:off x="2589212" y="627405"/>
+            <a:ext cx="6477000" cy="5283817"/>
+          </a:xfrm>
+        </p:spPr>
+        <p:txBody>
           <a:bodyPr vert="eaVert"/>
           <a:lstStyle/>
           <a:p>
-            <a:r>
-              <a:rPr lang="ru-RU"/>
-              <a:t>Образец заголовка</a:t>
-            </a:r>
-          </a:p>
-        </p:txBody>
-      </p:sp>
-      <p:sp>
-        <p:nvSpPr>
-          <p:cNvPr id="3" name="Вертикальный текст 2">
-            <a:extLst>
-              <a:ext uri="{FF2B5EF4-FFF2-40B4-BE49-F238E27FC236}">
-                <a16:creationId xmlns:a16="http://schemas.microsoft.com/office/drawing/2014/main" id="{906BE135-3AC9-4D18-BEB9-109C75F76B5E}"/>
-              </a:ext>
-            </a:extLst>
-          </p:cNvPr>
-          <p:cNvSpPr>
-            <a:spLocks noGrp="1"/>
-          </p:cNvSpPr>
-          <p:nvPr>
-            <p:ph type="body" orient="vert" idx="1"/>
-          </p:nvPr>
-        </p:nvSpPr>
-        <p:spPr>
-          <a:xfrm>
-            <a:off x="838200" y="365125"/>
-            <a:ext cx="7734300" cy="5811838"/>
-          </a:xfrm>
-        </p:spPr>
-        <p:txBody>
-          <a:bodyPr vert="eaVert"/>
-          <a:lstStyle/>
-          <a:p>
             <a:pPr lvl="0"/>
             <a:r>
               <a:rPr lang="ru-RU"/>
@@ -655,18 +2609,13 @@
               <a:rPr lang="ru-RU"/>
               <a:t>Пятый уровень</a:t>
             </a:r>
-          </a:p>
-        </p:txBody>
-      </p:sp>
-      <p:sp>
-        <p:nvSpPr>
-          <p:cNvPr id="4" name="Дата 3">
-            <a:extLst>
-              <a:ext uri="{FF2B5EF4-FFF2-40B4-BE49-F238E27FC236}">
-                <a16:creationId xmlns:a16="http://schemas.microsoft.com/office/drawing/2014/main" id="{43CFC132-13DE-47C2-9F04-B99FD6CAAAE8}"/>
-              </a:ext>
-            </a:extLst>
-          </p:cNvPr>
+            <a:endParaRPr lang="en-US" dirty="0"/>
+          </a:p>
+        </p:txBody>
+      </p:sp>
+      <p:sp>
+        <p:nvSpPr>
+          <p:cNvPr id="4" name="Date Placeholder 3"/>
           <p:cNvSpPr>
             <a:spLocks noGrp="1"/>
           </p:cNvSpPr>
@@ -681,7 +2630,7 @@
           <a:p>
             <a:fld id="{EFC8ABA4-CCD7-4540-A12A-E2FC69BF12D3}" type="datetimeFigureOut">
               <a:rPr lang="ru-RU" smtClean="0"/>
-              <a:t>14.04.2022</a:t>
+              <a:t>21.04.2022</a:t>
             </a:fld>
             <a:endParaRPr lang="ru-RU"/>
           </a:p>
@@ -689,13 +2638,7 @@
       </p:sp>
       <p:sp>
         <p:nvSpPr>
-          <p:cNvPr id="5" name="Нижний колонтитул 4">
-            <a:extLst>
-              <a:ext uri="{FF2B5EF4-FFF2-40B4-BE49-F238E27FC236}">
-                <a16:creationId xmlns:a16="http://schemas.microsoft.com/office/drawing/2014/main" id="{20DBBDB5-503E-483B-9D59-81A4E02BED14}"/>
-              </a:ext>
-            </a:extLst>
-          </p:cNvPr>
+          <p:cNvPr id="5" name="Footer Placeholder 4"/>
           <p:cNvSpPr>
             <a:spLocks noGrp="1"/>
           </p:cNvSpPr>
@@ -714,13 +2657,89 @@
       </p:sp>
       <p:sp>
         <p:nvSpPr>
-          <p:cNvPr id="6" name="Номер слайда 5">
-            <a:extLst>
-              <a:ext uri="{FF2B5EF4-FFF2-40B4-BE49-F238E27FC236}">
-                <a16:creationId xmlns:a16="http://schemas.microsoft.com/office/drawing/2014/main" id="{B5F7B825-6D94-4081-8515-BFA5E93D2947}"/>
-              </a:ext>
-            </a:extLst>
-          </p:cNvPr>
+          <p:cNvPr id="8" name="Freeform 11"/>
+          <p:cNvSpPr/>
+          <p:nvPr/>
+        </p:nvSpPr>
+        <p:spPr bwMode="auto">
+          <a:xfrm flipV="1">
+            <a:off x="-4189" y="714375"/>
+            <a:ext cx="1588527" cy="507297"/>
+          </a:xfrm>
+          <a:custGeom>
+            <a:avLst/>
+            <a:gdLst/>
+            <a:ahLst/>
+            <a:cxnLst/>
+            <a:rect l="l" t="t" r="r" b="b"/>
+            <a:pathLst>
+              <a:path w="9248" h="10000">
+                <a:moveTo>
+                  <a:pt x="9248" y="4701"/>
+                </a:moveTo>
+                <a:lnTo>
+                  <a:pt x="7915" y="188"/>
+                </a:lnTo>
+                <a:cubicBezTo>
+                  <a:pt x="7906" y="156"/>
+                  <a:pt x="7895" y="126"/>
+                  <a:pt x="7886" y="94"/>
+                </a:cubicBezTo>
+                <a:cubicBezTo>
+                  <a:pt x="7859" y="0"/>
+                  <a:pt x="7831" y="0"/>
+                  <a:pt x="7803" y="0"/>
+                </a:cubicBezTo>
+                <a:lnTo>
+                  <a:pt x="7275" y="0"/>
+                </a:lnTo>
+                <a:lnTo>
+                  <a:pt x="0" y="70"/>
+                </a:lnTo>
+                <a:cubicBezTo>
+                  <a:pt x="8" y="3380"/>
+                  <a:pt x="17" y="6690"/>
+                  <a:pt x="25" y="10000"/>
+                </a:cubicBezTo>
+                <a:lnTo>
+                  <a:pt x="7275" y="9966"/>
+                </a:lnTo>
+                <a:lnTo>
+                  <a:pt x="7803" y="9966"/>
+                </a:lnTo>
+                <a:cubicBezTo>
+                  <a:pt x="7831" y="9966"/>
+                  <a:pt x="7859" y="9872"/>
+                  <a:pt x="7886" y="9872"/>
+                </a:cubicBezTo>
+                <a:cubicBezTo>
+                  <a:pt x="7886" y="9778"/>
+                  <a:pt x="7915" y="9778"/>
+                  <a:pt x="7915" y="9778"/>
+                </a:cubicBezTo>
+                <a:lnTo>
+                  <a:pt x="9248" y="5265"/>
+                </a:lnTo>
+                <a:cubicBezTo>
+                  <a:pt x="9303" y="5077"/>
+                  <a:pt x="9303" y="4889"/>
+                  <a:pt x="9248" y="4701"/>
+                </a:cubicBezTo>
+                <a:close/>
+              </a:path>
+            </a:pathLst>
+          </a:custGeom>
+          <a:solidFill>
+            <a:schemeClr val="accent1"/>
+          </a:solidFill>
+          <a:ln>
+            <a:noFill/>
+          </a:ln>
+        </p:spPr>
+      </p:sp>
+      <p:sp>
+        <p:nvSpPr>
+          <p:cNvPr id="6" name="Slide Number Placeholder 5"/>
           <p:cNvSpPr>
             <a:spLocks noGrp="1"/>
           </p:cNvSpPr>
@@ -744,7 +2763,7 @@
     </p:spTree>
     <p:extLst>
       <p:ext uri="{BB962C8B-B14F-4D97-AF65-F5344CB8AC3E}">
-        <p14:creationId xmlns:p14="http://schemas.microsoft.com/office/powerpoint/2010/main" val="3687952186"/>
+        <p14:creationId xmlns:p14="http://schemas.microsoft.com/office/powerpoint/2010/main" val="2935159666"/>
       </p:ext>
     </p:extLst>
   </p:cSld>
@@ -773,13 +2792,7 @@
       </p:grpSpPr>
       <p:sp>
         <p:nvSpPr>
-          <p:cNvPr id="2" name="Заголовок 1">
-            <a:extLst>
-              <a:ext uri="{FF2B5EF4-FFF2-40B4-BE49-F238E27FC236}">
-                <a16:creationId xmlns:a16="http://schemas.microsoft.com/office/drawing/2014/main" id="{DBD01E3F-67F5-46F9-9E40-885016E0C0C5}"/>
-              </a:ext>
-            </a:extLst>
-          </p:cNvPr>
+          <p:cNvPr id="2" name="Title 1"/>
           <p:cNvSpPr>
             <a:spLocks noGrp="1"/>
           </p:cNvSpPr>
@@ -787,7 +2800,12 @@
             <p:ph type="title"/>
           </p:nvPr>
         </p:nvSpPr>
-        <p:spPr/>
+        <p:spPr>
+          <a:xfrm>
+            <a:off x="2592925" y="624110"/>
+            <a:ext cx="8911687" cy="1280890"/>
+          </a:xfrm>
+        </p:spPr>
         <p:txBody>
           <a:bodyPr/>
           <a:lstStyle/>
@@ -796,18 +2814,13 @@
               <a:rPr lang="ru-RU"/>
               <a:t>Образец заголовка</a:t>
             </a:r>
-          </a:p>
-        </p:txBody>
-      </p:sp>
-      <p:sp>
-        <p:nvSpPr>
-          <p:cNvPr id="3" name="Объект 2">
-            <a:extLst>
-              <a:ext uri="{FF2B5EF4-FFF2-40B4-BE49-F238E27FC236}">
-                <a16:creationId xmlns:a16="http://schemas.microsoft.com/office/drawing/2014/main" id="{A640B6E9-2BCD-49A1-A5FE-0E4B95F12B7F}"/>
-              </a:ext>
-            </a:extLst>
-          </p:cNvPr>
+            <a:endParaRPr lang="en-US" dirty="0"/>
+          </a:p>
+        </p:txBody>
+      </p:sp>
+      <p:sp>
+        <p:nvSpPr>
+          <p:cNvPr id="3" name="Content Placeholder 2"/>
           <p:cNvSpPr>
             <a:spLocks noGrp="1"/>
           </p:cNvSpPr>
@@ -815,7 +2828,12 @@
             <p:ph idx="1"/>
           </p:nvPr>
         </p:nvSpPr>
-        <p:spPr/>
+        <p:spPr>
+          <a:xfrm>
+            <a:off x="2589212" y="2133600"/>
+            <a:ext cx="8915400" cy="3777622"/>
+          </a:xfrm>
+        </p:spPr>
         <p:txBody>
           <a:bodyPr/>
           <a:lstStyle/>
@@ -853,18 +2871,13 @@
               <a:rPr lang="ru-RU"/>
               <a:t>Пятый уровень</a:t>
             </a:r>
-          </a:p>
-        </p:txBody>
-      </p:sp>
-      <p:sp>
-        <p:nvSpPr>
-          <p:cNvPr id="4" name="Дата 3">
-            <a:extLst>
-              <a:ext uri="{FF2B5EF4-FFF2-40B4-BE49-F238E27FC236}">
-                <a16:creationId xmlns:a16="http://schemas.microsoft.com/office/drawing/2014/main" id="{DB152905-A2FA-4861-9B9F-68AE4999FE56}"/>
-              </a:ext>
-            </a:extLst>
-          </p:cNvPr>
+            <a:endParaRPr lang="en-US" dirty="0"/>
+          </a:p>
+        </p:txBody>
+      </p:sp>
+      <p:sp>
+        <p:nvSpPr>
+          <p:cNvPr id="4" name="Date Placeholder 3"/>
           <p:cNvSpPr>
             <a:spLocks noGrp="1"/>
           </p:cNvSpPr>
@@ -879,7 +2892,7 @@
           <a:p>
             <a:fld id="{EFC8ABA4-CCD7-4540-A12A-E2FC69BF12D3}" type="datetimeFigureOut">
               <a:rPr lang="ru-RU" smtClean="0"/>
-              <a:t>14.04.2022</a:t>
+              <a:t>21.04.2022</a:t>
             </a:fld>
             <a:endParaRPr lang="ru-RU"/>
           </a:p>
@@ -887,13 +2900,7 @@
       </p:sp>
       <p:sp>
         <p:nvSpPr>
-          <p:cNvPr id="5" name="Нижний колонтитул 4">
-            <a:extLst>
-              <a:ext uri="{FF2B5EF4-FFF2-40B4-BE49-F238E27FC236}">
-                <a16:creationId xmlns:a16="http://schemas.microsoft.com/office/drawing/2014/main" id="{40E57B3E-0D92-4B63-A203-BA4175D30384}"/>
-              </a:ext>
-            </a:extLst>
-          </p:cNvPr>
+          <p:cNvPr id="5" name="Footer Placeholder 4"/>
           <p:cNvSpPr>
             <a:spLocks noGrp="1"/>
           </p:cNvSpPr>
@@ -912,13 +2919,89 @@
       </p:sp>
       <p:sp>
         <p:nvSpPr>
-          <p:cNvPr id="6" name="Номер слайда 5">
-            <a:extLst>
-              <a:ext uri="{FF2B5EF4-FFF2-40B4-BE49-F238E27FC236}">
-                <a16:creationId xmlns:a16="http://schemas.microsoft.com/office/drawing/2014/main" id="{109C8381-EA0D-49BE-96AC-C816153AD853}"/>
-              </a:ext>
-            </a:extLst>
-          </p:cNvPr>
+          <p:cNvPr id="8" name="Freeform 11"/>
+          <p:cNvSpPr/>
+          <p:nvPr/>
+        </p:nvSpPr>
+        <p:spPr bwMode="auto">
+          <a:xfrm flipV="1">
+            <a:off x="-4189" y="714375"/>
+            <a:ext cx="1588527" cy="507297"/>
+          </a:xfrm>
+          <a:custGeom>
+            <a:avLst/>
+            <a:gdLst/>
+            <a:ahLst/>
+            <a:cxnLst/>
+            <a:rect l="l" t="t" r="r" b="b"/>
+            <a:pathLst>
+              <a:path w="9248" h="10000">
+                <a:moveTo>
+                  <a:pt x="9248" y="4701"/>
+                </a:moveTo>
+                <a:lnTo>
+                  <a:pt x="7915" y="188"/>
+                </a:lnTo>
+                <a:cubicBezTo>
+                  <a:pt x="7906" y="156"/>
+                  <a:pt x="7895" y="126"/>
+                  <a:pt x="7886" y="94"/>
+                </a:cubicBezTo>
+                <a:cubicBezTo>
+                  <a:pt x="7859" y="0"/>
+                  <a:pt x="7831" y="0"/>
+                  <a:pt x="7803" y="0"/>
+                </a:cubicBezTo>
+                <a:lnTo>
+                  <a:pt x="7275" y="0"/>
+                </a:lnTo>
+                <a:lnTo>
+                  <a:pt x="0" y="70"/>
+                </a:lnTo>
+                <a:cubicBezTo>
+                  <a:pt x="8" y="3380"/>
+                  <a:pt x="17" y="6690"/>
+                  <a:pt x="25" y="10000"/>
+                </a:cubicBezTo>
+                <a:lnTo>
+                  <a:pt x="7275" y="9966"/>
+                </a:lnTo>
+                <a:lnTo>
+                  <a:pt x="7803" y="9966"/>
+                </a:lnTo>
+                <a:cubicBezTo>
+                  <a:pt x="7831" y="9966"/>
+                  <a:pt x="7859" y="9872"/>
+                  <a:pt x="7886" y="9872"/>
+                </a:cubicBezTo>
+                <a:cubicBezTo>
+                  <a:pt x="7886" y="9778"/>
+                  <a:pt x="7915" y="9778"/>
+                  <a:pt x="7915" y="9778"/>
+                </a:cubicBezTo>
+                <a:lnTo>
+                  <a:pt x="9248" y="5265"/>
+                </a:lnTo>
+                <a:cubicBezTo>
+                  <a:pt x="9303" y="5077"/>
+                  <a:pt x="9303" y="4889"/>
+                  <a:pt x="9248" y="4701"/>
+                </a:cubicBezTo>
+                <a:close/>
+              </a:path>
+            </a:pathLst>
+          </a:custGeom>
+          <a:solidFill>
+            <a:schemeClr val="accent1"/>
+          </a:solidFill>
+          <a:ln>
+            <a:noFill/>
+          </a:ln>
+        </p:spPr>
+      </p:sp>
+      <p:sp>
+        <p:nvSpPr>
+          <p:cNvPr id="6" name="Slide Number Placeholder 5"/>
           <p:cNvSpPr>
             <a:spLocks noGrp="1"/>
           </p:cNvSpPr>
@@ -942,7 +3025,7 @@
     </p:spTree>
     <p:extLst>
       <p:ext uri="{BB962C8B-B14F-4D97-AF65-F5344CB8AC3E}">
-        <p14:creationId xmlns:p14="http://schemas.microsoft.com/office/powerpoint/2010/main" val="762302967"/>
+        <p14:creationId xmlns:p14="http://schemas.microsoft.com/office/powerpoint/2010/main" val="206351288"/>
       </p:ext>
     </p:extLst>
   </p:cSld>
@@ -971,13 +3054,7 @@
       </p:grpSpPr>
       <p:sp>
         <p:nvSpPr>
-          <p:cNvPr id="2" name="Заголовок 1">
-            <a:extLst>
-              <a:ext uri="{FF2B5EF4-FFF2-40B4-BE49-F238E27FC236}">
-                <a16:creationId xmlns:a16="http://schemas.microsoft.com/office/drawing/2014/main" id="{A7CB79F0-E922-4F72-9A8C-D9C03ABBF189}"/>
-              </a:ext>
-            </a:extLst>
-          </p:cNvPr>
+          <p:cNvPr id="2" name="Title 1"/>
           <p:cNvSpPr>
             <a:spLocks noGrp="1"/>
           </p:cNvSpPr>
@@ -987,15 +3064,15 @@
         </p:nvSpPr>
         <p:spPr>
           <a:xfrm>
-            <a:off x="831850" y="1709738"/>
-            <a:ext cx="10515600" cy="2852737"/>
+            <a:off x="2589212" y="2058750"/>
+            <a:ext cx="8915399" cy="1468800"/>
           </a:xfrm>
         </p:spPr>
         <p:txBody>
           <a:bodyPr anchor="b"/>
           <a:lstStyle>
-            <a:lvl1pPr>
-              <a:defRPr sz="6000"/>
+            <a:lvl1pPr algn="l">
+              <a:defRPr sz="4000" b="0" cap="none"/>
             </a:lvl1pPr>
           </a:lstStyle>
           <a:p>
@@ -1003,18 +3080,13 @@
               <a:rPr lang="ru-RU"/>
               <a:t>Образец заголовка</a:t>
             </a:r>
-          </a:p>
-        </p:txBody>
-      </p:sp>
-      <p:sp>
-        <p:nvSpPr>
-          <p:cNvPr id="3" name="Текст 2">
-            <a:extLst>
-              <a:ext uri="{FF2B5EF4-FFF2-40B4-BE49-F238E27FC236}">
-                <a16:creationId xmlns:a16="http://schemas.microsoft.com/office/drawing/2014/main" id="{F3BCB6EC-A47A-4484-9914-03EE7511D614}"/>
-              </a:ext>
-            </a:extLst>
-          </p:cNvPr>
+            <a:endParaRPr lang="en-US" dirty="0"/>
+          </a:p>
+        </p:txBody>
+      </p:sp>
+      <p:sp>
+        <p:nvSpPr>
+          <p:cNvPr id="3" name="Text Placeholder 2"/>
           <p:cNvSpPr>
             <a:spLocks noGrp="1"/>
           </p:cNvSpPr>
@@ -1024,26 +3096,27 @@
         </p:nvSpPr>
         <p:spPr>
           <a:xfrm>
-            <a:off x="831850" y="4589463"/>
-            <a:ext cx="10515600" cy="1500187"/>
+            <a:off x="2589212" y="3530129"/>
+            <a:ext cx="8915399" cy="860400"/>
           </a:xfrm>
         </p:spPr>
         <p:txBody>
-          <a:bodyPr/>
+          <a:bodyPr anchor="t"/>
           <a:lstStyle>
-            <a:lvl1pPr marL="0" indent="0">
-              <a:buNone/>
-              <a:defRPr sz="2400">
+            <a:lvl1pPr marL="0" indent="0" algn="l">
+              <a:buNone/>
+              <a:defRPr sz="2000">
                 <a:solidFill>
                   <a:schemeClr val="tx1">
-                    <a:tint val="75000"/>
+                    <a:lumMod val="65000"/>
+                    <a:lumOff val="35000"/>
                   </a:schemeClr>
                 </a:solidFill>
               </a:defRPr>
             </a:lvl1pPr>
             <a:lvl2pPr marL="457200" indent="0">
               <a:buNone/>
-              <a:defRPr sz="2000">
+              <a:defRPr sz="1800">
                 <a:solidFill>
                   <a:schemeClr val="tx1">
                     <a:tint val="75000"/>
@@ -1053,7 +3126,7 @@
             </a:lvl2pPr>
             <a:lvl3pPr marL="914400" indent="0">
               <a:buNone/>
-              <a:defRPr sz="1800">
+              <a:defRPr sz="1600">
                 <a:solidFill>
                   <a:schemeClr val="tx1">
                     <a:tint val="75000"/>
@@ -1063,7 +3136,7 @@
             </a:lvl3pPr>
             <a:lvl4pPr marL="1371600" indent="0">
               <a:buNone/>
-              <a:defRPr sz="1600">
+              <a:defRPr sz="1400">
                 <a:solidFill>
                   <a:schemeClr val="tx1">
                     <a:tint val="75000"/>
@@ -1073,7 +3146,7 @@
             </a:lvl4pPr>
             <a:lvl5pPr marL="1828800" indent="0">
               <a:buNone/>
-              <a:defRPr sz="1600">
+              <a:defRPr sz="1400">
                 <a:solidFill>
                   <a:schemeClr val="tx1">
                     <a:tint val="75000"/>
@@ -1083,7 +3156,7 @@
             </a:lvl5pPr>
             <a:lvl6pPr marL="2286000" indent="0">
               <a:buNone/>
-              <a:defRPr sz="1600">
+              <a:defRPr sz="1400">
                 <a:solidFill>
                   <a:schemeClr val="tx1">
                     <a:tint val="75000"/>
@@ -1093,7 +3166,7 @@
             </a:lvl6pPr>
             <a:lvl7pPr marL="2743200" indent="0">
               <a:buNone/>
-              <a:defRPr sz="1600">
+              <a:defRPr sz="1400">
                 <a:solidFill>
                   <a:schemeClr val="tx1">
                     <a:tint val="75000"/>
@@ -1103,7 +3176,7 @@
             </a:lvl7pPr>
             <a:lvl8pPr marL="3200400" indent="0">
               <a:buNone/>
-              <a:defRPr sz="1600">
+              <a:defRPr sz="1400">
                 <a:solidFill>
                   <a:schemeClr val="tx1">
                     <a:tint val="75000"/>
@@ -1113,7 +3186,7 @@
             </a:lvl8pPr>
             <a:lvl9pPr marL="3657600" indent="0">
               <a:buNone/>
-              <a:defRPr sz="1600">
+              <a:defRPr sz="1400">
                 <a:solidFill>
                   <a:schemeClr val="tx1">
                     <a:tint val="75000"/>
@@ -1133,13 +3206,7 @@
       </p:sp>
       <p:sp>
         <p:nvSpPr>
-          <p:cNvPr id="4" name="Дата 3">
-            <a:extLst>
-              <a:ext uri="{FF2B5EF4-FFF2-40B4-BE49-F238E27FC236}">
-                <a16:creationId xmlns:a16="http://schemas.microsoft.com/office/drawing/2014/main" id="{9E66C5D0-0EDF-4068-92AA-A1DD4ECA6B66}"/>
-              </a:ext>
-            </a:extLst>
-          </p:cNvPr>
+          <p:cNvPr id="4" name="Date Placeholder 3"/>
           <p:cNvSpPr>
             <a:spLocks noGrp="1"/>
           </p:cNvSpPr>
@@ -1154,7 +3221,7 @@
           <a:p>
             <a:fld id="{EFC8ABA4-CCD7-4540-A12A-E2FC69BF12D3}" type="datetimeFigureOut">
               <a:rPr lang="ru-RU" smtClean="0"/>
-              <a:t>14.04.2022</a:t>
+              <a:t>21.04.2022</a:t>
             </a:fld>
             <a:endParaRPr lang="ru-RU"/>
           </a:p>
@@ -1162,13 +3229,7 @@
       </p:sp>
       <p:sp>
         <p:nvSpPr>
-          <p:cNvPr id="5" name="Нижний колонтитул 4">
-            <a:extLst>
-              <a:ext uri="{FF2B5EF4-FFF2-40B4-BE49-F238E27FC236}">
-                <a16:creationId xmlns:a16="http://schemas.microsoft.com/office/drawing/2014/main" id="{23A912B5-FA4D-44C6-9408-977DDF16D9F1}"/>
-              </a:ext>
-            </a:extLst>
-          </p:cNvPr>
+          <p:cNvPr id="5" name="Footer Placeholder 4"/>
           <p:cNvSpPr>
             <a:spLocks noGrp="1"/>
           </p:cNvSpPr>
@@ -1187,13 +3248,89 @@
       </p:sp>
       <p:sp>
         <p:nvSpPr>
-          <p:cNvPr id="6" name="Номер слайда 5">
-            <a:extLst>
-              <a:ext uri="{FF2B5EF4-FFF2-40B4-BE49-F238E27FC236}">
-                <a16:creationId xmlns:a16="http://schemas.microsoft.com/office/drawing/2014/main" id="{A97B3324-30AC-440D-B190-D88B47031599}"/>
-              </a:ext>
-            </a:extLst>
-          </p:cNvPr>
+          <p:cNvPr id="9" name="Freeform 11"/>
+          <p:cNvSpPr/>
+          <p:nvPr/>
+        </p:nvSpPr>
+        <p:spPr bwMode="auto">
+          <a:xfrm flipV="1">
+            <a:off x="-4189" y="3178175"/>
+            <a:ext cx="1588527" cy="507297"/>
+          </a:xfrm>
+          <a:custGeom>
+            <a:avLst/>
+            <a:gdLst/>
+            <a:ahLst/>
+            <a:cxnLst/>
+            <a:rect l="l" t="t" r="r" b="b"/>
+            <a:pathLst>
+              <a:path w="9248" h="10000">
+                <a:moveTo>
+                  <a:pt x="9248" y="4701"/>
+                </a:moveTo>
+                <a:lnTo>
+                  <a:pt x="7915" y="188"/>
+                </a:lnTo>
+                <a:cubicBezTo>
+                  <a:pt x="7906" y="156"/>
+                  <a:pt x="7895" y="126"/>
+                  <a:pt x="7886" y="94"/>
+                </a:cubicBezTo>
+                <a:cubicBezTo>
+                  <a:pt x="7859" y="0"/>
+                  <a:pt x="7831" y="0"/>
+                  <a:pt x="7803" y="0"/>
+                </a:cubicBezTo>
+                <a:lnTo>
+                  <a:pt x="7275" y="0"/>
+                </a:lnTo>
+                <a:lnTo>
+                  <a:pt x="0" y="70"/>
+                </a:lnTo>
+                <a:cubicBezTo>
+                  <a:pt x="8" y="3380"/>
+                  <a:pt x="17" y="6690"/>
+                  <a:pt x="25" y="10000"/>
+                </a:cubicBezTo>
+                <a:lnTo>
+                  <a:pt x="7275" y="9966"/>
+                </a:lnTo>
+                <a:lnTo>
+                  <a:pt x="7803" y="9966"/>
+                </a:lnTo>
+                <a:cubicBezTo>
+                  <a:pt x="7831" y="9966"/>
+                  <a:pt x="7859" y="9872"/>
+                  <a:pt x="7886" y="9872"/>
+                </a:cubicBezTo>
+                <a:cubicBezTo>
+                  <a:pt x="7886" y="9778"/>
+                  <a:pt x="7915" y="9778"/>
+                  <a:pt x="7915" y="9778"/>
+                </a:cubicBezTo>
+                <a:lnTo>
+                  <a:pt x="9248" y="5265"/>
+                </a:lnTo>
+                <a:cubicBezTo>
+                  <a:pt x="9303" y="5077"/>
+                  <a:pt x="9303" y="4889"/>
+                  <a:pt x="9248" y="4701"/>
+                </a:cubicBezTo>
+                <a:close/>
+              </a:path>
+            </a:pathLst>
+          </a:custGeom>
+          <a:solidFill>
+            <a:schemeClr val="accent1"/>
+          </a:solidFill>
+          <a:ln>
+            <a:noFill/>
+          </a:ln>
+        </p:spPr>
+      </p:sp>
+      <p:sp>
+        <p:nvSpPr>
+          <p:cNvPr id="6" name="Slide Number Placeholder 5"/>
           <p:cNvSpPr>
             <a:spLocks noGrp="1"/>
           </p:cNvSpPr>
@@ -1201,7 +3338,12 @@
             <p:ph type="sldNum" sz="quarter" idx="12"/>
           </p:nvPr>
         </p:nvSpPr>
-        <p:spPr/>
+        <p:spPr>
+          <a:xfrm>
+            <a:off x="531812" y="3244139"/>
+            <a:ext cx="779767" cy="365125"/>
+          </a:xfrm>
+        </p:spPr>
         <p:txBody>
           <a:bodyPr/>
           <a:lstStyle/>
@@ -1217,7 +3359,7 @@
     </p:spTree>
     <p:extLst>
       <p:ext uri="{BB962C8B-B14F-4D97-AF65-F5344CB8AC3E}">
-        <p14:creationId xmlns:p14="http://schemas.microsoft.com/office/powerpoint/2010/main" val="2991171894"/>
+        <p14:creationId xmlns:p14="http://schemas.microsoft.com/office/powerpoint/2010/main" val="2459650488"/>
       </p:ext>
     </p:extLst>
   </p:cSld>
@@ -1246,13 +3388,7 @@
       </p:grpSpPr>
       <p:sp>
         <p:nvSpPr>
-          <p:cNvPr id="2" name="Заголовок 1">
-            <a:extLst>
-              <a:ext uri="{FF2B5EF4-FFF2-40B4-BE49-F238E27FC236}">
-                <a16:creationId xmlns:a16="http://schemas.microsoft.com/office/drawing/2014/main" id="{F0B7AE81-917D-4356-917C-7AD626C2C96C}"/>
-              </a:ext>
-            </a:extLst>
-          </p:cNvPr>
+          <p:cNvPr id="8" name="Title 7"/>
           <p:cNvSpPr>
             <a:spLocks noGrp="1"/>
           </p:cNvSpPr>
@@ -1269,18 +3405,13 @@
               <a:rPr lang="ru-RU"/>
               <a:t>Образец заголовка</a:t>
             </a:r>
-          </a:p>
-        </p:txBody>
-      </p:sp>
-      <p:sp>
-        <p:nvSpPr>
-          <p:cNvPr id="3" name="Объект 2">
-            <a:extLst>
-              <a:ext uri="{FF2B5EF4-FFF2-40B4-BE49-F238E27FC236}">
-                <a16:creationId xmlns:a16="http://schemas.microsoft.com/office/drawing/2014/main" id="{37C0732F-FC5D-4C76-9B23-6CBD80305FAC}"/>
-              </a:ext>
-            </a:extLst>
-          </p:cNvPr>
+            <a:endParaRPr lang="en-US" dirty="0"/>
+          </a:p>
+        </p:txBody>
+      </p:sp>
+      <p:sp>
+        <p:nvSpPr>
+          <p:cNvPr id="3" name="Content Placeholder 2"/>
           <p:cNvSpPr>
             <a:spLocks noGrp="1"/>
           </p:cNvSpPr>
@@ -1290,183 +3421,252 @@
         </p:nvSpPr>
         <p:spPr>
           <a:xfrm>
-            <a:off x="838200" y="1825625"/>
-            <a:ext cx="5181600" cy="4351338"/>
+            <a:off x="2589212" y="2133600"/>
+            <a:ext cx="4313864" cy="3777622"/>
           </a:xfrm>
         </p:spPr>
         <p:txBody>
+          <a:bodyPr>
+            <a:normAutofit/>
+          </a:bodyPr>
+          <a:lstStyle/>
+          <a:p>
+            <a:pPr lvl="0"/>
+            <a:r>
+              <a:rPr lang="ru-RU"/>
+              <a:t>Образец текста</a:t>
+            </a:r>
+          </a:p>
+          <a:p>
+            <a:pPr lvl="1"/>
+            <a:r>
+              <a:rPr lang="ru-RU"/>
+              <a:t>Второй уровень</a:t>
+            </a:r>
+          </a:p>
+          <a:p>
+            <a:pPr lvl="2"/>
+            <a:r>
+              <a:rPr lang="ru-RU"/>
+              <a:t>Третий уровень</a:t>
+            </a:r>
+          </a:p>
+          <a:p>
+            <a:pPr lvl="3"/>
+            <a:r>
+              <a:rPr lang="ru-RU"/>
+              <a:t>Четвертый уровень</a:t>
+            </a:r>
+          </a:p>
+          <a:p>
+            <a:pPr lvl="4"/>
+            <a:r>
+              <a:rPr lang="ru-RU"/>
+              <a:t>Пятый уровень</a:t>
+            </a:r>
+            <a:endParaRPr lang="en-US" dirty="0"/>
+          </a:p>
+        </p:txBody>
+      </p:sp>
+      <p:sp>
+        <p:nvSpPr>
+          <p:cNvPr id="4" name="Content Placeholder 3"/>
+          <p:cNvSpPr>
+            <a:spLocks noGrp="1"/>
+          </p:cNvSpPr>
+          <p:nvPr>
+            <p:ph sz="half" idx="2"/>
+          </p:nvPr>
+        </p:nvSpPr>
+        <p:spPr>
+          <a:xfrm>
+            <a:off x="7190747" y="2126222"/>
+            <a:ext cx="4313864" cy="3777622"/>
+          </a:xfrm>
+        </p:spPr>
+        <p:txBody>
+          <a:bodyPr>
+            <a:normAutofit/>
+          </a:bodyPr>
+          <a:lstStyle/>
+          <a:p>
+            <a:pPr lvl="0"/>
+            <a:r>
+              <a:rPr lang="ru-RU"/>
+              <a:t>Образец текста</a:t>
+            </a:r>
+          </a:p>
+          <a:p>
+            <a:pPr lvl="1"/>
+            <a:r>
+              <a:rPr lang="ru-RU"/>
+              <a:t>Второй уровень</a:t>
+            </a:r>
+          </a:p>
+          <a:p>
+            <a:pPr lvl="2"/>
+            <a:r>
+              <a:rPr lang="ru-RU"/>
+              <a:t>Третий уровень</a:t>
+            </a:r>
+          </a:p>
+          <a:p>
+            <a:pPr lvl="3"/>
+            <a:r>
+              <a:rPr lang="ru-RU"/>
+              <a:t>Четвертый уровень</a:t>
+            </a:r>
+          </a:p>
+          <a:p>
+            <a:pPr lvl="4"/>
+            <a:r>
+              <a:rPr lang="ru-RU"/>
+              <a:t>Пятый уровень</a:t>
+            </a:r>
+            <a:endParaRPr lang="en-US" dirty="0"/>
+          </a:p>
+        </p:txBody>
+      </p:sp>
+      <p:sp>
+        <p:nvSpPr>
+          <p:cNvPr id="5" name="Date Placeholder 4"/>
+          <p:cNvSpPr>
+            <a:spLocks noGrp="1"/>
+          </p:cNvSpPr>
+          <p:nvPr>
+            <p:ph type="dt" sz="half" idx="10"/>
+          </p:nvPr>
+        </p:nvSpPr>
+        <p:spPr/>
+        <p:txBody>
           <a:bodyPr/>
           <a:lstStyle/>
           <a:p>
-            <a:pPr lvl="0"/>
-            <a:r>
-              <a:rPr lang="ru-RU"/>
-              <a:t>Образец текста</a:t>
-            </a:r>
-          </a:p>
-          <a:p>
-            <a:pPr lvl="1"/>
-            <a:r>
-              <a:rPr lang="ru-RU"/>
-              <a:t>Второй уровень</a:t>
-            </a:r>
-          </a:p>
-          <a:p>
-            <a:pPr lvl="2"/>
-            <a:r>
-              <a:rPr lang="ru-RU"/>
-              <a:t>Третий уровень</a:t>
-            </a:r>
-          </a:p>
-          <a:p>
-            <a:pPr lvl="3"/>
-            <a:r>
-              <a:rPr lang="ru-RU"/>
-              <a:t>Четвертый уровень</a:t>
-            </a:r>
-          </a:p>
-          <a:p>
-            <a:pPr lvl="4"/>
-            <a:r>
-              <a:rPr lang="ru-RU"/>
-              <a:t>Пятый уровень</a:t>
-            </a:r>
-          </a:p>
-        </p:txBody>
-      </p:sp>
-      <p:sp>
-        <p:nvSpPr>
-          <p:cNvPr id="4" name="Объект 3">
-            <a:extLst>
-              <a:ext uri="{FF2B5EF4-FFF2-40B4-BE49-F238E27FC236}">
-                <a16:creationId xmlns:a16="http://schemas.microsoft.com/office/drawing/2014/main" id="{C2834CBC-59A4-40B2-9D85-F85720C08435}"/>
-              </a:ext>
-            </a:extLst>
-          </p:cNvPr>
-          <p:cNvSpPr>
-            <a:spLocks noGrp="1"/>
-          </p:cNvSpPr>
-          <p:nvPr>
-            <p:ph sz="half" idx="2"/>
+            <a:fld id="{EFC8ABA4-CCD7-4540-A12A-E2FC69BF12D3}" type="datetimeFigureOut">
+              <a:rPr lang="ru-RU" smtClean="0"/>
+              <a:t>21.04.2022</a:t>
+            </a:fld>
+            <a:endParaRPr lang="ru-RU"/>
+          </a:p>
+        </p:txBody>
+      </p:sp>
+      <p:sp>
+        <p:nvSpPr>
+          <p:cNvPr id="6" name="Footer Placeholder 5"/>
+          <p:cNvSpPr>
+            <a:spLocks noGrp="1"/>
+          </p:cNvSpPr>
+          <p:nvPr>
+            <p:ph type="ftr" sz="quarter" idx="11"/>
+          </p:nvPr>
+        </p:nvSpPr>
+        <p:spPr/>
+        <p:txBody>
+          <a:bodyPr/>
+          <a:lstStyle/>
+          <a:p>
+            <a:endParaRPr lang="ru-RU"/>
+          </a:p>
+        </p:txBody>
+      </p:sp>
+      <p:sp>
+        <p:nvSpPr>
+          <p:cNvPr id="10" name="Freeform 11"/>
+          <p:cNvSpPr/>
+          <p:nvPr/>
+        </p:nvSpPr>
+        <p:spPr bwMode="auto">
+          <a:xfrm flipV="1">
+            <a:off x="-4189" y="714375"/>
+            <a:ext cx="1588527" cy="507297"/>
+          </a:xfrm>
+          <a:custGeom>
+            <a:avLst/>
+            <a:gdLst/>
+            <a:ahLst/>
+            <a:cxnLst/>
+            <a:rect l="l" t="t" r="r" b="b"/>
+            <a:pathLst>
+              <a:path w="9248" h="10000">
+                <a:moveTo>
+                  <a:pt x="9248" y="4701"/>
+                </a:moveTo>
+                <a:lnTo>
+                  <a:pt x="7915" y="188"/>
+                </a:lnTo>
+                <a:cubicBezTo>
+                  <a:pt x="7906" y="156"/>
+                  <a:pt x="7895" y="126"/>
+                  <a:pt x="7886" y="94"/>
+                </a:cubicBezTo>
+                <a:cubicBezTo>
+                  <a:pt x="7859" y="0"/>
+                  <a:pt x="7831" y="0"/>
+                  <a:pt x="7803" y="0"/>
+                </a:cubicBezTo>
+                <a:lnTo>
+                  <a:pt x="7275" y="0"/>
+                </a:lnTo>
+                <a:lnTo>
+                  <a:pt x="0" y="70"/>
+                </a:lnTo>
+                <a:cubicBezTo>
+                  <a:pt x="8" y="3380"/>
+                  <a:pt x="17" y="6690"/>
+                  <a:pt x="25" y="10000"/>
+                </a:cubicBezTo>
+                <a:lnTo>
+                  <a:pt x="7275" y="9966"/>
+                </a:lnTo>
+                <a:lnTo>
+                  <a:pt x="7803" y="9966"/>
+                </a:lnTo>
+                <a:cubicBezTo>
+                  <a:pt x="7831" y="9966"/>
+                  <a:pt x="7859" y="9872"/>
+                  <a:pt x="7886" y="9872"/>
+                </a:cubicBezTo>
+                <a:cubicBezTo>
+                  <a:pt x="7886" y="9778"/>
+                  <a:pt x="7915" y="9778"/>
+                  <a:pt x="7915" y="9778"/>
+                </a:cubicBezTo>
+                <a:lnTo>
+                  <a:pt x="9248" y="5265"/>
+                </a:lnTo>
+                <a:cubicBezTo>
+                  <a:pt x="9303" y="5077"/>
+                  <a:pt x="9303" y="4889"/>
+                  <a:pt x="9248" y="4701"/>
+                </a:cubicBezTo>
+                <a:close/>
+              </a:path>
+            </a:pathLst>
+          </a:custGeom>
+          <a:solidFill>
+            <a:schemeClr val="accent1"/>
+          </a:solidFill>
+          <a:ln>
+            <a:noFill/>
+          </a:ln>
+        </p:spPr>
+      </p:sp>
+      <p:sp>
+        <p:nvSpPr>
+          <p:cNvPr id="11" name="Slide Number Placeholder 5"/>
+          <p:cNvSpPr>
+            <a:spLocks noGrp="1"/>
+          </p:cNvSpPr>
+          <p:nvPr>
+            <p:ph type="sldNum" sz="quarter" idx="12"/>
           </p:nvPr>
         </p:nvSpPr>
         <p:spPr>
           <a:xfrm>
-            <a:off x="6172200" y="1825625"/>
-            <a:ext cx="5181600" cy="4351338"/>
+            <a:off x="531812" y="787782"/>
+            <a:ext cx="779767" cy="365125"/>
           </a:xfrm>
         </p:spPr>
-        <p:txBody>
-          <a:bodyPr/>
-          <a:lstStyle/>
-          <a:p>
-            <a:pPr lvl="0"/>
-            <a:r>
-              <a:rPr lang="ru-RU"/>
-              <a:t>Образец текста</a:t>
-            </a:r>
-          </a:p>
-          <a:p>
-            <a:pPr lvl="1"/>
-            <a:r>
-              <a:rPr lang="ru-RU"/>
-              <a:t>Второй уровень</a:t>
-            </a:r>
-          </a:p>
-          <a:p>
-            <a:pPr lvl="2"/>
-            <a:r>
-              <a:rPr lang="ru-RU"/>
-              <a:t>Третий уровень</a:t>
-            </a:r>
-          </a:p>
-          <a:p>
-            <a:pPr lvl="3"/>
-            <a:r>
-              <a:rPr lang="ru-RU"/>
-              <a:t>Четвертый уровень</a:t>
-            </a:r>
-          </a:p>
-          <a:p>
-            <a:pPr lvl="4"/>
-            <a:r>
-              <a:rPr lang="ru-RU"/>
-              <a:t>Пятый уровень</a:t>
-            </a:r>
-          </a:p>
-        </p:txBody>
-      </p:sp>
-      <p:sp>
-        <p:nvSpPr>
-          <p:cNvPr id="5" name="Дата 4">
-            <a:extLst>
-              <a:ext uri="{FF2B5EF4-FFF2-40B4-BE49-F238E27FC236}">
-                <a16:creationId xmlns:a16="http://schemas.microsoft.com/office/drawing/2014/main" id="{AE896153-FF08-4AED-B48B-C28C7820F5B7}"/>
-              </a:ext>
-            </a:extLst>
-          </p:cNvPr>
-          <p:cNvSpPr>
-            <a:spLocks noGrp="1"/>
-          </p:cNvSpPr>
-          <p:nvPr>
-            <p:ph type="dt" sz="half" idx="10"/>
-          </p:nvPr>
-        </p:nvSpPr>
-        <p:spPr/>
-        <p:txBody>
-          <a:bodyPr/>
-          <a:lstStyle/>
-          <a:p>
-            <a:fld id="{EFC8ABA4-CCD7-4540-A12A-E2FC69BF12D3}" type="datetimeFigureOut">
-              <a:rPr lang="ru-RU" smtClean="0"/>
-              <a:t>14.04.2022</a:t>
-            </a:fld>
-            <a:endParaRPr lang="ru-RU"/>
-          </a:p>
-        </p:txBody>
-      </p:sp>
-      <p:sp>
-        <p:nvSpPr>
-          <p:cNvPr id="6" name="Нижний колонтитул 5">
-            <a:extLst>
-              <a:ext uri="{FF2B5EF4-FFF2-40B4-BE49-F238E27FC236}">
-                <a16:creationId xmlns:a16="http://schemas.microsoft.com/office/drawing/2014/main" id="{B4CD7CF9-0A49-45E6-9DF4-B3D65B128FD9}"/>
-              </a:ext>
-            </a:extLst>
-          </p:cNvPr>
-          <p:cNvSpPr>
-            <a:spLocks noGrp="1"/>
-          </p:cNvSpPr>
-          <p:nvPr>
-            <p:ph type="ftr" sz="quarter" idx="11"/>
-          </p:nvPr>
-        </p:nvSpPr>
-        <p:spPr/>
-        <p:txBody>
-          <a:bodyPr/>
-          <a:lstStyle/>
-          <a:p>
-            <a:endParaRPr lang="ru-RU"/>
-          </a:p>
-        </p:txBody>
-      </p:sp>
-      <p:sp>
-        <p:nvSpPr>
-          <p:cNvPr id="7" name="Номер слайда 6">
-            <a:extLst>
-              <a:ext uri="{FF2B5EF4-FFF2-40B4-BE49-F238E27FC236}">
-                <a16:creationId xmlns:a16="http://schemas.microsoft.com/office/drawing/2014/main" id="{32170964-9C56-4F21-BF7F-3FD0EACFFFF7}"/>
-              </a:ext>
-            </a:extLst>
-          </p:cNvPr>
-          <p:cNvSpPr>
-            <a:spLocks noGrp="1"/>
-          </p:cNvSpPr>
-          <p:nvPr>
-            <p:ph type="sldNum" sz="quarter" idx="12"/>
-          </p:nvPr>
-        </p:nvSpPr>
-        <p:spPr/>
         <p:txBody>
           <a:bodyPr/>
           <a:lstStyle/>
@@ -1482,7 +3682,7 @@
     </p:spTree>
     <p:extLst>
       <p:ext uri="{BB962C8B-B14F-4D97-AF65-F5344CB8AC3E}">
-        <p14:creationId xmlns:p14="http://schemas.microsoft.com/office/powerpoint/2010/main" val="615301379"/>
+        <p14:creationId xmlns:p14="http://schemas.microsoft.com/office/powerpoint/2010/main" val="3190110794"/>
       </p:ext>
     </p:extLst>
   </p:cSld>
@@ -1511,65 +3711,51 @@
       </p:grpSpPr>
       <p:sp>
         <p:nvSpPr>
-          <p:cNvPr id="2" name="Заголовок 1">
-            <a:extLst>
-              <a:ext uri="{FF2B5EF4-FFF2-40B4-BE49-F238E27FC236}">
-                <a16:creationId xmlns:a16="http://schemas.microsoft.com/office/drawing/2014/main" id="{136703FA-8A5C-4340-B483-03243135F4A5}"/>
-              </a:ext>
-            </a:extLst>
-          </p:cNvPr>
+          <p:cNvPr id="10" name="Title 9"/>
           <p:cNvSpPr>
             <a:spLocks noGrp="1"/>
           </p:cNvSpPr>
           <p:nvPr>
             <p:ph type="title"/>
+          </p:nvPr>
+        </p:nvSpPr>
+        <p:spPr/>
+        <p:txBody>
+          <a:bodyPr/>
+          <a:lstStyle/>
+          <a:p>
+            <a:r>
+              <a:rPr lang="ru-RU"/>
+              <a:t>Образец заголовка</a:t>
+            </a:r>
+            <a:endParaRPr lang="en-US" dirty="0"/>
+          </a:p>
+        </p:txBody>
+      </p:sp>
+      <p:sp>
+        <p:nvSpPr>
+          <p:cNvPr id="3" name="Text Placeholder 2"/>
+          <p:cNvSpPr>
+            <a:spLocks noGrp="1"/>
+          </p:cNvSpPr>
+          <p:nvPr>
+            <p:ph type="body" idx="1"/>
           </p:nvPr>
         </p:nvSpPr>
         <p:spPr>
           <a:xfrm>
-            <a:off x="839788" y="365125"/>
-            <a:ext cx="10515600" cy="1325563"/>
+            <a:off x="2939373" y="1972703"/>
+            <a:ext cx="3992732" cy="576262"/>
           </a:xfrm>
         </p:spPr>
         <p:txBody>
-          <a:bodyPr/>
-          <a:lstStyle/>
-          <a:p>
-            <a:r>
-              <a:rPr lang="ru-RU"/>
-              <a:t>Образец заголовка</a:t>
-            </a:r>
-          </a:p>
-        </p:txBody>
-      </p:sp>
-      <p:sp>
-        <p:nvSpPr>
-          <p:cNvPr id="3" name="Текст 2">
-            <a:extLst>
-              <a:ext uri="{FF2B5EF4-FFF2-40B4-BE49-F238E27FC236}">
-                <a16:creationId xmlns:a16="http://schemas.microsoft.com/office/drawing/2014/main" id="{33779C98-B335-4628-908B-FF1E3F81789F}"/>
-              </a:ext>
-            </a:extLst>
-          </p:cNvPr>
-          <p:cNvSpPr>
-            <a:spLocks noGrp="1"/>
-          </p:cNvSpPr>
-          <p:nvPr>
-            <p:ph type="body" idx="1"/>
-          </p:nvPr>
-        </p:nvSpPr>
-        <p:spPr>
-          <a:xfrm>
-            <a:off x="839788" y="1681163"/>
-            <a:ext cx="5157787" cy="823912"/>
-          </a:xfrm>
-        </p:spPr>
-        <p:txBody>
-          <a:bodyPr anchor="b"/>
+          <a:bodyPr anchor="b">
+            <a:noAutofit/>
+          </a:bodyPr>
           <a:lstStyle>
             <a:lvl1pPr marL="0" indent="0">
               <a:buNone/>
-              <a:defRPr sz="2400" b="1"/>
+              <a:defRPr sz="2400" b="0"/>
             </a:lvl1pPr>
             <a:lvl2pPr marL="457200" indent="0">
               <a:buNone/>
@@ -1615,13 +3801,7 @@
       </p:sp>
       <p:sp>
         <p:nvSpPr>
-          <p:cNvPr id="4" name="Объект 3">
-            <a:extLst>
-              <a:ext uri="{FF2B5EF4-FFF2-40B4-BE49-F238E27FC236}">
-                <a16:creationId xmlns:a16="http://schemas.microsoft.com/office/drawing/2014/main" id="{319F27CC-48EC-4AB1-82C9-40657685F80D}"/>
-              </a:ext>
-            </a:extLst>
-          </p:cNvPr>
+          <p:cNvPr id="4" name="Content Placeholder 3"/>
           <p:cNvSpPr>
             <a:spLocks noGrp="1"/>
           </p:cNvSpPr>
@@ -1631,12 +3811,14 @@
         </p:nvSpPr>
         <p:spPr>
           <a:xfrm>
-            <a:off x="839788" y="2505075"/>
-            <a:ext cx="5157787" cy="3684588"/>
+            <a:off x="2589212" y="2548966"/>
+            <a:ext cx="4342893" cy="3354060"/>
           </a:xfrm>
         </p:spPr>
         <p:txBody>
-          <a:bodyPr/>
+          <a:bodyPr>
+            <a:normAutofit/>
+          </a:bodyPr>
           <a:lstStyle/>
           <a:p>
             <a:pPr lvl="0"/>
@@ -1672,18 +3854,13 @@
               <a:rPr lang="ru-RU"/>
               <a:t>Пятый уровень</a:t>
             </a:r>
-          </a:p>
-        </p:txBody>
-      </p:sp>
-      <p:sp>
-        <p:nvSpPr>
-          <p:cNvPr id="5" name="Текст 4">
-            <a:extLst>
-              <a:ext uri="{FF2B5EF4-FFF2-40B4-BE49-F238E27FC236}">
-                <a16:creationId xmlns:a16="http://schemas.microsoft.com/office/drawing/2014/main" id="{6B522468-F25D-4CAF-A80F-E94C319783DD}"/>
-              </a:ext>
-            </a:extLst>
-          </p:cNvPr>
+            <a:endParaRPr lang="en-US" dirty="0"/>
+          </a:p>
+        </p:txBody>
+      </p:sp>
+      <p:sp>
+        <p:nvSpPr>
+          <p:cNvPr id="5" name="Text Placeholder 4"/>
           <p:cNvSpPr>
             <a:spLocks noGrp="1"/>
           </p:cNvSpPr>
@@ -1693,16 +3870,18 @@
         </p:nvSpPr>
         <p:spPr>
           <a:xfrm>
-            <a:off x="6172200" y="1681163"/>
-            <a:ext cx="5183188" cy="823912"/>
+            <a:off x="7506629" y="1969475"/>
+            <a:ext cx="3999001" cy="576262"/>
           </a:xfrm>
         </p:spPr>
         <p:txBody>
-          <a:bodyPr anchor="b"/>
+          <a:bodyPr anchor="b">
+            <a:noAutofit/>
+          </a:bodyPr>
           <a:lstStyle>
             <a:lvl1pPr marL="0" indent="0">
               <a:buNone/>
-              <a:defRPr sz="2400" b="1"/>
+              <a:defRPr sz="2400" b="0"/>
             </a:lvl1pPr>
             <a:lvl2pPr marL="457200" indent="0">
               <a:buNone/>
@@ -1748,13 +3927,7 @@
       </p:sp>
       <p:sp>
         <p:nvSpPr>
-          <p:cNvPr id="6" name="Объект 5">
-            <a:extLst>
-              <a:ext uri="{FF2B5EF4-FFF2-40B4-BE49-F238E27FC236}">
-                <a16:creationId xmlns:a16="http://schemas.microsoft.com/office/drawing/2014/main" id="{D70E10DA-EF0C-4C3A-AC4D-CD210C9D36F3}"/>
-              </a:ext>
-            </a:extLst>
-          </p:cNvPr>
+          <p:cNvPr id="6" name="Content Placeholder 5"/>
           <p:cNvSpPr>
             <a:spLocks noGrp="1"/>
           </p:cNvSpPr>
@@ -1764,64 +3937,84 @@
         </p:nvSpPr>
         <p:spPr>
           <a:xfrm>
-            <a:off x="6172200" y="2505075"/>
-            <a:ext cx="5183188" cy="3684588"/>
+            <a:off x="7166957" y="2545738"/>
+            <a:ext cx="4338674" cy="3354060"/>
           </a:xfrm>
         </p:spPr>
         <p:txBody>
+          <a:bodyPr>
+            <a:normAutofit/>
+          </a:bodyPr>
+          <a:lstStyle/>
+          <a:p>
+            <a:pPr lvl="0"/>
+            <a:r>
+              <a:rPr lang="ru-RU"/>
+              <a:t>Образец текста</a:t>
+            </a:r>
+          </a:p>
+          <a:p>
+            <a:pPr lvl="1"/>
+            <a:r>
+              <a:rPr lang="ru-RU"/>
+              <a:t>Второй уровень</a:t>
+            </a:r>
+          </a:p>
+          <a:p>
+            <a:pPr lvl="2"/>
+            <a:r>
+              <a:rPr lang="ru-RU"/>
+              <a:t>Третий уровень</a:t>
+            </a:r>
+          </a:p>
+          <a:p>
+            <a:pPr lvl="3"/>
+            <a:r>
+              <a:rPr lang="ru-RU"/>
+              <a:t>Четвертый уровень</a:t>
+            </a:r>
+          </a:p>
+          <a:p>
+            <a:pPr lvl="4"/>
+            <a:r>
+              <a:rPr lang="ru-RU"/>
+              <a:t>Пятый уровень</a:t>
+            </a:r>
+            <a:endParaRPr lang="en-US" dirty="0"/>
+          </a:p>
+        </p:txBody>
+      </p:sp>
+      <p:sp>
+        <p:nvSpPr>
+          <p:cNvPr id="7" name="Date Placeholder 6"/>
+          <p:cNvSpPr>
+            <a:spLocks noGrp="1"/>
+          </p:cNvSpPr>
+          <p:nvPr>
+            <p:ph type="dt" sz="half" idx="10"/>
+          </p:nvPr>
+        </p:nvSpPr>
+        <p:spPr/>
+        <p:txBody>
           <a:bodyPr/>
           <a:lstStyle/>
           <a:p>
-            <a:pPr lvl="0"/>
-            <a:r>
-              <a:rPr lang="ru-RU"/>
-              <a:t>Образец текста</a:t>
-            </a:r>
-          </a:p>
-          <a:p>
-            <a:pPr lvl="1"/>
-            <a:r>
-              <a:rPr lang="ru-RU"/>
-              <a:t>Второй уровень</a:t>
-            </a:r>
-          </a:p>
-          <a:p>
-            <a:pPr lvl="2"/>
-            <a:r>
-              <a:rPr lang="ru-RU"/>
-              <a:t>Третий уровень</a:t>
-            </a:r>
-          </a:p>
-          <a:p>
-            <a:pPr lvl="3"/>
-            <a:r>
-              <a:rPr lang="ru-RU"/>
-              <a:t>Четвертый уровень</a:t>
-            </a:r>
-          </a:p>
-          <a:p>
-            <a:pPr lvl="4"/>
-            <a:r>
-              <a:rPr lang="ru-RU"/>
-              <a:t>Пятый уровень</a:t>
-            </a:r>
-          </a:p>
-        </p:txBody>
-      </p:sp>
-      <p:sp>
-        <p:nvSpPr>
-          <p:cNvPr id="7" name="Дата 6">
-            <a:extLst>
-              <a:ext uri="{FF2B5EF4-FFF2-40B4-BE49-F238E27FC236}">
-                <a16:creationId xmlns:a16="http://schemas.microsoft.com/office/drawing/2014/main" id="{D16327FB-C219-44FA-93C6-793F19F416DC}"/>
-              </a:ext>
-            </a:extLst>
-          </p:cNvPr>
-          <p:cNvSpPr>
-            <a:spLocks noGrp="1"/>
-          </p:cNvSpPr>
-          <p:nvPr>
-            <p:ph type="dt" sz="half" idx="10"/>
+            <a:fld id="{EFC8ABA4-CCD7-4540-A12A-E2FC69BF12D3}" type="datetimeFigureOut">
+              <a:rPr lang="ru-RU" smtClean="0"/>
+              <a:t>21.04.2022</a:t>
+            </a:fld>
+            <a:endParaRPr lang="ru-RU"/>
+          </a:p>
+        </p:txBody>
+      </p:sp>
+      <p:sp>
+        <p:nvSpPr>
+          <p:cNvPr id="8" name="Footer Placeholder 7"/>
+          <p:cNvSpPr>
+            <a:spLocks noGrp="1"/>
+          </p:cNvSpPr>
+          <p:nvPr>
+            <p:ph type="ftr" sz="quarter" idx="11"/>
           </p:nvPr>
         </p:nvSpPr>
         <p:spPr/>
@@ -1829,48 +4022,95 @@
           <a:bodyPr/>
           <a:lstStyle/>
           <a:p>
-            <a:fld id="{EFC8ABA4-CCD7-4540-A12A-E2FC69BF12D3}" type="datetimeFigureOut">
-              <a:rPr lang="ru-RU" smtClean="0"/>
-              <a:t>14.04.2022</a:t>
-            </a:fld>
             <a:endParaRPr lang="ru-RU"/>
           </a:p>
         </p:txBody>
       </p:sp>
       <p:sp>
         <p:nvSpPr>
-          <p:cNvPr id="8" name="Нижний колонтитул 7">
-            <a:extLst>
-              <a:ext uri="{FF2B5EF4-FFF2-40B4-BE49-F238E27FC236}">
-                <a16:creationId xmlns:a16="http://schemas.microsoft.com/office/drawing/2014/main" id="{9A188808-7B51-4B78-8FE7-9DFCEF1CC0F2}"/>
-              </a:ext>
-            </a:extLst>
-          </p:cNvPr>
-          <p:cNvSpPr>
-            <a:spLocks noGrp="1"/>
-          </p:cNvSpPr>
-          <p:nvPr>
-            <p:ph type="ftr" sz="quarter" idx="11"/>
-          </p:nvPr>
-        </p:nvSpPr>
-        <p:spPr/>
-        <p:txBody>
-          <a:bodyPr/>
-          <a:lstStyle/>
-          <a:p>
-            <a:endParaRPr lang="ru-RU"/>
-          </a:p>
-        </p:txBody>
-      </p:sp>
-      <p:sp>
-        <p:nvSpPr>
-          <p:cNvPr id="9" name="Номер слайда 8">
-            <a:extLst>
-              <a:ext uri="{FF2B5EF4-FFF2-40B4-BE49-F238E27FC236}">
-                <a16:creationId xmlns:a16="http://schemas.microsoft.com/office/drawing/2014/main" id="{AE1BA0F3-6795-47EA-B86F-827AC6E55573}"/>
-              </a:ext>
-            </a:extLst>
-          </p:cNvPr>
+          <p:cNvPr id="12" name="Freeform 11"/>
+          <p:cNvSpPr/>
+          <p:nvPr/>
+        </p:nvSpPr>
+        <p:spPr bwMode="auto">
+          <a:xfrm flipV="1">
+            <a:off x="-4189" y="714375"/>
+            <a:ext cx="1588527" cy="507297"/>
+          </a:xfrm>
+          <a:custGeom>
+            <a:avLst/>
+            <a:gdLst/>
+            <a:ahLst/>
+            <a:cxnLst/>
+            <a:rect l="l" t="t" r="r" b="b"/>
+            <a:pathLst>
+              <a:path w="9248" h="10000">
+                <a:moveTo>
+                  <a:pt x="9248" y="4701"/>
+                </a:moveTo>
+                <a:lnTo>
+                  <a:pt x="7915" y="188"/>
+                </a:lnTo>
+                <a:cubicBezTo>
+                  <a:pt x="7906" y="156"/>
+                  <a:pt x="7895" y="126"/>
+                  <a:pt x="7886" y="94"/>
+                </a:cubicBezTo>
+                <a:cubicBezTo>
+                  <a:pt x="7859" y="0"/>
+                  <a:pt x="7831" y="0"/>
+                  <a:pt x="7803" y="0"/>
+                </a:cubicBezTo>
+                <a:lnTo>
+                  <a:pt x="7275" y="0"/>
+                </a:lnTo>
+                <a:lnTo>
+                  <a:pt x="0" y="70"/>
+                </a:lnTo>
+                <a:cubicBezTo>
+                  <a:pt x="8" y="3380"/>
+                  <a:pt x="17" y="6690"/>
+                  <a:pt x="25" y="10000"/>
+                </a:cubicBezTo>
+                <a:lnTo>
+                  <a:pt x="7275" y="9966"/>
+                </a:lnTo>
+                <a:lnTo>
+                  <a:pt x="7803" y="9966"/>
+                </a:lnTo>
+                <a:cubicBezTo>
+                  <a:pt x="7831" y="9966"/>
+                  <a:pt x="7859" y="9872"/>
+                  <a:pt x="7886" y="9872"/>
+                </a:cubicBezTo>
+                <a:cubicBezTo>
+                  <a:pt x="7886" y="9778"/>
+                  <a:pt x="7915" y="9778"/>
+                  <a:pt x="7915" y="9778"/>
+                </a:cubicBezTo>
+                <a:lnTo>
+                  <a:pt x="9248" y="5265"/>
+                </a:lnTo>
+                <a:cubicBezTo>
+                  <a:pt x="9303" y="5077"/>
+                  <a:pt x="9303" y="4889"/>
+                  <a:pt x="9248" y="4701"/>
+                </a:cubicBezTo>
+                <a:close/>
+              </a:path>
+            </a:pathLst>
+          </a:custGeom>
+          <a:solidFill>
+            <a:schemeClr val="accent1"/>
+          </a:solidFill>
+          <a:ln>
+            <a:noFill/>
+          </a:ln>
+        </p:spPr>
+      </p:sp>
+      <p:sp>
+        <p:nvSpPr>
+          <p:cNvPr id="13" name="Slide Number Placeholder 5"/>
           <p:cNvSpPr>
             <a:spLocks noGrp="1"/>
           </p:cNvSpPr>
@@ -1878,7 +4118,12 @@
             <p:ph type="sldNum" sz="quarter" idx="12"/>
           </p:nvPr>
         </p:nvSpPr>
-        <p:spPr/>
+        <p:spPr>
+          <a:xfrm>
+            <a:off x="531812" y="787782"/>
+            <a:ext cx="779767" cy="365125"/>
+          </a:xfrm>
+        </p:spPr>
         <p:txBody>
           <a:bodyPr/>
           <a:lstStyle/>
@@ -1894,7 +4139,7 @@
     </p:spTree>
     <p:extLst>
       <p:ext uri="{BB962C8B-B14F-4D97-AF65-F5344CB8AC3E}">
-        <p14:creationId xmlns:p14="http://schemas.microsoft.com/office/powerpoint/2010/main" val="992473164"/>
+        <p14:creationId xmlns:p14="http://schemas.microsoft.com/office/powerpoint/2010/main" val="3355376099"/>
       </p:ext>
     </p:extLst>
   </p:cSld>
@@ -1923,13 +4168,7 @@
       </p:grpSpPr>
       <p:sp>
         <p:nvSpPr>
-          <p:cNvPr id="2" name="Заголовок 1">
-            <a:extLst>
-              <a:ext uri="{FF2B5EF4-FFF2-40B4-BE49-F238E27FC236}">
-                <a16:creationId xmlns:a16="http://schemas.microsoft.com/office/drawing/2014/main" id="{1B3017A3-0474-40FB-BAF9-12F9F9C95B66}"/>
-              </a:ext>
-            </a:extLst>
-          </p:cNvPr>
+          <p:cNvPr id="2" name="Title 1"/>
           <p:cNvSpPr>
             <a:spLocks noGrp="1"/>
           </p:cNvSpPr>
@@ -1946,18 +4185,13 @@
               <a:rPr lang="ru-RU"/>
               <a:t>Образец заголовка</a:t>
             </a:r>
-          </a:p>
-        </p:txBody>
-      </p:sp>
-      <p:sp>
-        <p:nvSpPr>
-          <p:cNvPr id="3" name="Дата 2">
-            <a:extLst>
-              <a:ext uri="{FF2B5EF4-FFF2-40B4-BE49-F238E27FC236}">
-                <a16:creationId xmlns:a16="http://schemas.microsoft.com/office/drawing/2014/main" id="{8CB9AF36-D626-439F-B049-051186730CDA}"/>
-              </a:ext>
-            </a:extLst>
-          </p:cNvPr>
+            <a:endParaRPr lang="en-US" dirty="0"/>
+          </a:p>
+        </p:txBody>
+      </p:sp>
+      <p:sp>
+        <p:nvSpPr>
+          <p:cNvPr id="3" name="Date Placeholder 2"/>
           <p:cNvSpPr>
             <a:spLocks noGrp="1"/>
           </p:cNvSpPr>
@@ -1972,7 +4206,7 @@
           <a:p>
             <a:fld id="{EFC8ABA4-CCD7-4540-A12A-E2FC69BF12D3}" type="datetimeFigureOut">
               <a:rPr lang="ru-RU" smtClean="0"/>
-              <a:t>14.04.2022</a:t>
+              <a:t>21.04.2022</a:t>
             </a:fld>
             <a:endParaRPr lang="ru-RU"/>
           </a:p>
@@ -1980,13 +4214,7 @@
       </p:sp>
       <p:sp>
         <p:nvSpPr>
-          <p:cNvPr id="4" name="Нижний колонтитул 3">
-            <a:extLst>
-              <a:ext uri="{FF2B5EF4-FFF2-40B4-BE49-F238E27FC236}">
-                <a16:creationId xmlns:a16="http://schemas.microsoft.com/office/drawing/2014/main" id="{94C67DEE-EACE-4B74-BD2E-FE571E8199F9}"/>
-              </a:ext>
-            </a:extLst>
-          </p:cNvPr>
+          <p:cNvPr id="4" name="Footer Placeholder 3"/>
           <p:cNvSpPr>
             <a:spLocks noGrp="1"/>
           </p:cNvSpPr>
@@ -2005,13 +4233,89 @@
       </p:sp>
       <p:sp>
         <p:nvSpPr>
-          <p:cNvPr id="5" name="Номер слайда 4">
-            <a:extLst>
-              <a:ext uri="{FF2B5EF4-FFF2-40B4-BE49-F238E27FC236}">
-                <a16:creationId xmlns:a16="http://schemas.microsoft.com/office/drawing/2014/main" id="{F6D49D16-4B72-430F-99ED-321DFF2377BC}"/>
-              </a:ext>
-            </a:extLst>
-          </p:cNvPr>
+          <p:cNvPr id="7" name="Freeform 11"/>
+          <p:cNvSpPr/>
+          <p:nvPr/>
+        </p:nvSpPr>
+        <p:spPr bwMode="auto">
+          <a:xfrm flipV="1">
+            <a:off x="-4189" y="714375"/>
+            <a:ext cx="1588527" cy="507297"/>
+          </a:xfrm>
+          <a:custGeom>
+            <a:avLst/>
+            <a:gdLst/>
+            <a:ahLst/>
+            <a:cxnLst/>
+            <a:rect l="l" t="t" r="r" b="b"/>
+            <a:pathLst>
+              <a:path w="9248" h="10000">
+                <a:moveTo>
+                  <a:pt x="9248" y="4701"/>
+                </a:moveTo>
+                <a:lnTo>
+                  <a:pt x="7915" y="188"/>
+                </a:lnTo>
+                <a:cubicBezTo>
+                  <a:pt x="7906" y="156"/>
+                  <a:pt x="7895" y="126"/>
+                  <a:pt x="7886" y="94"/>
+                </a:cubicBezTo>
+                <a:cubicBezTo>
+                  <a:pt x="7859" y="0"/>
+                  <a:pt x="7831" y="0"/>
+                  <a:pt x="7803" y="0"/>
+                </a:cubicBezTo>
+                <a:lnTo>
+                  <a:pt x="7275" y="0"/>
+                </a:lnTo>
+                <a:lnTo>
+                  <a:pt x="0" y="70"/>
+                </a:lnTo>
+                <a:cubicBezTo>
+                  <a:pt x="8" y="3380"/>
+                  <a:pt x="17" y="6690"/>
+                  <a:pt x="25" y="10000"/>
+                </a:cubicBezTo>
+                <a:lnTo>
+                  <a:pt x="7275" y="9966"/>
+                </a:lnTo>
+                <a:lnTo>
+                  <a:pt x="7803" y="9966"/>
+                </a:lnTo>
+                <a:cubicBezTo>
+                  <a:pt x="7831" y="9966"/>
+                  <a:pt x="7859" y="9872"/>
+                  <a:pt x="7886" y="9872"/>
+                </a:cubicBezTo>
+                <a:cubicBezTo>
+                  <a:pt x="7886" y="9778"/>
+                  <a:pt x="7915" y="9778"/>
+                  <a:pt x="7915" y="9778"/>
+                </a:cubicBezTo>
+                <a:lnTo>
+                  <a:pt x="9248" y="5265"/>
+                </a:lnTo>
+                <a:cubicBezTo>
+                  <a:pt x="9303" y="5077"/>
+                  <a:pt x="9303" y="4889"/>
+                  <a:pt x="9248" y="4701"/>
+                </a:cubicBezTo>
+                <a:close/>
+              </a:path>
+            </a:pathLst>
+          </a:custGeom>
+          <a:solidFill>
+            <a:schemeClr val="accent1"/>
+          </a:solidFill>
+          <a:ln>
+            <a:noFill/>
+          </a:ln>
+        </p:spPr>
+      </p:sp>
+      <p:sp>
+        <p:nvSpPr>
+          <p:cNvPr id="5" name="Slide Number Placeholder 4"/>
           <p:cNvSpPr>
             <a:spLocks noGrp="1"/>
           </p:cNvSpPr>
@@ -2035,7 +4339,7 @@
     </p:spTree>
     <p:extLst>
       <p:ext uri="{BB962C8B-B14F-4D97-AF65-F5344CB8AC3E}">
-        <p14:creationId xmlns:p14="http://schemas.microsoft.com/office/powerpoint/2010/main" val="4111703562"/>
+        <p14:creationId xmlns:p14="http://schemas.microsoft.com/office/powerpoint/2010/main" val="529750632"/>
       </p:ext>
     </p:extLst>
   </p:cSld>
@@ -2064,13 +4368,7 @@
       </p:grpSpPr>
       <p:sp>
         <p:nvSpPr>
-          <p:cNvPr id="2" name="Дата 1">
-            <a:extLst>
-              <a:ext uri="{FF2B5EF4-FFF2-40B4-BE49-F238E27FC236}">
-                <a16:creationId xmlns:a16="http://schemas.microsoft.com/office/drawing/2014/main" id="{F58FD70B-FCEC-456E-829E-B700FA7F5D52}"/>
-              </a:ext>
-            </a:extLst>
-          </p:cNvPr>
+          <p:cNvPr id="2" name="Date Placeholder 1"/>
           <p:cNvSpPr>
             <a:spLocks noGrp="1"/>
           </p:cNvSpPr>
@@ -2085,7 +4383,7 @@
           <a:p>
             <a:fld id="{EFC8ABA4-CCD7-4540-A12A-E2FC69BF12D3}" type="datetimeFigureOut">
               <a:rPr lang="ru-RU" smtClean="0"/>
-              <a:t>14.04.2022</a:t>
+              <a:t>21.04.2022</a:t>
             </a:fld>
             <a:endParaRPr lang="ru-RU"/>
           </a:p>
@@ -2093,13 +4391,7 @@
       </p:sp>
       <p:sp>
         <p:nvSpPr>
-          <p:cNvPr id="3" name="Нижний колонтитул 2">
-            <a:extLst>
-              <a:ext uri="{FF2B5EF4-FFF2-40B4-BE49-F238E27FC236}">
-                <a16:creationId xmlns:a16="http://schemas.microsoft.com/office/drawing/2014/main" id="{9D2F3965-A770-469B-A547-935B65B11EF9}"/>
-              </a:ext>
-            </a:extLst>
-          </p:cNvPr>
+          <p:cNvPr id="3" name="Footer Placeholder 2"/>
           <p:cNvSpPr>
             <a:spLocks noGrp="1"/>
           </p:cNvSpPr>
@@ -2118,13 +4410,89 @@
       </p:sp>
       <p:sp>
         <p:nvSpPr>
-          <p:cNvPr id="4" name="Номер слайда 3">
-            <a:extLst>
-              <a:ext uri="{FF2B5EF4-FFF2-40B4-BE49-F238E27FC236}">
-                <a16:creationId xmlns:a16="http://schemas.microsoft.com/office/drawing/2014/main" id="{8E01E7BC-8357-4B0B-8F37-34C186487852}"/>
-              </a:ext>
-            </a:extLst>
-          </p:cNvPr>
+          <p:cNvPr id="6" name="Freeform 11"/>
+          <p:cNvSpPr/>
+          <p:nvPr/>
+        </p:nvSpPr>
+        <p:spPr bwMode="auto">
+          <a:xfrm flipV="1">
+            <a:off x="-4189" y="714375"/>
+            <a:ext cx="1588527" cy="507297"/>
+          </a:xfrm>
+          <a:custGeom>
+            <a:avLst/>
+            <a:gdLst/>
+            <a:ahLst/>
+            <a:cxnLst/>
+            <a:rect l="l" t="t" r="r" b="b"/>
+            <a:pathLst>
+              <a:path w="9248" h="10000">
+                <a:moveTo>
+                  <a:pt x="9248" y="4701"/>
+                </a:moveTo>
+                <a:lnTo>
+                  <a:pt x="7915" y="188"/>
+                </a:lnTo>
+                <a:cubicBezTo>
+                  <a:pt x="7906" y="156"/>
+                  <a:pt x="7895" y="126"/>
+                  <a:pt x="7886" y="94"/>
+                </a:cubicBezTo>
+                <a:cubicBezTo>
+                  <a:pt x="7859" y="0"/>
+                  <a:pt x="7831" y="0"/>
+                  <a:pt x="7803" y="0"/>
+                </a:cubicBezTo>
+                <a:lnTo>
+                  <a:pt x="7275" y="0"/>
+                </a:lnTo>
+                <a:lnTo>
+                  <a:pt x="0" y="70"/>
+                </a:lnTo>
+                <a:cubicBezTo>
+                  <a:pt x="8" y="3380"/>
+                  <a:pt x="17" y="6690"/>
+                  <a:pt x="25" y="10000"/>
+                </a:cubicBezTo>
+                <a:lnTo>
+                  <a:pt x="7275" y="9966"/>
+                </a:lnTo>
+                <a:lnTo>
+                  <a:pt x="7803" y="9966"/>
+                </a:lnTo>
+                <a:cubicBezTo>
+                  <a:pt x="7831" y="9966"/>
+                  <a:pt x="7859" y="9872"/>
+                  <a:pt x="7886" y="9872"/>
+                </a:cubicBezTo>
+                <a:cubicBezTo>
+                  <a:pt x="7886" y="9778"/>
+                  <a:pt x="7915" y="9778"/>
+                  <a:pt x="7915" y="9778"/>
+                </a:cubicBezTo>
+                <a:lnTo>
+                  <a:pt x="9248" y="5265"/>
+                </a:lnTo>
+                <a:cubicBezTo>
+                  <a:pt x="9303" y="5077"/>
+                  <a:pt x="9303" y="4889"/>
+                  <a:pt x="9248" y="4701"/>
+                </a:cubicBezTo>
+                <a:close/>
+              </a:path>
+            </a:pathLst>
+          </a:custGeom>
+          <a:solidFill>
+            <a:schemeClr val="accent1"/>
+          </a:solidFill>
+          <a:ln>
+            <a:noFill/>
+          </a:ln>
+        </p:spPr>
+      </p:sp>
+      <p:sp>
+        <p:nvSpPr>
+          <p:cNvPr id="4" name="Slide Number Placeholder 3"/>
           <p:cNvSpPr>
             <a:spLocks noGrp="1"/>
           </p:cNvSpPr>
@@ -2148,7 +4516,7 @@
     </p:spTree>
     <p:extLst>
       <p:ext uri="{BB962C8B-B14F-4D97-AF65-F5344CB8AC3E}">
-        <p14:creationId xmlns:p14="http://schemas.microsoft.com/office/powerpoint/2010/main" val="2906454656"/>
+        <p14:creationId xmlns:p14="http://schemas.microsoft.com/office/powerpoint/2010/main" val="719153889"/>
       </p:ext>
     </p:extLst>
   </p:cSld>
@@ -2177,13 +4545,7 @@
       </p:grpSpPr>
       <p:sp>
         <p:nvSpPr>
-          <p:cNvPr id="2" name="Заголовок 1">
-            <a:extLst>
-              <a:ext uri="{FF2B5EF4-FFF2-40B4-BE49-F238E27FC236}">
-                <a16:creationId xmlns:a16="http://schemas.microsoft.com/office/drawing/2014/main" id="{E93F9681-7BC7-4CF3-91FB-16335413D2D3}"/>
-              </a:ext>
-            </a:extLst>
-          </p:cNvPr>
+          <p:cNvPr id="2" name="Title 1"/>
           <p:cNvSpPr>
             <a:spLocks noGrp="1"/>
           </p:cNvSpPr>
@@ -2193,15 +4555,15 @@
         </p:nvSpPr>
         <p:spPr>
           <a:xfrm>
-            <a:off x="839788" y="457200"/>
-            <a:ext cx="3932237" cy="1600200"/>
+            <a:off x="2589212" y="446088"/>
+            <a:ext cx="3505199" cy="976312"/>
           </a:xfrm>
         </p:spPr>
         <p:txBody>
           <a:bodyPr anchor="b"/>
           <a:lstStyle>
-            <a:lvl1pPr>
-              <a:defRPr sz="3200"/>
+            <a:lvl1pPr algn="l">
+              <a:defRPr sz="2000" b="0"/>
             </a:lvl1pPr>
           </a:lstStyle>
           <a:p>
@@ -2209,18 +4571,13 @@
               <a:rPr lang="ru-RU"/>
               <a:t>Образец заголовка</a:t>
             </a:r>
-          </a:p>
-        </p:txBody>
-      </p:sp>
-      <p:sp>
-        <p:nvSpPr>
-          <p:cNvPr id="3" name="Объект 2">
-            <a:extLst>
-              <a:ext uri="{FF2B5EF4-FFF2-40B4-BE49-F238E27FC236}">
-                <a16:creationId xmlns:a16="http://schemas.microsoft.com/office/drawing/2014/main" id="{D3238C04-7C3F-4C69-94F8-D85ED269B3C6}"/>
-              </a:ext>
-            </a:extLst>
-          </p:cNvPr>
+            <a:endParaRPr lang="en-US" dirty="0"/>
+          </a:p>
+        </p:txBody>
+      </p:sp>
+      <p:sp>
+        <p:nvSpPr>
+          <p:cNvPr id="3" name="Content Placeholder 2"/>
           <p:cNvSpPr>
             <a:spLocks noGrp="1"/>
           </p:cNvSpPr>
@@ -2230,41 +4587,15 @@
         </p:nvSpPr>
         <p:spPr>
           <a:xfrm>
-            <a:off x="5183188" y="987425"/>
-            <a:ext cx="6172200" cy="4873625"/>
+            <a:off x="6323012" y="446088"/>
+            <a:ext cx="5181600" cy="5414963"/>
           </a:xfrm>
         </p:spPr>
         <p:txBody>
-          <a:bodyPr/>
-          <a:lstStyle>
-            <a:lvl1pPr>
-              <a:defRPr sz="3200"/>
-            </a:lvl1pPr>
-            <a:lvl2pPr>
-              <a:defRPr sz="2800"/>
-            </a:lvl2pPr>
-            <a:lvl3pPr>
-              <a:defRPr sz="2400"/>
-            </a:lvl3pPr>
-            <a:lvl4pPr>
-              <a:defRPr sz="2000"/>
-            </a:lvl4pPr>
-            <a:lvl5pPr>
-              <a:defRPr sz="2000"/>
-            </a:lvl5pPr>
-            <a:lvl6pPr>
-              <a:defRPr sz="2000"/>
-            </a:lvl6pPr>
-            <a:lvl7pPr>
-              <a:defRPr sz="2000"/>
-            </a:lvl7pPr>
-            <a:lvl8pPr>
-              <a:defRPr sz="2000"/>
-            </a:lvl8pPr>
-            <a:lvl9pPr>
-              <a:defRPr sz="2000"/>
-            </a:lvl9pPr>
-          </a:lstStyle>
+          <a:bodyPr anchor="ctr">
+            <a:normAutofit/>
+          </a:bodyPr>
+          <a:lstStyle/>
           <a:p>
             <a:pPr lvl="0"/>
             <a:r>
@@ -2299,18 +4630,13 @@
               <a:rPr lang="ru-RU"/>
               <a:t>Пятый уровень</a:t>
             </a:r>
-          </a:p>
-        </p:txBody>
-      </p:sp>
-      <p:sp>
-        <p:nvSpPr>
-          <p:cNvPr id="4" name="Текст 3">
-            <a:extLst>
-              <a:ext uri="{FF2B5EF4-FFF2-40B4-BE49-F238E27FC236}">
-                <a16:creationId xmlns:a16="http://schemas.microsoft.com/office/drawing/2014/main" id="{16164F27-A1BB-4A76-8DEB-4EA28DE2418E}"/>
-              </a:ext>
-            </a:extLst>
-          </p:cNvPr>
+            <a:endParaRPr lang="en-US" dirty="0"/>
+          </a:p>
+        </p:txBody>
+      </p:sp>
+      <p:sp>
+        <p:nvSpPr>
+          <p:cNvPr id="4" name="Text Placeholder 3"/>
           <p:cNvSpPr>
             <a:spLocks noGrp="1"/>
           </p:cNvSpPr>
@@ -2320,8 +4646,8 @@
         </p:nvSpPr>
         <p:spPr>
           <a:xfrm>
-            <a:off x="839788" y="2057400"/>
-            <a:ext cx="3932237" cy="3811588"/>
+            <a:off x="2589212" y="1598613"/>
+            <a:ext cx="3505199" cy="4262436"/>
           </a:xfrm>
         </p:spPr>
         <p:txBody>
@@ -2329,39 +4655,39 @@
           <a:lstStyle>
             <a:lvl1pPr marL="0" indent="0">
               <a:buNone/>
-              <a:defRPr sz="1600"/>
+              <a:defRPr sz="1400"/>
             </a:lvl1pPr>
             <a:lvl2pPr marL="457200" indent="0">
               <a:buNone/>
-              <a:defRPr sz="1400"/>
+              <a:defRPr sz="1200"/>
             </a:lvl2pPr>
             <a:lvl3pPr marL="914400" indent="0">
               <a:buNone/>
-              <a:defRPr sz="1200"/>
+              <a:defRPr sz="1000"/>
             </a:lvl3pPr>
             <a:lvl4pPr marL="1371600" indent="0">
               <a:buNone/>
-              <a:defRPr sz="1000"/>
+              <a:defRPr sz="900"/>
             </a:lvl4pPr>
             <a:lvl5pPr marL="1828800" indent="0">
               <a:buNone/>
-              <a:defRPr sz="1000"/>
+              <a:defRPr sz="900"/>
             </a:lvl5pPr>
             <a:lvl6pPr marL="2286000" indent="0">
               <a:buNone/>
-              <a:defRPr sz="1000"/>
+              <a:defRPr sz="900"/>
             </a:lvl6pPr>
             <a:lvl7pPr marL="2743200" indent="0">
               <a:buNone/>
-              <a:defRPr sz="1000"/>
+              <a:defRPr sz="900"/>
             </a:lvl7pPr>
             <a:lvl8pPr marL="3200400" indent="0">
               <a:buNone/>
-              <a:defRPr sz="1000"/>
+              <a:defRPr sz="900"/>
             </a:lvl8pPr>
             <a:lvl9pPr marL="3657600" indent="0">
               <a:buNone/>
-              <a:defRPr sz="1000"/>
+              <a:defRPr sz="900"/>
             </a:lvl9pPr>
           </a:lstStyle>
           <a:p>
@@ -2375,13 +4701,7 @@
       </p:sp>
       <p:sp>
         <p:nvSpPr>
-          <p:cNvPr id="5" name="Дата 4">
-            <a:extLst>
-              <a:ext uri="{FF2B5EF4-FFF2-40B4-BE49-F238E27FC236}">
-                <a16:creationId xmlns:a16="http://schemas.microsoft.com/office/drawing/2014/main" id="{676AEAD6-5E98-4AE3-99D6-01E9EB552928}"/>
-              </a:ext>
-            </a:extLst>
-          </p:cNvPr>
+          <p:cNvPr id="5" name="Date Placeholder 4"/>
           <p:cNvSpPr>
             <a:spLocks noGrp="1"/>
           </p:cNvSpPr>
@@ -2396,7 +4716,7 @@
           <a:p>
             <a:fld id="{EFC8ABA4-CCD7-4540-A12A-E2FC69BF12D3}" type="datetimeFigureOut">
               <a:rPr lang="ru-RU" smtClean="0"/>
-              <a:t>14.04.2022</a:t>
+              <a:t>21.04.2022</a:t>
             </a:fld>
             <a:endParaRPr lang="ru-RU"/>
           </a:p>
@@ -2404,13 +4724,7 @@
       </p:sp>
       <p:sp>
         <p:nvSpPr>
-          <p:cNvPr id="6" name="Нижний колонтитул 5">
-            <a:extLst>
-              <a:ext uri="{FF2B5EF4-FFF2-40B4-BE49-F238E27FC236}">
-                <a16:creationId xmlns:a16="http://schemas.microsoft.com/office/drawing/2014/main" id="{DB3070DD-D011-41FF-A309-720E5F1AD437}"/>
-              </a:ext>
-            </a:extLst>
-          </p:cNvPr>
+          <p:cNvPr id="6" name="Footer Placeholder 5"/>
           <p:cNvSpPr>
             <a:spLocks noGrp="1"/>
           </p:cNvSpPr>
@@ -2429,13 +4743,89 @@
       </p:sp>
       <p:sp>
         <p:nvSpPr>
-          <p:cNvPr id="7" name="Номер слайда 6">
-            <a:extLst>
-              <a:ext uri="{FF2B5EF4-FFF2-40B4-BE49-F238E27FC236}">
-                <a16:creationId xmlns:a16="http://schemas.microsoft.com/office/drawing/2014/main" id="{E9C9BCC5-C991-4BC7-9767-69D0AB2CCCDE}"/>
-              </a:ext>
-            </a:extLst>
-          </p:cNvPr>
+          <p:cNvPr id="9" name="Freeform 11"/>
+          <p:cNvSpPr/>
+          <p:nvPr/>
+        </p:nvSpPr>
+        <p:spPr bwMode="auto">
+          <a:xfrm flipV="1">
+            <a:off x="-4189" y="714375"/>
+            <a:ext cx="1588527" cy="507297"/>
+          </a:xfrm>
+          <a:custGeom>
+            <a:avLst/>
+            <a:gdLst/>
+            <a:ahLst/>
+            <a:cxnLst/>
+            <a:rect l="l" t="t" r="r" b="b"/>
+            <a:pathLst>
+              <a:path w="9248" h="10000">
+                <a:moveTo>
+                  <a:pt x="9248" y="4701"/>
+                </a:moveTo>
+                <a:lnTo>
+                  <a:pt x="7915" y="188"/>
+                </a:lnTo>
+                <a:cubicBezTo>
+                  <a:pt x="7906" y="156"/>
+                  <a:pt x="7895" y="126"/>
+                  <a:pt x="7886" y="94"/>
+                </a:cubicBezTo>
+                <a:cubicBezTo>
+                  <a:pt x="7859" y="0"/>
+                  <a:pt x="7831" y="0"/>
+                  <a:pt x="7803" y="0"/>
+                </a:cubicBezTo>
+                <a:lnTo>
+                  <a:pt x="7275" y="0"/>
+                </a:lnTo>
+                <a:lnTo>
+                  <a:pt x="0" y="70"/>
+                </a:lnTo>
+                <a:cubicBezTo>
+                  <a:pt x="8" y="3380"/>
+                  <a:pt x="17" y="6690"/>
+                  <a:pt x="25" y="10000"/>
+                </a:cubicBezTo>
+                <a:lnTo>
+                  <a:pt x="7275" y="9966"/>
+                </a:lnTo>
+                <a:lnTo>
+                  <a:pt x="7803" y="9966"/>
+                </a:lnTo>
+                <a:cubicBezTo>
+                  <a:pt x="7831" y="9966"/>
+                  <a:pt x="7859" y="9872"/>
+                  <a:pt x="7886" y="9872"/>
+                </a:cubicBezTo>
+                <a:cubicBezTo>
+                  <a:pt x="7886" y="9778"/>
+                  <a:pt x="7915" y="9778"/>
+                  <a:pt x="7915" y="9778"/>
+                </a:cubicBezTo>
+                <a:lnTo>
+                  <a:pt x="9248" y="5265"/>
+                </a:lnTo>
+                <a:cubicBezTo>
+                  <a:pt x="9303" y="5077"/>
+                  <a:pt x="9303" y="4889"/>
+                  <a:pt x="9248" y="4701"/>
+                </a:cubicBezTo>
+                <a:close/>
+              </a:path>
+            </a:pathLst>
+          </a:custGeom>
+          <a:solidFill>
+            <a:schemeClr val="accent1"/>
+          </a:solidFill>
+          <a:ln>
+            <a:noFill/>
+          </a:ln>
+        </p:spPr>
+      </p:sp>
+      <p:sp>
+        <p:nvSpPr>
+          <p:cNvPr id="7" name="Slide Number Placeholder 6"/>
           <p:cNvSpPr>
             <a:spLocks noGrp="1"/>
           </p:cNvSpPr>
@@ -2459,7 +4849,7 @@
     </p:spTree>
     <p:extLst>
       <p:ext uri="{BB962C8B-B14F-4D97-AF65-F5344CB8AC3E}">
-        <p14:creationId xmlns:p14="http://schemas.microsoft.com/office/powerpoint/2010/main" val="3423500232"/>
+        <p14:creationId xmlns:p14="http://schemas.microsoft.com/office/powerpoint/2010/main" val="1324925863"/>
       </p:ext>
     </p:extLst>
   </p:cSld>
@@ -2488,13 +4878,7 @@
       </p:grpSpPr>
       <p:sp>
         <p:nvSpPr>
-          <p:cNvPr id="2" name="Заголовок 1">
-            <a:extLst>
-              <a:ext uri="{FF2B5EF4-FFF2-40B4-BE49-F238E27FC236}">
-                <a16:creationId xmlns:a16="http://schemas.microsoft.com/office/drawing/2014/main" id="{4747BF09-7448-4DCB-A5F1-DF55CAC54005}"/>
-              </a:ext>
-            </a:extLst>
-          </p:cNvPr>
+          <p:cNvPr id="2" name="Title 1"/>
           <p:cNvSpPr>
             <a:spLocks noGrp="1"/>
           </p:cNvSpPr>
@@ -2504,15 +4888,17 @@
         </p:nvSpPr>
         <p:spPr>
           <a:xfrm>
-            <a:off x="839788" y="457200"/>
-            <a:ext cx="3932237" cy="1600200"/>
+            <a:off x="2589213" y="4800600"/>
+            <a:ext cx="8915400" cy="566738"/>
           </a:xfrm>
         </p:spPr>
         <p:txBody>
-          <a:bodyPr anchor="b"/>
+          <a:bodyPr anchor="b">
+            <a:normAutofit/>
+          </a:bodyPr>
           <a:lstStyle>
-            <a:lvl1pPr>
-              <a:defRPr sz="3200"/>
+            <a:lvl1pPr algn="l">
+              <a:defRPr sz="2400" b="0"/>
             </a:lvl1pPr>
           </a:lstStyle>
           <a:p>
@@ -2520,20 +4906,15 @@
               <a:rPr lang="ru-RU"/>
               <a:t>Образец заголовка</a:t>
             </a:r>
-          </a:p>
-        </p:txBody>
-      </p:sp>
-      <p:sp>
-        <p:nvSpPr>
-          <p:cNvPr id="3" name="Рисунок 2">
-            <a:extLst>
-              <a:ext uri="{FF2B5EF4-FFF2-40B4-BE49-F238E27FC236}">
-                <a16:creationId xmlns:a16="http://schemas.microsoft.com/office/drawing/2014/main" id="{736583AF-2100-4E78-9D55-44E25A279533}"/>
-              </a:ext>
-            </a:extLst>
-          </p:cNvPr>
-          <p:cNvSpPr>
-            <a:spLocks noGrp="1"/>
+            <a:endParaRPr lang="en-US" dirty="0"/>
+          </a:p>
+        </p:txBody>
+      </p:sp>
+      <p:sp>
+        <p:nvSpPr>
+          <p:cNvPr id="3" name="Picture Placeholder 2"/>
+          <p:cNvSpPr>
+            <a:spLocks noGrp="1" noChangeAspect="1"/>
           </p:cNvSpPr>
           <p:nvPr>
             <p:ph type="pic" idx="1"/>
@@ -2541,118 +4922,120 @@
         </p:nvSpPr>
         <p:spPr>
           <a:xfrm>
-            <a:off x="5183188" y="987425"/>
-            <a:ext cx="6172200" cy="4873625"/>
+            <a:off x="2589212" y="634965"/>
+            <a:ext cx="8915400" cy="3854970"/>
           </a:xfrm>
         </p:spPr>
         <p:txBody>
-          <a:bodyPr/>
+          <a:bodyPr anchor="t">
+            <a:normAutofit/>
+          </a:bodyPr>
           <a:lstStyle>
-            <a:lvl1pPr marL="0" indent="0">
-              <a:buNone/>
-              <a:defRPr sz="3200"/>
-            </a:lvl1pPr>
-            <a:lvl2pPr marL="457200" indent="0">
-              <a:buNone/>
-              <a:defRPr sz="2800"/>
-            </a:lvl2pPr>
-            <a:lvl3pPr marL="914400" indent="0">
-              <a:buNone/>
-              <a:defRPr sz="2400"/>
-            </a:lvl3pPr>
-            <a:lvl4pPr marL="1371600" indent="0">
-              <a:buNone/>
-              <a:defRPr sz="2000"/>
-            </a:lvl4pPr>
-            <a:lvl5pPr marL="1828800" indent="0">
-              <a:buNone/>
-              <a:defRPr sz="2000"/>
-            </a:lvl5pPr>
-            <a:lvl6pPr marL="2286000" indent="0">
-              <a:buNone/>
-              <a:defRPr sz="2000"/>
-            </a:lvl6pPr>
-            <a:lvl7pPr marL="2743200" indent="0">
-              <a:buNone/>
-              <a:defRPr sz="2000"/>
-            </a:lvl7pPr>
-            <a:lvl8pPr marL="3200400" indent="0">
-              <a:buNone/>
-              <a:defRPr sz="2000"/>
-            </a:lvl8pPr>
-            <a:lvl9pPr marL="3657600" indent="0">
-              <a:buNone/>
-              <a:defRPr sz="2000"/>
-            </a:lvl9pPr>
-          </a:lstStyle>
-          <a:p>
-            <a:endParaRPr lang="ru-RU"/>
-          </a:p>
-        </p:txBody>
-      </p:sp>
-      <p:sp>
-        <p:nvSpPr>
-          <p:cNvPr id="4" name="Текст 3">
-            <a:extLst>
-              <a:ext uri="{FF2B5EF4-FFF2-40B4-BE49-F238E27FC236}">
-                <a16:creationId xmlns:a16="http://schemas.microsoft.com/office/drawing/2014/main" id="{A85A71E9-7F99-4A8A-B54D-FDA6B8BA5694}"/>
-              </a:ext>
-            </a:extLst>
-          </p:cNvPr>
-          <p:cNvSpPr>
-            <a:spLocks noGrp="1"/>
-          </p:cNvSpPr>
-          <p:nvPr>
-            <p:ph type="body" sz="half" idx="2"/>
-          </p:nvPr>
-        </p:nvSpPr>
-        <p:spPr>
-          <a:xfrm>
-            <a:off x="839788" y="2057400"/>
-            <a:ext cx="3932237" cy="3811588"/>
-          </a:xfrm>
-        </p:spPr>
-        <p:txBody>
-          <a:bodyPr/>
-          <a:lstStyle>
-            <a:lvl1pPr marL="0" indent="0">
+            <a:lvl1pPr marL="0" indent="0" algn="ctr">
               <a:buNone/>
               <a:defRPr sz="1600"/>
             </a:lvl1pPr>
             <a:lvl2pPr marL="457200" indent="0">
               <a:buNone/>
-              <a:defRPr sz="1400"/>
+              <a:defRPr sz="1600"/>
             </a:lvl2pPr>
             <a:lvl3pPr marL="914400" indent="0">
               <a:buNone/>
-              <a:defRPr sz="1200"/>
+              <a:defRPr sz="1600"/>
             </a:lvl3pPr>
             <a:lvl4pPr marL="1371600" indent="0">
               <a:buNone/>
-              <a:defRPr sz="1000"/>
+              <a:defRPr sz="1600"/>
             </a:lvl4pPr>
             <a:lvl5pPr marL="1828800" indent="0">
               <a:buNone/>
-              <a:defRPr sz="1000"/>
+              <a:defRPr sz="1600"/>
             </a:lvl5pPr>
             <a:lvl6pPr marL="2286000" indent="0">
               <a:buNone/>
-              <a:defRPr sz="1000"/>
+              <a:defRPr sz="1600"/>
             </a:lvl6pPr>
             <a:lvl7pPr marL="2743200" indent="0">
               <a:buNone/>
-              <a:defRPr sz="1000"/>
+              <a:defRPr sz="1600"/>
             </a:lvl7pPr>
             <a:lvl8pPr marL="3200400" indent="0">
               <a:buNone/>
-              <a:defRPr sz="1000"/>
+              <a:defRPr sz="1600"/>
             </a:lvl8pPr>
             <a:lvl9pPr marL="3657600" indent="0">
               <a:buNone/>
-              <a:defRPr sz="1000"/>
+              <a:defRPr sz="1600"/>
             </a:lvl9pPr>
           </a:lstStyle>
           <a:p>
+            <a:r>
+              <a:rPr lang="ru-RU"/>
+              <a:t>Вставка рисунка</a:t>
+            </a:r>
+            <a:endParaRPr lang="en-US" dirty="0"/>
+          </a:p>
+        </p:txBody>
+      </p:sp>
+      <p:sp>
+        <p:nvSpPr>
+          <p:cNvPr id="4" name="Text Placeholder 3"/>
+          <p:cNvSpPr>
+            <a:spLocks noGrp="1"/>
+          </p:cNvSpPr>
+          <p:nvPr>
+            <p:ph type="body" sz="half" idx="2"/>
+          </p:nvPr>
+        </p:nvSpPr>
+        <p:spPr>
+          <a:xfrm>
+            <a:off x="2589213" y="5367338"/>
+            <a:ext cx="8915400" cy="493712"/>
+          </a:xfrm>
+        </p:spPr>
+        <p:txBody>
+          <a:bodyPr>
+            <a:normAutofit/>
+          </a:bodyPr>
+          <a:lstStyle>
+            <a:lvl1pPr marL="0" indent="0">
+              <a:buNone/>
+              <a:defRPr sz="1200"/>
+            </a:lvl1pPr>
+            <a:lvl2pPr marL="457200" indent="0">
+              <a:buNone/>
+              <a:defRPr sz="1200"/>
+            </a:lvl2pPr>
+            <a:lvl3pPr marL="914400" indent="0">
+              <a:buNone/>
+              <a:defRPr sz="1000"/>
+            </a:lvl3pPr>
+            <a:lvl4pPr marL="1371600" indent="0">
+              <a:buNone/>
+              <a:defRPr sz="900"/>
+            </a:lvl4pPr>
+            <a:lvl5pPr marL="1828800" indent="0">
+              <a:buNone/>
+              <a:defRPr sz="900"/>
+            </a:lvl5pPr>
+            <a:lvl6pPr marL="2286000" indent="0">
+              <a:buNone/>
+              <a:defRPr sz="900"/>
+            </a:lvl6pPr>
+            <a:lvl7pPr marL="2743200" indent="0">
+              <a:buNone/>
+              <a:defRPr sz="900"/>
+            </a:lvl7pPr>
+            <a:lvl8pPr marL="3200400" indent="0">
+              <a:buNone/>
+              <a:defRPr sz="900"/>
+            </a:lvl8pPr>
+            <a:lvl9pPr marL="3657600" indent="0">
+              <a:buNone/>
+              <a:defRPr sz="900"/>
+            </a:lvl9pPr>
+          </a:lstStyle>
+          <a:p>
             <a:pPr lvl="0"/>
             <a:r>
               <a:rPr lang="ru-RU"/>
@@ -2663,13 +5046,7 @@
       </p:sp>
       <p:sp>
         <p:nvSpPr>
-          <p:cNvPr id="5" name="Дата 4">
-            <a:extLst>
-              <a:ext uri="{FF2B5EF4-FFF2-40B4-BE49-F238E27FC236}">
-                <a16:creationId xmlns:a16="http://schemas.microsoft.com/office/drawing/2014/main" id="{97468C6E-05E3-40A0-92A0-C215FF6F39C0}"/>
-              </a:ext>
-            </a:extLst>
-          </p:cNvPr>
+          <p:cNvPr id="5" name="Date Placeholder 4"/>
           <p:cNvSpPr>
             <a:spLocks noGrp="1"/>
           </p:cNvSpPr>
@@ -2684,7 +5061,7 @@
           <a:p>
             <a:fld id="{EFC8ABA4-CCD7-4540-A12A-E2FC69BF12D3}" type="datetimeFigureOut">
               <a:rPr lang="ru-RU" smtClean="0"/>
-              <a:t>14.04.2022</a:t>
+              <a:t>21.04.2022</a:t>
             </a:fld>
             <a:endParaRPr lang="ru-RU"/>
           </a:p>
@@ -2692,13 +5069,7 @@
       </p:sp>
       <p:sp>
         <p:nvSpPr>
-          <p:cNvPr id="6" name="Нижний колонтитул 5">
-            <a:extLst>
-              <a:ext uri="{FF2B5EF4-FFF2-40B4-BE49-F238E27FC236}">
-                <a16:creationId xmlns:a16="http://schemas.microsoft.com/office/drawing/2014/main" id="{ED70B39B-80DB-4BCA-8C33-5C9E2A1B05B2}"/>
-              </a:ext>
-            </a:extLst>
-          </p:cNvPr>
+          <p:cNvPr id="6" name="Footer Placeholder 5"/>
           <p:cNvSpPr>
             <a:spLocks noGrp="1"/>
           </p:cNvSpPr>
@@ -2717,13 +5088,89 @@
       </p:sp>
       <p:sp>
         <p:nvSpPr>
-          <p:cNvPr id="7" name="Номер слайда 6">
-            <a:extLst>
-              <a:ext uri="{FF2B5EF4-FFF2-40B4-BE49-F238E27FC236}">
-                <a16:creationId xmlns:a16="http://schemas.microsoft.com/office/drawing/2014/main" id="{AB40F135-EBFF-4447-B741-922D20C3E675}"/>
-              </a:ext>
-            </a:extLst>
-          </p:cNvPr>
+          <p:cNvPr id="9" name="Freeform 11"/>
+          <p:cNvSpPr/>
+          <p:nvPr/>
+        </p:nvSpPr>
+        <p:spPr bwMode="auto">
+          <a:xfrm flipV="1">
+            <a:off x="-4189" y="4911725"/>
+            <a:ext cx="1588527" cy="507297"/>
+          </a:xfrm>
+          <a:custGeom>
+            <a:avLst/>
+            <a:gdLst/>
+            <a:ahLst/>
+            <a:cxnLst/>
+            <a:rect l="l" t="t" r="r" b="b"/>
+            <a:pathLst>
+              <a:path w="9248" h="10000">
+                <a:moveTo>
+                  <a:pt x="9248" y="4701"/>
+                </a:moveTo>
+                <a:lnTo>
+                  <a:pt x="7915" y="188"/>
+                </a:lnTo>
+                <a:cubicBezTo>
+                  <a:pt x="7906" y="156"/>
+                  <a:pt x="7895" y="126"/>
+                  <a:pt x="7886" y="94"/>
+                </a:cubicBezTo>
+                <a:cubicBezTo>
+                  <a:pt x="7859" y="0"/>
+                  <a:pt x="7831" y="0"/>
+                  <a:pt x="7803" y="0"/>
+                </a:cubicBezTo>
+                <a:lnTo>
+                  <a:pt x="7275" y="0"/>
+                </a:lnTo>
+                <a:lnTo>
+                  <a:pt x="0" y="70"/>
+                </a:lnTo>
+                <a:cubicBezTo>
+                  <a:pt x="8" y="3380"/>
+                  <a:pt x="17" y="6690"/>
+                  <a:pt x="25" y="10000"/>
+                </a:cubicBezTo>
+                <a:lnTo>
+                  <a:pt x="7275" y="9966"/>
+                </a:lnTo>
+                <a:lnTo>
+                  <a:pt x="7803" y="9966"/>
+                </a:lnTo>
+                <a:cubicBezTo>
+                  <a:pt x="7831" y="9966"/>
+                  <a:pt x="7859" y="9872"/>
+                  <a:pt x="7886" y="9872"/>
+                </a:cubicBezTo>
+                <a:cubicBezTo>
+                  <a:pt x="7886" y="9778"/>
+                  <a:pt x="7915" y="9778"/>
+                  <a:pt x="7915" y="9778"/>
+                </a:cubicBezTo>
+                <a:lnTo>
+                  <a:pt x="9248" y="5265"/>
+                </a:lnTo>
+                <a:cubicBezTo>
+                  <a:pt x="9303" y="5077"/>
+                  <a:pt x="9303" y="4889"/>
+                  <a:pt x="9248" y="4701"/>
+                </a:cubicBezTo>
+                <a:close/>
+              </a:path>
+            </a:pathLst>
+          </a:custGeom>
+          <a:solidFill>
+            <a:schemeClr val="accent1"/>
+          </a:solidFill>
+          <a:ln>
+            <a:noFill/>
+          </a:ln>
+        </p:spPr>
+      </p:sp>
+      <p:sp>
+        <p:nvSpPr>
+          <p:cNvPr id="7" name="Slide Number Placeholder 6"/>
           <p:cNvSpPr>
             <a:spLocks noGrp="1"/>
           </p:cNvSpPr>
@@ -2731,7 +5178,12 @@
             <p:ph type="sldNum" sz="quarter" idx="12"/>
           </p:nvPr>
         </p:nvSpPr>
-        <p:spPr/>
+        <p:spPr>
+          <a:xfrm>
+            <a:off x="531812" y="4983087"/>
+            <a:ext cx="779767" cy="365125"/>
+          </a:xfrm>
+        </p:spPr>
         <p:txBody>
           <a:bodyPr/>
           <a:lstStyle/>
@@ -2747,7 +5199,7 @@
     </p:spTree>
     <p:extLst>
       <p:ext uri="{BB962C8B-B14F-4D97-AF65-F5344CB8AC3E}">
-        <p14:creationId xmlns:p14="http://schemas.microsoft.com/office/powerpoint/2010/main" val="2290846669"/>
+        <p14:creationId xmlns:p14="http://schemas.microsoft.com/office/powerpoint/2010/main" val="225969100"/>
       </p:ext>
     </p:extLst>
   </p:cSld>
@@ -2761,8 +5213,8 @@
 <p:sldMaster xmlns:a="http://schemas.openxmlformats.org/drawingml/2006/main" xmlns:r="http://schemas.openxmlformats.org/officeDocument/2006/relationships" xmlns:p="http://schemas.openxmlformats.org/presentationml/2006/main">
   <p:cSld>
     <p:bg>
-      <p:bgRef idx="1001">
-        <a:schemeClr val="bg1"/>
+      <p:bgRef idx="1003">
+        <a:schemeClr val="bg2"/>
       </p:bgRef>
     </p:bg>
     <p:spTree>
@@ -2779,33 +5231,1844 @@
           <a:chExt cx="0" cy="0"/>
         </a:xfrm>
       </p:grpSpPr>
-      <p:sp>
-        <p:nvSpPr>
-          <p:cNvPr id="2" name="Заголовок 1">
-            <a:extLst>
-              <a:ext uri="{FF2B5EF4-FFF2-40B4-BE49-F238E27FC236}">
-                <a16:creationId xmlns:a16="http://schemas.microsoft.com/office/drawing/2014/main" id="{0EE7A81B-33CD-4F2C-8F34-2FA26F85CA60}"/>
-              </a:ext>
-            </a:extLst>
-          </p:cNvPr>
-          <p:cNvSpPr>
-            <a:spLocks noGrp="1"/>
-          </p:cNvSpPr>
-          <p:nvPr>
-            <p:ph type="title"/>
-          </p:nvPr>
+      <p:grpSp>
+        <p:nvGrpSpPr>
+          <p:cNvPr id="23" name="Group 22"/>
+          <p:cNvGrpSpPr/>
+          <p:nvPr/>
+        </p:nvGrpSpPr>
+        <p:grpSpPr>
+          <a:xfrm>
+            <a:off x="1" y="228600"/>
+            <a:ext cx="2851516" cy="6638628"/>
+            <a:chOff x="2487613" y="285750"/>
+            <a:chExt cx="2428875" cy="5654676"/>
+          </a:xfrm>
+        </p:grpSpPr>
+        <p:sp>
+          <p:nvSpPr>
+            <p:cNvPr id="24" name="Freeform 11"/>
+            <p:cNvSpPr/>
+            <p:nvPr/>
+          </p:nvSpPr>
+          <p:spPr bwMode="auto">
+            <a:xfrm>
+              <a:off x="2487613" y="2284413"/>
+              <a:ext cx="85725" cy="533400"/>
+            </a:xfrm>
+            <a:custGeom>
+              <a:avLst/>
+              <a:gdLst/>
+              <a:ahLst/>
+              <a:cxnLst/>
+              <a:rect l="0" t="0" r="r" b="b"/>
+              <a:pathLst>
+                <a:path w="22" h="136">
+                  <a:moveTo>
+                    <a:pt x="22" y="136"/>
+                  </a:moveTo>
+                  <a:cubicBezTo>
+                    <a:pt x="20" y="117"/>
+                    <a:pt x="19" y="99"/>
+                    <a:pt x="17" y="80"/>
+                  </a:cubicBezTo>
+                  <a:cubicBezTo>
+                    <a:pt x="11" y="54"/>
+                    <a:pt x="6" y="27"/>
+                    <a:pt x="0" y="0"/>
+                  </a:cubicBezTo>
+                  <a:cubicBezTo>
+                    <a:pt x="0" y="35"/>
+                    <a:pt x="0" y="35"/>
+                    <a:pt x="0" y="35"/>
+                  </a:cubicBezTo>
+                  <a:cubicBezTo>
+                    <a:pt x="6" y="64"/>
+                    <a:pt x="13" y="94"/>
+                    <a:pt x="20" y="124"/>
+                  </a:cubicBezTo>
+                  <a:cubicBezTo>
+                    <a:pt x="20" y="128"/>
+                    <a:pt x="21" y="132"/>
+                    <a:pt x="22" y="136"/>
+                  </a:cubicBezTo>
+                  <a:close/>
+                </a:path>
+              </a:pathLst>
+            </a:custGeom>
+            <a:solidFill>
+              <a:schemeClr val="tx2">
+                <a:alpha val="20000"/>
+              </a:schemeClr>
+            </a:solidFill>
+            <a:ln>
+              <a:noFill/>
+            </a:ln>
+          </p:spPr>
+        </p:sp>
+        <p:sp>
+          <p:nvSpPr>
+            <p:cNvPr id="25" name="Freeform 12"/>
+            <p:cNvSpPr/>
+            <p:nvPr/>
+          </p:nvSpPr>
+          <p:spPr bwMode="auto">
+            <a:xfrm>
+              <a:off x="2597151" y="2779713"/>
+              <a:ext cx="550863" cy="1978025"/>
+            </a:xfrm>
+            <a:custGeom>
+              <a:avLst/>
+              <a:gdLst/>
+              <a:ahLst/>
+              <a:cxnLst/>
+              <a:rect l="0" t="0" r="r" b="b"/>
+              <a:pathLst>
+                <a:path w="140" h="504">
+                  <a:moveTo>
+                    <a:pt x="86" y="350"/>
+                  </a:moveTo>
+                  <a:cubicBezTo>
+                    <a:pt x="103" y="402"/>
+                    <a:pt x="120" y="453"/>
+                    <a:pt x="139" y="504"/>
+                  </a:cubicBezTo>
+                  <a:cubicBezTo>
+                    <a:pt x="139" y="495"/>
+                    <a:pt x="139" y="487"/>
+                    <a:pt x="140" y="478"/>
+                  </a:cubicBezTo>
+                  <a:cubicBezTo>
+                    <a:pt x="124" y="435"/>
+                    <a:pt x="109" y="391"/>
+                    <a:pt x="95" y="347"/>
+                  </a:cubicBezTo>
+                  <a:cubicBezTo>
+                    <a:pt x="58" y="233"/>
+                    <a:pt x="27" y="117"/>
+                    <a:pt x="0" y="0"/>
+                  </a:cubicBezTo>
+                  <a:cubicBezTo>
+                    <a:pt x="2" y="20"/>
+                    <a:pt x="4" y="41"/>
+                    <a:pt x="6" y="61"/>
+                  </a:cubicBezTo>
+                  <a:cubicBezTo>
+                    <a:pt x="30" y="158"/>
+                    <a:pt x="56" y="255"/>
+                    <a:pt x="86" y="350"/>
+                  </a:cubicBezTo>
+                  <a:close/>
+                </a:path>
+              </a:pathLst>
+            </a:custGeom>
+            <a:solidFill>
+              <a:schemeClr val="tx2">
+                <a:alpha val="20000"/>
+              </a:schemeClr>
+            </a:solidFill>
+            <a:ln>
+              <a:noFill/>
+            </a:ln>
+          </p:spPr>
+        </p:sp>
+        <p:sp>
+          <p:nvSpPr>
+            <p:cNvPr id="26" name="Freeform 13"/>
+            <p:cNvSpPr/>
+            <p:nvPr/>
+          </p:nvSpPr>
+          <p:spPr bwMode="auto">
+            <a:xfrm>
+              <a:off x="3175001" y="4730750"/>
+              <a:ext cx="519113" cy="1209675"/>
+            </a:xfrm>
+            <a:custGeom>
+              <a:avLst/>
+              <a:gdLst/>
+              <a:ahLst/>
+              <a:cxnLst/>
+              <a:rect l="0" t="0" r="r" b="b"/>
+              <a:pathLst>
+                <a:path w="132" h="308">
+                  <a:moveTo>
+                    <a:pt x="8" y="22"/>
+                  </a:moveTo>
+                  <a:cubicBezTo>
+                    <a:pt x="5" y="15"/>
+                    <a:pt x="2" y="8"/>
+                    <a:pt x="0" y="0"/>
+                  </a:cubicBezTo>
+                  <a:cubicBezTo>
+                    <a:pt x="0" y="10"/>
+                    <a:pt x="0" y="19"/>
+                    <a:pt x="0" y="29"/>
+                  </a:cubicBezTo>
+                  <a:cubicBezTo>
+                    <a:pt x="21" y="85"/>
+                    <a:pt x="44" y="140"/>
+                    <a:pt x="68" y="194"/>
+                  </a:cubicBezTo>
+                  <a:cubicBezTo>
+                    <a:pt x="85" y="232"/>
+                    <a:pt x="104" y="270"/>
+                    <a:pt x="123" y="308"/>
+                  </a:cubicBezTo>
+                  <a:cubicBezTo>
+                    <a:pt x="132" y="308"/>
+                    <a:pt x="132" y="308"/>
+                    <a:pt x="132" y="308"/>
+                  </a:cubicBezTo>
+                  <a:cubicBezTo>
+                    <a:pt x="113" y="269"/>
+                    <a:pt x="94" y="230"/>
+                    <a:pt x="77" y="190"/>
+                  </a:cubicBezTo>
+                  <a:cubicBezTo>
+                    <a:pt x="52" y="135"/>
+                    <a:pt x="29" y="79"/>
+                    <a:pt x="8" y="22"/>
+                  </a:cubicBezTo>
+                  <a:close/>
+                </a:path>
+              </a:pathLst>
+            </a:custGeom>
+            <a:solidFill>
+              <a:schemeClr val="tx2">
+                <a:alpha val="20000"/>
+              </a:schemeClr>
+            </a:solidFill>
+            <a:ln>
+              <a:noFill/>
+            </a:ln>
+          </p:spPr>
+        </p:sp>
+        <p:sp>
+          <p:nvSpPr>
+            <p:cNvPr id="27" name="Freeform 14"/>
+            <p:cNvSpPr/>
+            <p:nvPr/>
+          </p:nvSpPr>
+          <p:spPr bwMode="auto">
+            <a:xfrm>
+              <a:off x="3305176" y="5630863"/>
+              <a:ext cx="146050" cy="309563"/>
+            </a:xfrm>
+            <a:custGeom>
+              <a:avLst/>
+              <a:gdLst/>
+              <a:ahLst/>
+              <a:cxnLst/>
+              <a:rect l="0" t="0" r="r" b="b"/>
+              <a:pathLst>
+                <a:path w="37" h="79">
+                  <a:moveTo>
+                    <a:pt x="28" y="79"/>
+                  </a:moveTo>
+                  <a:cubicBezTo>
+                    <a:pt x="37" y="79"/>
+                    <a:pt x="37" y="79"/>
+                    <a:pt x="37" y="79"/>
+                  </a:cubicBezTo>
+                  <a:cubicBezTo>
+                    <a:pt x="24" y="53"/>
+                    <a:pt x="12" y="27"/>
+                    <a:pt x="0" y="0"/>
+                  </a:cubicBezTo>
+                  <a:cubicBezTo>
+                    <a:pt x="8" y="27"/>
+                    <a:pt x="17" y="53"/>
+                    <a:pt x="28" y="79"/>
+                  </a:cubicBezTo>
+                  <a:close/>
+                </a:path>
+              </a:pathLst>
+            </a:custGeom>
+            <a:solidFill>
+              <a:schemeClr val="tx2">
+                <a:alpha val="20000"/>
+              </a:schemeClr>
+            </a:solidFill>
+            <a:ln>
+              <a:noFill/>
+            </a:ln>
+          </p:spPr>
+        </p:sp>
+        <p:sp>
+          <p:nvSpPr>
+            <p:cNvPr id="28" name="Freeform 15"/>
+            <p:cNvSpPr/>
+            <p:nvPr/>
+          </p:nvSpPr>
+          <p:spPr bwMode="auto">
+            <a:xfrm>
+              <a:off x="2573338" y="2817813"/>
+              <a:ext cx="700088" cy="2835275"/>
+            </a:xfrm>
+            <a:custGeom>
+              <a:avLst/>
+              <a:gdLst/>
+              <a:ahLst/>
+              <a:cxnLst/>
+              <a:rect l="0" t="0" r="r" b="b"/>
+              <a:pathLst>
+                <a:path w="178" h="722">
+                  <a:moveTo>
+                    <a:pt x="162" y="660"/>
+                  </a:moveTo>
+                  <a:cubicBezTo>
+                    <a:pt x="145" y="618"/>
+                    <a:pt x="130" y="576"/>
+                    <a:pt x="116" y="534"/>
+                  </a:cubicBezTo>
+                  <a:cubicBezTo>
+                    <a:pt x="84" y="437"/>
+                    <a:pt x="59" y="337"/>
+                    <a:pt x="40" y="236"/>
+                  </a:cubicBezTo>
+                  <a:cubicBezTo>
+                    <a:pt x="29" y="175"/>
+                    <a:pt x="20" y="113"/>
+                    <a:pt x="12" y="51"/>
+                  </a:cubicBezTo>
+                  <a:cubicBezTo>
+                    <a:pt x="8" y="34"/>
+                    <a:pt x="4" y="17"/>
+                    <a:pt x="0" y="0"/>
+                  </a:cubicBezTo>
+                  <a:cubicBezTo>
+                    <a:pt x="8" y="79"/>
+                    <a:pt x="19" y="159"/>
+                    <a:pt x="33" y="237"/>
+                  </a:cubicBezTo>
+                  <a:cubicBezTo>
+                    <a:pt x="51" y="339"/>
+                    <a:pt x="76" y="439"/>
+                    <a:pt x="107" y="537"/>
+                  </a:cubicBezTo>
+                  <a:cubicBezTo>
+                    <a:pt x="123" y="586"/>
+                    <a:pt x="141" y="634"/>
+                    <a:pt x="160" y="681"/>
+                  </a:cubicBezTo>
+                  <a:cubicBezTo>
+                    <a:pt x="166" y="695"/>
+                    <a:pt x="172" y="708"/>
+                    <a:pt x="178" y="722"/>
+                  </a:cubicBezTo>
+                  <a:cubicBezTo>
+                    <a:pt x="176" y="717"/>
+                    <a:pt x="175" y="713"/>
+                    <a:pt x="174" y="708"/>
+                  </a:cubicBezTo>
+                  <a:cubicBezTo>
+                    <a:pt x="169" y="692"/>
+                    <a:pt x="165" y="676"/>
+                    <a:pt x="162" y="660"/>
+                  </a:cubicBezTo>
+                  <a:close/>
+                </a:path>
+              </a:pathLst>
+            </a:custGeom>
+            <a:solidFill>
+              <a:schemeClr val="tx2">
+                <a:alpha val="20000"/>
+              </a:schemeClr>
+            </a:solidFill>
+            <a:ln>
+              <a:noFill/>
+            </a:ln>
+          </p:spPr>
+        </p:sp>
+        <p:sp>
+          <p:nvSpPr>
+            <p:cNvPr id="29" name="Freeform 16"/>
+            <p:cNvSpPr/>
+            <p:nvPr/>
+          </p:nvSpPr>
+          <p:spPr bwMode="auto">
+            <a:xfrm>
+              <a:off x="2506663" y="285750"/>
+              <a:ext cx="90488" cy="2493963"/>
+            </a:xfrm>
+            <a:custGeom>
+              <a:avLst/>
+              <a:gdLst/>
+              <a:ahLst/>
+              <a:cxnLst/>
+              <a:rect l="0" t="0" r="r" b="b"/>
+              <a:pathLst>
+                <a:path w="23" h="635">
+                  <a:moveTo>
+                    <a:pt x="11" y="577"/>
+                  </a:moveTo>
+                  <a:cubicBezTo>
+                    <a:pt x="12" y="581"/>
+                    <a:pt x="12" y="585"/>
+                    <a:pt x="12" y="589"/>
+                  </a:cubicBezTo>
+                  <a:cubicBezTo>
+                    <a:pt x="15" y="603"/>
+                    <a:pt x="19" y="617"/>
+                    <a:pt x="22" y="632"/>
+                  </a:cubicBezTo>
+                  <a:cubicBezTo>
+                    <a:pt x="22" y="633"/>
+                    <a:pt x="22" y="634"/>
+                    <a:pt x="23" y="635"/>
+                  </a:cubicBezTo>
+                  <a:cubicBezTo>
+                    <a:pt x="21" y="615"/>
+                    <a:pt x="19" y="596"/>
+                    <a:pt x="17" y="576"/>
+                  </a:cubicBezTo>
+                  <a:cubicBezTo>
+                    <a:pt x="9" y="474"/>
+                    <a:pt x="5" y="372"/>
+                    <a:pt x="5" y="269"/>
+                  </a:cubicBezTo>
+                  <a:cubicBezTo>
+                    <a:pt x="6" y="179"/>
+                    <a:pt x="9" y="90"/>
+                    <a:pt x="15" y="0"/>
+                  </a:cubicBezTo>
+                  <a:cubicBezTo>
+                    <a:pt x="12" y="0"/>
+                    <a:pt x="12" y="0"/>
+                    <a:pt x="12" y="0"/>
+                  </a:cubicBezTo>
+                  <a:cubicBezTo>
+                    <a:pt x="5" y="89"/>
+                    <a:pt x="2" y="179"/>
+                    <a:pt x="1" y="269"/>
+                  </a:cubicBezTo>
+                  <a:cubicBezTo>
+                    <a:pt x="0" y="372"/>
+                    <a:pt x="3" y="474"/>
+                    <a:pt x="11" y="577"/>
+                  </a:cubicBezTo>
+                  <a:close/>
+                </a:path>
+              </a:pathLst>
+            </a:custGeom>
+            <a:solidFill>
+              <a:schemeClr val="tx2">
+                <a:alpha val="20000"/>
+              </a:schemeClr>
+            </a:solidFill>
+            <a:ln>
+              <a:noFill/>
+            </a:ln>
+          </p:spPr>
+        </p:sp>
+        <p:sp>
+          <p:nvSpPr>
+            <p:cNvPr id="30" name="Freeform 17"/>
+            <p:cNvSpPr/>
+            <p:nvPr/>
+          </p:nvSpPr>
+          <p:spPr bwMode="auto">
+            <a:xfrm>
+              <a:off x="2554288" y="2598738"/>
+              <a:ext cx="66675" cy="420688"/>
+            </a:xfrm>
+            <a:custGeom>
+              <a:avLst/>
+              <a:gdLst/>
+              <a:ahLst/>
+              <a:cxnLst/>
+              <a:rect l="0" t="0" r="r" b="b"/>
+              <a:pathLst>
+                <a:path w="17" h="107">
+                  <a:moveTo>
+                    <a:pt x="0" y="0"/>
+                  </a:moveTo>
+                  <a:cubicBezTo>
+                    <a:pt x="2" y="19"/>
+                    <a:pt x="3" y="37"/>
+                    <a:pt x="5" y="56"/>
+                  </a:cubicBezTo>
+                  <a:cubicBezTo>
+                    <a:pt x="9" y="73"/>
+                    <a:pt x="13" y="90"/>
+                    <a:pt x="17" y="107"/>
+                  </a:cubicBezTo>
+                  <a:cubicBezTo>
+                    <a:pt x="15" y="87"/>
+                    <a:pt x="13" y="66"/>
+                    <a:pt x="11" y="46"/>
+                  </a:cubicBezTo>
+                  <a:cubicBezTo>
+                    <a:pt x="10" y="45"/>
+                    <a:pt x="10" y="44"/>
+                    <a:pt x="10" y="43"/>
+                  </a:cubicBezTo>
+                  <a:cubicBezTo>
+                    <a:pt x="7" y="28"/>
+                    <a:pt x="3" y="14"/>
+                    <a:pt x="0" y="0"/>
+                  </a:cubicBezTo>
+                  <a:close/>
+                </a:path>
+              </a:pathLst>
+            </a:custGeom>
+            <a:solidFill>
+              <a:schemeClr val="tx2">
+                <a:alpha val="20000"/>
+              </a:schemeClr>
+            </a:solidFill>
+            <a:ln>
+              <a:noFill/>
+            </a:ln>
+          </p:spPr>
+        </p:sp>
+        <p:sp>
+          <p:nvSpPr>
+            <p:cNvPr id="31" name="Freeform 18"/>
+            <p:cNvSpPr/>
+            <p:nvPr/>
+          </p:nvSpPr>
+          <p:spPr bwMode="auto">
+            <a:xfrm>
+              <a:off x="3143251" y="4757738"/>
+              <a:ext cx="161925" cy="873125"/>
+            </a:xfrm>
+            <a:custGeom>
+              <a:avLst/>
+              <a:gdLst/>
+              <a:ahLst/>
+              <a:cxnLst/>
+              <a:rect l="0" t="0" r="r" b="b"/>
+              <a:pathLst>
+                <a:path w="41" h="222">
+                  <a:moveTo>
+                    <a:pt x="0" y="0"/>
+                  </a:moveTo>
+                  <a:cubicBezTo>
+                    <a:pt x="0" y="31"/>
+                    <a:pt x="2" y="62"/>
+                    <a:pt x="5" y="93"/>
+                  </a:cubicBezTo>
+                  <a:cubicBezTo>
+                    <a:pt x="8" y="117"/>
+                    <a:pt x="12" y="142"/>
+                    <a:pt x="17" y="166"/>
+                  </a:cubicBezTo>
+                  <a:cubicBezTo>
+                    <a:pt x="19" y="172"/>
+                    <a:pt x="22" y="178"/>
+                    <a:pt x="24" y="184"/>
+                  </a:cubicBezTo>
+                  <a:cubicBezTo>
+                    <a:pt x="30" y="197"/>
+                    <a:pt x="35" y="209"/>
+                    <a:pt x="41" y="222"/>
+                  </a:cubicBezTo>
+                  <a:cubicBezTo>
+                    <a:pt x="40" y="219"/>
+                    <a:pt x="39" y="215"/>
+                    <a:pt x="38" y="212"/>
+                  </a:cubicBezTo>
+                  <a:cubicBezTo>
+                    <a:pt x="26" y="172"/>
+                    <a:pt x="18" y="132"/>
+                    <a:pt x="13" y="92"/>
+                  </a:cubicBezTo>
+                  <a:cubicBezTo>
+                    <a:pt x="11" y="68"/>
+                    <a:pt x="9" y="45"/>
+                    <a:pt x="8" y="22"/>
+                  </a:cubicBezTo>
+                  <a:cubicBezTo>
+                    <a:pt x="8" y="21"/>
+                    <a:pt x="7" y="20"/>
+                    <a:pt x="7" y="18"/>
+                  </a:cubicBezTo>
+                  <a:cubicBezTo>
+                    <a:pt x="5" y="12"/>
+                    <a:pt x="2" y="6"/>
+                    <a:pt x="0" y="0"/>
+                  </a:cubicBezTo>
+                  <a:close/>
+                </a:path>
+              </a:pathLst>
+            </a:custGeom>
+            <a:solidFill>
+              <a:schemeClr val="tx2">
+                <a:alpha val="20000"/>
+              </a:schemeClr>
+            </a:solidFill>
+            <a:ln>
+              <a:noFill/>
+            </a:ln>
+          </p:spPr>
+        </p:sp>
+        <p:sp>
+          <p:nvSpPr>
+            <p:cNvPr id="32" name="Freeform 19"/>
+            <p:cNvSpPr/>
+            <p:nvPr/>
+          </p:nvSpPr>
+          <p:spPr bwMode="auto">
+            <a:xfrm>
+              <a:off x="3148013" y="1282700"/>
+              <a:ext cx="1768475" cy="3448050"/>
+            </a:xfrm>
+            <a:custGeom>
+              <a:avLst/>
+              <a:gdLst/>
+              <a:ahLst/>
+              <a:cxnLst/>
+              <a:rect l="0" t="0" r="r" b="b"/>
+              <a:pathLst>
+                <a:path w="450" h="878">
+                  <a:moveTo>
+                    <a:pt x="7" y="854"/>
+                  </a:moveTo>
+                  <a:cubicBezTo>
+                    <a:pt x="10" y="772"/>
+                    <a:pt x="26" y="691"/>
+                    <a:pt x="50" y="613"/>
+                  </a:cubicBezTo>
+                  <a:cubicBezTo>
+                    <a:pt x="75" y="535"/>
+                    <a:pt x="109" y="460"/>
+                    <a:pt x="149" y="388"/>
+                  </a:cubicBezTo>
+                  <a:cubicBezTo>
+                    <a:pt x="189" y="316"/>
+                    <a:pt x="235" y="248"/>
+                    <a:pt x="285" y="183"/>
+                  </a:cubicBezTo>
+                  <a:cubicBezTo>
+                    <a:pt x="310" y="151"/>
+                    <a:pt x="337" y="119"/>
+                    <a:pt x="364" y="89"/>
+                  </a:cubicBezTo>
+                  <a:cubicBezTo>
+                    <a:pt x="378" y="74"/>
+                    <a:pt x="392" y="58"/>
+                    <a:pt x="406" y="44"/>
+                  </a:cubicBezTo>
+                  <a:cubicBezTo>
+                    <a:pt x="421" y="29"/>
+                    <a:pt x="435" y="15"/>
+                    <a:pt x="450" y="1"/>
+                  </a:cubicBezTo>
+                  <a:cubicBezTo>
+                    <a:pt x="450" y="0"/>
+                    <a:pt x="450" y="0"/>
+                    <a:pt x="450" y="0"/>
+                  </a:cubicBezTo>
+                  <a:cubicBezTo>
+                    <a:pt x="434" y="14"/>
+                    <a:pt x="420" y="28"/>
+                    <a:pt x="405" y="43"/>
+                  </a:cubicBezTo>
+                  <a:cubicBezTo>
+                    <a:pt x="391" y="57"/>
+                    <a:pt x="377" y="72"/>
+                    <a:pt x="363" y="88"/>
+                  </a:cubicBezTo>
+                  <a:cubicBezTo>
+                    <a:pt x="335" y="118"/>
+                    <a:pt x="308" y="149"/>
+                    <a:pt x="283" y="181"/>
+                  </a:cubicBezTo>
+                  <a:cubicBezTo>
+                    <a:pt x="232" y="246"/>
+                    <a:pt x="185" y="314"/>
+                    <a:pt x="145" y="386"/>
+                  </a:cubicBezTo>
+                  <a:cubicBezTo>
+                    <a:pt x="104" y="457"/>
+                    <a:pt x="70" y="533"/>
+                    <a:pt x="45" y="611"/>
+                  </a:cubicBezTo>
+                  <a:cubicBezTo>
+                    <a:pt x="19" y="690"/>
+                    <a:pt x="3" y="771"/>
+                    <a:pt x="0" y="854"/>
+                  </a:cubicBezTo>
+                  <a:cubicBezTo>
+                    <a:pt x="0" y="856"/>
+                    <a:pt x="0" y="857"/>
+                    <a:pt x="0" y="859"/>
+                  </a:cubicBezTo>
+                  <a:cubicBezTo>
+                    <a:pt x="2" y="865"/>
+                    <a:pt x="4" y="872"/>
+                    <a:pt x="7" y="878"/>
+                  </a:cubicBezTo>
+                  <a:cubicBezTo>
+                    <a:pt x="7" y="870"/>
+                    <a:pt x="7" y="862"/>
+                    <a:pt x="7" y="854"/>
+                  </a:cubicBezTo>
+                  <a:close/>
+                </a:path>
+              </a:pathLst>
+            </a:custGeom>
+            <a:solidFill>
+              <a:schemeClr val="tx2">
+                <a:alpha val="20000"/>
+              </a:schemeClr>
+            </a:solidFill>
+            <a:ln>
+              <a:noFill/>
+            </a:ln>
+          </p:spPr>
+        </p:sp>
+        <p:sp>
+          <p:nvSpPr>
+            <p:cNvPr id="33" name="Freeform 20"/>
+            <p:cNvSpPr/>
+            <p:nvPr/>
+          </p:nvSpPr>
+          <p:spPr bwMode="auto">
+            <a:xfrm>
+              <a:off x="3273426" y="5653088"/>
+              <a:ext cx="138113" cy="287338"/>
+            </a:xfrm>
+            <a:custGeom>
+              <a:avLst/>
+              <a:gdLst/>
+              <a:ahLst/>
+              <a:cxnLst/>
+              <a:rect l="0" t="0" r="r" b="b"/>
+              <a:pathLst>
+                <a:path w="35" h="73">
+                  <a:moveTo>
+                    <a:pt x="0" y="0"/>
+                  </a:moveTo>
+                  <a:cubicBezTo>
+                    <a:pt x="7" y="24"/>
+                    <a:pt x="16" y="49"/>
+                    <a:pt x="26" y="73"/>
+                  </a:cubicBezTo>
+                  <a:cubicBezTo>
+                    <a:pt x="35" y="73"/>
+                    <a:pt x="35" y="73"/>
+                    <a:pt x="35" y="73"/>
+                  </a:cubicBezTo>
+                  <a:cubicBezTo>
+                    <a:pt x="23" y="49"/>
+                    <a:pt x="11" y="24"/>
+                    <a:pt x="0" y="0"/>
+                  </a:cubicBezTo>
+                  <a:close/>
+                </a:path>
+              </a:pathLst>
+            </a:custGeom>
+            <a:solidFill>
+              <a:schemeClr val="tx2">
+                <a:alpha val="20000"/>
+              </a:schemeClr>
+            </a:solidFill>
+            <a:ln>
+              <a:noFill/>
+            </a:ln>
+          </p:spPr>
+        </p:sp>
+        <p:sp>
+          <p:nvSpPr>
+            <p:cNvPr id="34" name="Freeform 21"/>
+            <p:cNvSpPr/>
+            <p:nvPr/>
+          </p:nvSpPr>
+          <p:spPr bwMode="auto">
+            <a:xfrm>
+              <a:off x="3143251" y="4656138"/>
+              <a:ext cx="31750" cy="188913"/>
+            </a:xfrm>
+            <a:custGeom>
+              <a:avLst/>
+              <a:gdLst/>
+              <a:ahLst/>
+              <a:cxnLst/>
+              <a:rect l="0" t="0" r="r" b="b"/>
+              <a:pathLst>
+                <a:path w="8" h="48">
+                  <a:moveTo>
+                    <a:pt x="7" y="44"/>
+                  </a:moveTo>
+                  <a:cubicBezTo>
+                    <a:pt x="7" y="46"/>
+                    <a:pt x="8" y="47"/>
+                    <a:pt x="8" y="48"/>
+                  </a:cubicBezTo>
+                  <a:cubicBezTo>
+                    <a:pt x="8" y="38"/>
+                    <a:pt x="8" y="29"/>
+                    <a:pt x="8" y="19"/>
+                  </a:cubicBezTo>
+                  <a:cubicBezTo>
+                    <a:pt x="5" y="13"/>
+                    <a:pt x="3" y="6"/>
+                    <a:pt x="1" y="0"/>
+                  </a:cubicBezTo>
+                  <a:cubicBezTo>
+                    <a:pt x="0" y="9"/>
+                    <a:pt x="0" y="17"/>
+                    <a:pt x="0" y="26"/>
+                  </a:cubicBezTo>
+                  <a:cubicBezTo>
+                    <a:pt x="2" y="32"/>
+                    <a:pt x="5" y="38"/>
+                    <a:pt x="7" y="44"/>
+                  </a:cubicBezTo>
+                  <a:close/>
+                </a:path>
+              </a:pathLst>
+            </a:custGeom>
+            <a:solidFill>
+              <a:schemeClr val="tx2">
+                <a:alpha val="20000"/>
+              </a:schemeClr>
+            </a:solidFill>
+            <a:ln>
+              <a:noFill/>
+            </a:ln>
+          </p:spPr>
+        </p:sp>
+        <p:sp>
+          <p:nvSpPr>
+            <p:cNvPr id="35" name="Freeform 22"/>
+            <p:cNvSpPr/>
+            <p:nvPr/>
+          </p:nvSpPr>
+          <p:spPr bwMode="auto">
+            <a:xfrm>
+              <a:off x="3211513" y="5410200"/>
+              <a:ext cx="203200" cy="530225"/>
+            </a:xfrm>
+            <a:custGeom>
+              <a:avLst/>
+              <a:gdLst/>
+              <a:ahLst/>
+              <a:cxnLst/>
+              <a:rect l="0" t="0" r="r" b="b"/>
+              <a:pathLst>
+                <a:path w="52" h="135">
+                  <a:moveTo>
+                    <a:pt x="7" y="18"/>
+                  </a:moveTo>
+                  <a:cubicBezTo>
+                    <a:pt x="5" y="12"/>
+                    <a:pt x="2" y="6"/>
+                    <a:pt x="0" y="0"/>
+                  </a:cubicBezTo>
+                  <a:cubicBezTo>
+                    <a:pt x="3" y="16"/>
+                    <a:pt x="7" y="32"/>
+                    <a:pt x="12" y="48"/>
+                  </a:cubicBezTo>
+                  <a:cubicBezTo>
+                    <a:pt x="13" y="53"/>
+                    <a:pt x="14" y="57"/>
+                    <a:pt x="16" y="62"/>
+                  </a:cubicBezTo>
+                  <a:cubicBezTo>
+                    <a:pt x="27" y="86"/>
+                    <a:pt x="39" y="111"/>
+                    <a:pt x="51" y="135"/>
+                  </a:cubicBezTo>
+                  <a:cubicBezTo>
+                    <a:pt x="52" y="135"/>
+                    <a:pt x="52" y="135"/>
+                    <a:pt x="52" y="135"/>
+                  </a:cubicBezTo>
+                  <a:cubicBezTo>
+                    <a:pt x="41" y="109"/>
+                    <a:pt x="32" y="83"/>
+                    <a:pt x="24" y="56"/>
+                  </a:cubicBezTo>
+                  <a:cubicBezTo>
+                    <a:pt x="18" y="43"/>
+                    <a:pt x="13" y="31"/>
+                    <a:pt x="7" y="18"/>
+                  </a:cubicBezTo>
+                  <a:close/>
+                </a:path>
+              </a:pathLst>
+            </a:custGeom>
+            <a:solidFill>
+              <a:schemeClr val="tx2">
+                <a:alpha val="20000"/>
+              </a:schemeClr>
+            </a:solidFill>
+            <a:ln>
+              <a:noFill/>
+            </a:ln>
+          </p:spPr>
+        </p:sp>
+      </p:grpSp>
+      <p:grpSp>
+        <p:nvGrpSpPr>
+          <p:cNvPr id="10" name="Group 9"/>
+          <p:cNvGrpSpPr/>
+          <p:nvPr/>
+        </p:nvGrpSpPr>
+        <p:grpSpPr>
+          <a:xfrm>
+            <a:off x="27221" y="-786"/>
+            <a:ext cx="2356674" cy="6854039"/>
+            <a:chOff x="6627813" y="194833"/>
+            <a:chExt cx="1952625" cy="5678918"/>
+          </a:xfrm>
+        </p:grpSpPr>
+        <p:sp>
+          <p:nvSpPr>
+            <p:cNvPr id="11" name="Freeform 27"/>
+            <p:cNvSpPr/>
+            <p:nvPr/>
+          </p:nvSpPr>
+          <p:spPr bwMode="auto">
+            <a:xfrm>
+              <a:off x="6627813" y="194833"/>
+              <a:ext cx="409575" cy="3646488"/>
+            </a:xfrm>
+            <a:custGeom>
+              <a:avLst/>
+              <a:gdLst/>
+              <a:ahLst/>
+              <a:cxnLst/>
+              <a:rect l="0" t="0" r="r" b="b"/>
+              <a:pathLst>
+                <a:path w="103" h="920">
+                  <a:moveTo>
+                    <a:pt x="7" y="210"/>
+                  </a:moveTo>
+                  <a:cubicBezTo>
+                    <a:pt x="11" y="288"/>
+                    <a:pt x="17" y="367"/>
+                    <a:pt x="26" y="445"/>
+                  </a:cubicBezTo>
+                  <a:cubicBezTo>
+                    <a:pt x="34" y="523"/>
+                    <a:pt x="44" y="601"/>
+                    <a:pt x="57" y="679"/>
+                  </a:cubicBezTo>
+                  <a:cubicBezTo>
+                    <a:pt x="69" y="757"/>
+                    <a:pt x="84" y="834"/>
+                    <a:pt x="101" y="911"/>
+                  </a:cubicBezTo>
+                  <a:cubicBezTo>
+                    <a:pt x="102" y="914"/>
+                    <a:pt x="103" y="917"/>
+                    <a:pt x="103" y="920"/>
+                  </a:cubicBezTo>
+                  <a:cubicBezTo>
+                    <a:pt x="102" y="905"/>
+                    <a:pt x="100" y="889"/>
+                    <a:pt x="99" y="874"/>
+                  </a:cubicBezTo>
+                  <a:cubicBezTo>
+                    <a:pt x="99" y="871"/>
+                    <a:pt x="99" y="868"/>
+                    <a:pt x="99" y="866"/>
+                  </a:cubicBezTo>
+                  <a:cubicBezTo>
+                    <a:pt x="85" y="803"/>
+                    <a:pt x="73" y="741"/>
+                    <a:pt x="63" y="678"/>
+                  </a:cubicBezTo>
+                  <a:cubicBezTo>
+                    <a:pt x="50" y="600"/>
+                    <a:pt x="39" y="523"/>
+                    <a:pt x="30" y="444"/>
+                  </a:cubicBezTo>
+                  <a:cubicBezTo>
+                    <a:pt x="21" y="366"/>
+                    <a:pt x="14" y="288"/>
+                    <a:pt x="9" y="209"/>
+                  </a:cubicBezTo>
+                  <a:cubicBezTo>
+                    <a:pt x="7" y="170"/>
+                    <a:pt x="5" y="131"/>
+                    <a:pt x="3" y="92"/>
+                  </a:cubicBezTo>
+                  <a:cubicBezTo>
+                    <a:pt x="2" y="61"/>
+                    <a:pt x="1" y="31"/>
+                    <a:pt x="1" y="0"/>
+                  </a:cubicBezTo>
+                  <a:cubicBezTo>
+                    <a:pt x="0" y="0"/>
+                    <a:pt x="0" y="0"/>
+                    <a:pt x="0" y="0"/>
+                  </a:cubicBezTo>
+                  <a:cubicBezTo>
+                    <a:pt x="0" y="31"/>
+                    <a:pt x="1" y="61"/>
+                    <a:pt x="1" y="92"/>
+                  </a:cubicBezTo>
+                  <a:cubicBezTo>
+                    <a:pt x="3" y="131"/>
+                    <a:pt x="4" y="170"/>
+                    <a:pt x="7" y="210"/>
+                  </a:cubicBezTo>
+                  <a:close/>
+                </a:path>
+              </a:pathLst>
+            </a:custGeom>
+            <a:solidFill>
+              <a:schemeClr val="tx2"/>
+            </a:solidFill>
+            <a:ln>
+              <a:noFill/>
+            </a:ln>
+          </p:spPr>
+        </p:sp>
+        <p:sp>
+          <p:nvSpPr>
+            <p:cNvPr id="12" name="Freeform 28"/>
+            <p:cNvSpPr/>
+            <p:nvPr/>
+          </p:nvSpPr>
+          <p:spPr bwMode="auto">
+            <a:xfrm>
+              <a:off x="7061201" y="3771900"/>
+              <a:ext cx="350838" cy="1309688"/>
+            </a:xfrm>
+            <a:custGeom>
+              <a:avLst/>
+              <a:gdLst/>
+              <a:ahLst/>
+              <a:cxnLst/>
+              <a:rect l="0" t="0" r="r" b="b"/>
+              <a:pathLst>
+                <a:path w="88" h="330">
+                  <a:moveTo>
+                    <a:pt x="53" y="229"/>
+                  </a:moveTo>
+                  <a:cubicBezTo>
+                    <a:pt x="64" y="263"/>
+                    <a:pt x="75" y="297"/>
+                    <a:pt x="88" y="330"/>
+                  </a:cubicBezTo>
+                  <a:cubicBezTo>
+                    <a:pt x="88" y="323"/>
+                    <a:pt x="88" y="315"/>
+                    <a:pt x="88" y="308"/>
+                  </a:cubicBezTo>
+                  <a:cubicBezTo>
+                    <a:pt x="88" y="307"/>
+                    <a:pt x="88" y="305"/>
+                    <a:pt x="88" y="304"/>
+                  </a:cubicBezTo>
+                  <a:cubicBezTo>
+                    <a:pt x="79" y="278"/>
+                    <a:pt x="70" y="252"/>
+                    <a:pt x="62" y="226"/>
+                  </a:cubicBezTo>
+                  <a:cubicBezTo>
+                    <a:pt x="38" y="152"/>
+                    <a:pt x="17" y="76"/>
+                    <a:pt x="0" y="0"/>
+                  </a:cubicBezTo>
+                  <a:cubicBezTo>
+                    <a:pt x="2" y="21"/>
+                    <a:pt x="4" y="42"/>
+                    <a:pt x="7" y="63"/>
+                  </a:cubicBezTo>
+                  <a:cubicBezTo>
+                    <a:pt x="21" y="119"/>
+                    <a:pt x="36" y="174"/>
+                    <a:pt x="53" y="229"/>
+                  </a:cubicBezTo>
+                  <a:close/>
+                </a:path>
+              </a:pathLst>
+            </a:custGeom>
+            <a:solidFill>
+              <a:schemeClr val="tx2"/>
+            </a:solidFill>
+            <a:ln>
+              <a:noFill/>
+            </a:ln>
+          </p:spPr>
+        </p:sp>
+        <p:sp>
+          <p:nvSpPr>
+            <p:cNvPr id="13" name="Freeform 29"/>
+            <p:cNvSpPr/>
+            <p:nvPr/>
+          </p:nvSpPr>
+          <p:spPr bwMode="auto">
+            <a:xfrm>
+              <a:off x="7439026" y="5053013"/>
+              <a:ext cx="357188" cy="820738"/>
+            </a:xfrm>
+            <a:custGeom>
+              <a:avLst/>
+              <a:gdLst/>
+              <a:ahLst/>
+              <a:cxnLst/>
+              <a:rect l="0" t="0" r="r" b="b"/>
+              <a:pathLst>
+                <a:path w="90" h="207">
+                  <a:moveTo>
+                    <a:pt x="6" y="15"/>
+                  </a:moveTo>
+                  <a:cubicBezTo>
+                    <a:pt x="4" y="10"/>
+                    <a:pt x="2" y="5"/>
+                    <a:pt x="0" y="0"/>
+                  </a:cubicBezTo>
+                  <a:cubicBezTo>
+                    <a:pt x="0" y="9"/>
+                    <a:pt x="0" y="19"/>
+                    <a:pt x="1" y="29"/>
+                  </a:cubicBezTo>
+                  <a:cubicBezTo>
+                    <a:pt x="14" y="62"/>
+                    <a:pt x="27" y="95"/>
+                    <a:pt x="42" y="127"/>
+                  </a:cubicBezTo>
+                  <a:cubicBezTo>
+                    <a:pt x="54" y="154"/>
+                    <a:pt x="67" y="181"/>
+                    <a:pt x="80" y="207"/>
+                  </a:cubicBezTo>
+                  <a:cubicBezTo>
+                    <a:pt x="90" y="207"/>
+                    <a:pt x="90" y="207"/>
+                    <a:pt x="90" y="207"/>
+                  </a:cubicBezTo>
+                  <a:cubicBezTo>
+                    <a:pt x="76" y="180"/>
+                    <a:pt x="63" y="152"/>
+                    <a:pt x="50" y="123"/>
+                  </a:cubicBezTo>
+                  <a:cubicBezTo>
+                    <a:pt x="34" y="88"/>
+                    <a:pt x="20" y="51"/>
+                    <a:pt x="6" y="15"/>
+                  </a:cubicBezTo>
+                  <a:close/>
+                </a:path>
+              </a:pathLst>
+            </a:custGeom>
+            <a:solidFill>
+              <a:schemeClr val="tx2"/>
+            </a:solidFill>
+            <a:ln>
+              <a:noFill/>
+            </a:ln>
+          </p:spPr>
+        </p:sp>
+        <p:sp>
+          <p:nvSpPr>
+            <p:cNvPr id="14" name="Freeform 30"/>
+            <p:cNvSpPr/>
+            <p:nvPr/>
+          </p:nvSpPr>
+          <p:spPr bwMode="auto">
+            <a:xfrm>
+              <a:off x="7037388" y="3811588"/>
+              <a:ext cx="457200" cy="1852613"/>
+            </a:xfrm>
+            <a:custGeom>
+              <a:avLst/>
+              <a:gdLst/>
+              <a:ahLst/>
+              <a:cxnLst/>
+              <a:rect l="0" t="0" r="r" b="b"/>
+              <a:pathLst>
+                <a:path w="115" h="467">
+                  <a:moveTo>
+                    <a:pt x="101" y="409"/>
+                  </a:moveTo>
+                  <a:cubicBezTo>
+                    <a:pt x="93" y="388"/>
+                    <a:pt x="85" y="366"/>
+                    <a:pt x="78" y="344"/>
+                  </a:cubicBezTo>
+                  <a:cubicBezTo>
+                    <a:pt x="57" y="281"/>
+                    <a:pt x="41" y="216"/>
+                    <a:pt x="29" y="151"/>
+                  </a:cubicBezTo>
+                  <a:cubicBezTo>
+                    <a:pt x="22" y="119"/>
+                    <a:pt x="17" y="86"/>
+                    <a:pt x="13" y="53"/>
+                  </a:cubicBezTo>
+                  <a:cubicBezTo>
+                    <a:pt x="9" y="35"/>
+                    <a:pt x="4" y="18"/>
+                    <a:pt x="0" y="0"/>
+                  </a:cubicBezTo>
+                  <a:cubicBezTo>
+                    <a:pt x="5" y="51"/>
+                    <a:pt x="12" y="102"/>
+                    <a:pt x="21" y="152"/>
+                  </a:cubicBezTo>
+                  <a:cubicBezTo>
+                    <a:pt x="33" y="218"/>
+                    <a:pt x="49" y="283"/>
+                    <a:pt x="69" y="347"/>
+                  </a:cubicBezTo>
+                  <a:cubicBezTo>
+                    <a:pt x="79" y="378"/>
+                    <a:pt x="90" y="410"/>
+                    <a:pt x="103" y="441"/>
+                  </a:cubicBezTo>
+                  <a:cubicBezTo>
+                    <a:pt x="107" y="449"/>
+                    <a:pt x="111" y="458"/>
+                    <a:pt x="115" y="467"/>
+                  </a:cubicBezTo>
+                  <a:cubicBezTo>
+                    <a:pt x="114" y="464"/>
+                    <a:pt x="113" y="461"/>
+                    <a:pt x="112" y="458"/>
+                  </a:cubicBezTo>
+                  <a:cubicBezTo>
+                    <a:pt x="108" y="442"/>
+                    <a:pt x="104" y="425"/>
+                    <a:pt x="101" y="409"/>
+                  </a:cubicBezTo>
+                  <a:close/>
+                </a:path>
+              </a:pathLst>
+            </a:custGeom>
+            <a:solidFill>
+              <a:schemeClr val="tx2"/>
+            </a:solidFill>
+            <a:ln>
+              <a:noFill/>
+            </a:ln>
+          </p:spPr>
+        </p:sp>
+        <p:sp>
+          <p:nvSpPr>
+            <p:cNvPr id="15" name="Freeform 31"/>
+            <p:cNvSpPr/>
+            <p:nvPr/>
+          </p:nvSpPr>
+          <p:spPr bwMode="auto">
+            <a:xfrm>
+              <a:off x="6992938" y="1263650"/>
+              <a:ext cx="144463" cy="2508250"/>
+            </a:xfrm>
+            <a:custGeom>
+              <a:avLst/>
+              <a:gdLst/>
+              <a:ahLst/>
+              <a:cxnLst/>
+              <a:rect l="0" t="0" r="r" b="b"/>
+              <a:pathLst>
+                <a:path w="36" h="633">
+                  <a:moveTo>
+                    <a:pt x="17" y="633"/>
+                  </a:moveTo>
+                  <a:cubicBezTo>
+                    <a:pt x="15" y="621"/>
+                    <a:pt x="14" y="609"/>
+                    <a:pt x="13" y="597"/>
+                  </a:cubicBezTo>
+                  <a:cubicBezTo>
+                    <a:pt x="8" y="530"/>
+                    <a:pt x="5" y="464"/>
+                    <a:pt x="5" y="398"/>
+                  </a:cubicBezTo>
+                  <a:cubicBezTo>
+                    <a:pt x="5" y="331"/>
+                    <a:pt x="8" y="265"/>
+                    <a:pt x="13" y="198"/>
+                  </a:cubicBezTo>
+                  <a:cubicBezTo>
+                    <a:pt x="15" y="165"/>
+                    <a:pt x="18" y="132"/>
+                    <a:pt x="22" y="99"/>
+                  </a:cubicBezTo>
+                  <a:cubicBezTo>
+                    <a:pt x="26" y="66"/>
+                    <a:pt x="30" y="33"/>
+                    <a:pt x="36" y="0"/>
+                  </a:cubicBezTo>
+                  <a:cubicBezTo>
+                    <a:pt x="35" y="0"/>
+                    <a:pt x="35" y="0"/>
+                    <a:pt x="35" y="0"/>
+                  </a:cubicBezTo>
+                  <a:cubicBezTo>
+                    <a:pt x="29" y="33"/>
+                    <a:pt x="24" y="66"/>
+                    <a:pt x="20" y="99"/>
+                  </a:cubicBezTo>
+                  <a:cubicBezTo>
+                    <a:pt x="16" y="132"/>
+                    <a:pt x="13" y="165"/>
+                    <a:pt x="10" y="198"/>
+                  </a:cubicBezTo>
+                  <a:cubicBezTo>
+                    <a:pt x="4" y="264"/>
+                    <a:pt x="1" y="331"/>
+                    <a:pt x="1" y="398"/>
+                  </a:cubicBezTo>
+                  <a:cubicBezTo>
+                    <a:pt x="0" y="461"/>
+                    <a:pt x="2" y="525"/>
+                    <a:pt x="7" y="589"/>
+                  </a:cubicBezTo>
+                  <a:cubicBezTo>
+                    <a:pt x="10" y="603"/>
+                    <a:pt x="13" y="618"/>
+                    <a:pt x="16" y="632"/>
+                  </a:cubicBezTo>
+                  <a:cubicBezTo>
+                    <a:pt x="16" y="632"/>
+                    <a:pt x="17" y="633"/>
+                    <a:pt x="17" y="633"/>
+                  </a:cubicBezTo>
+                  <a:close/>
+                </a:path>
+              </a:pathLst>
+            </a:custGeom>
+            <a:solidFill>
+              <a:schemeClr val="tx2"/>
+            </a:solidFill>
+            <a:ln>
+              <a:noFill/>
+            </a:ln>
+          </p:spPr>
+        </p:sp>
+        <p:sp>
+          <p:nvSpPr>
+            <p:cNvPr id="16" name="Freeform 32"/>
+            <p:cNvSpPr/>
+            <p:nvPr/>
+          </p:nvSpPr>
+          <p:spPr bwMode="auto">
+            <a:xfrm>
+              <a:off x="7526338" y="5640388"/>
+              <a:ext cx="111125" cy="233363"/>
+            </a:xfrm>
+            <a:custGeom>
+              <a:avLst/>
+              <a:gdLst/>
+              <a:ahLst/>
+              <a:cxnLst/>
+              <a:rect l="0" t="0" r="r" b="b"/>
+              <a:pathLst>
+                <a:path w="28" h="59">
+                  <a:moveTo>
+                    <a:pt x="22" y="59"/>
+                  </a:moveTo>
+                  <a:cubicBezTo>
+                    <a:pt x="28" y="59"/>
+                    <a:pt x="28" y="59"/>
+                    <a:pt x="28" y="59"/>
+                  </a:cubicBezTo>
+                  <a:cubicBezTo>
+                    <a:pt x="18" y="40"/>
+                    <a:pt x="9" y="20"/>
+                    <a:pt x="0" y="0"/>
+                  </a:cubicBezTo>
+                  <a:cubicBezTo>
+                    <a:pt x="6" y="20"/>
+                    <a:pt x="13" y="40"/>
+                    <a:pt x="22" y="59"/>
+                  </a:cubicBezTo>
+                  <a:close/>
+                </a:path>
+              </a:pathLst>
+            </a:custGeom>
+            <a:solidFill>
+              <a:schemeClr val="tx2"/>
+            </a:solidFill>
+            <a:ln>
+              <a:noFill/>
+            </a:ln>
+          </p:spPr>
+        </p:sp>
+        <p:sp>
+          <p:nvSpPr>
+            <p:cNvPr id="17" name="Freeform 33"/>
+            <p:cNvSpPr/>
+            <p:nvPr/>
+          </p:nvSpPr>
+          <p:spPr bwMode="auto">
+            <a:xfrm>
+              <a:off x="7021513" y="3598863"/>
+              <a:ext cx="68263" cy="423863"/>
+            </a:xfrm>
+            <a:custGeom>
+              <a:avLst/>
+              <a:gdLst/>
+              <a:ahLst/>
+              <a:cxnLst/>
+              <a:rect l="0" t="0" r="r" b="b"/>
+              <a:pathLst>
+                <a:path w="17" h="107">
+                  <a:moveTo>
+                    <a:pt x="4" y="54"/>
+                  </a:moveTo>
+                  <a:cubicBezTo>
+                    <a:pt x="8" y="72"/>
+                    <a:pt x="13" y="89"/>
+                    <a:pt x="17" y="107"/>
+                  </a:cubicBezTo>
+                  <a:cubicBezTo>
+                    <a:pt x="14" y="86"/>
+                    <a:pt x="12" y="65"/>
+                    <a:pt x="10" y="44"/>
+                  </a:cubicBezTo>
+                  <a:cubicBezTo>
+                    <a:pt x="10" y="44"/>
+                    <a:pt x="9" y="43"/>
+                    <a:pt x="9" y="43"/>
+                  </a:cubicBezTo>
+                  <a:cubicBezTo>
+                    <a:pt x="6" y="29"/>
+                    <a:pt x="3" y="14"/>
+                    <a:pt x="0" y="0"/>
+                  </a:cubicBezTo>
+                  <a:cubicBezTo>
+                    <a:pt x="0" y="2"/>
+                    <a:pt x="0" y="5"/>
+                    <a:pt x="0" y="8"/>
+                  </a:cubicBezTo>
+                  <a:cubicBezTo>
+                    <a:pt x="1" y="23"/>
+                    <a:pt x="3" y="39"/>
+                    <a:pt x="4" y="54"/>
+                  </a:cubicBezTo>
+                  <a:close/>
+                </a:path>
+              </a:pathLst>
+            </a:custGeom>
+            <a:solidFill>
+              <a:schemeClr val="tx2"/>
+            </a:solidFill>
+            <a:ln>
+              <a:noFill/>
+            </a:ln>
+          </p:spPr>
+        </p:sp>
+        <p:sp>
+          <p:nvSpPr>
+            <p:cNvPr id="18" name="Freeform 34"/>
+            <p:cNvSpPr/>
+            <p:nvPr/>
+          </p:nvSpPr>
+          <p:spPr bwMode="auto">
+            <a:xfrm>
+              <a:off x="7412038" y="2801938"/>
+              <a:ext cx="1168400" cy="2251075"/>
+            </a:xfrm>
+            <a:custGeom>
+              <a:avLst/>
+              <a:gdLst/>
+              <a:ahLst/>
+              <a:cxnLst/>
+              <a:rect l="0" t="0" r="r" b="b"/>
+              <a:pathLst>
+                <a:path w="294" h="568">
+                  <a:moveTo>
+                    <a:pt x="8" y="553"/>
+                  </a:moveTo>
+                  <a:cubicBezTo>
+                    <a:pt x="9" y="501"/>
+                    <a:pt x="19" y="448"/>
+                    <a:pt x="35" y="397"/>
+                  </a:cubicBezTo>
+                  <a:cubicBezTo>
+                    <a:pt x="51" y="347"/>
+                    <a:pt x="73" y="298"/>
+                    <a:pt x="99" y="252"/>
+                  </a:cubicBezTo>
+                  <a:cubicBezTo>
+                    <a:pt x="124" y="205"/>
+                    <a:pt x="154" y="161"/>
+                    <a:pt x="187" y="119"/>
+                  </a:cubicBezTo>
+                  <a:cubicBezTo>
+                    <a:pt x="203" y="98"/>
+                    <a:pt x="220" y="77"/>
+                    <a:pt x="238" y="58"/>
+                  </a:cubicBezTo>
+                  <a:cubicBezTo>
+                    <a:pt x="247" y="48"/>
+                    <a:pt x="256" y="38"/>
+                    <a:pt x="265" y="28"/>
+                  </a:cubicBezTo>
+                  <a:cubicBezTo>
+                    <a:pt x="274" y="19"/>
+                    <a:pt x="284" y="9"/>
+                    <a:pt x="294" y="0"/>
+                  </a:cubicBezTo>
+                  <a:cubicBezTo>
+                    <a:pt x="293" y="0"/>
+                    <a:pt x="293" y="0"/>
+                    <a:pt x="293" y="0"/>
+                  </a:cubicBezTo>
+                  <a:cubicBezTo>
+                    <a:pt x="283" y="9"/>
+                    <a:pt x="273" y="18"/>
+                    <a:pt x="264" y="27"/>
+                  </a:cubicBezTo>
+                  <a:cubicBezTo>
+                    <a:pt x="255" y="37"/>
+                    <a:pt x="246" y="47"/>
+                    <a:pt x="237" y="56"/>
+                  </a:cubicBezTo>
+                  <a:cubicBezTo>
+                    <a:pt x="218" y="76"/>
+                    <a:pt x="201" y="96"/>
+                    <a:pt x="185" y="117"/>
+                  </a:cubicBezTo>
+                  <a:cubicBezTo>
+                    <a:pt x="151" y="159"/>
+                    <a:pt x="121" y="203"/>
+                    <a:pt x="95" y="249"/>
+                  </a:cubicBezTo>
+                  <a:cubicBezTo>
+                    <a:pt x="68" y="296"/>
+                    <a:pt x="46" y="345"/>
+                    <a:pt x="30" y="396"/>
+                  </a:cubicBezTo>
+                  <a:cubicBezTo>
+                    <a:pt x="13" y="445"/>
+                    <a:pt x="3" y="497"/>
+                    <a:pt x="0" y="549"/>
+                  </a:cubicBezTo>
+                  <a:cubicBezTo>
+                    <a:pt x="3" y="555"/>
+                    <a:pt x="5" y="561"/>
+                    <a:pt x="7" y="568"/>
+                  </a:cubicBezTo>
+                  <a:cubicBezTo>
+                    <a:pt x="7" y="563"/>
+                    <a:pt x="7" y="558"/>
+                    <a:pt x="8" y="553"/>
+                  </a:cubicBezTo>
+                  <a:close/>
+                </a:path>
+              </a:pathLst>
+            </a:custGeom>
+            <a:solidFill>
+              <a:schemeClr val="tx2"/>
+            </a:solidFill>
+            <a:ln>
+              <a:noFill/>
+            </a:ln>
+          </p:spPr>
+        </p:sp>
+        <p:sp>
+          <p:nvSpPr>
+            <p:cNvPr id="19" name="Freeform 35"/>
+            <p:cNvSpPr/>
+            <p:nvPr/>
+          </p:nvSpPr>
+          <p:spPr bwMode="auto">
+            <a:xfrm>
+              <a:off x="7494588" y="5664200"/>
+              <a:ext cx="100013" cy="209550"/>
+            </a:xfrm>
+            <a:custGeom>
+              <a:avLst/>
+              <a:gdLst/>
+              <a:ahLst/>
+              <a:cxnLst/>
+              <a:rect l="0" t="0" r="r" b="b"/>
+              <a:pathLst>
+                <a:path w="25" h="53">
+                  <a:moveTo>
+                    <a:pt x="0" y="0"/>
+                  </a:moveTo>
+                  <a:cubicBezTo>
+                    <a:pt x="5" y="18"/>
+                    <a:pt x="12" y="36"/>
+                    <a:pt x="19" y="53"/>
+                  </a:cubicBezTo>
+                  <a:cubicBezTo>
+                    <a:pt x="25" y="53"/>
+                    <a:pt x="25" y="53"/>
+                    <a:pt x="25" y="53"/>
+                  </a:cubicBezTo>
+                  <a:cubicBezTo>
+                    <a:pt x="16" y="36"/>
+                    <a:pt x="8" y="18"/>
+                    <a:pt x="0" y="0"/>
+                  </a:cubicBezTo>
+                  <a:close/>
+                </a:path>
+              </a:pathLst>
+            </a:custGeom>
+            <a:solidFill>
+              <a:schemeClr val="tx2"/>
+            </a:solidFill>
+            <a:ln>
+              <a:noFill/>
+            </a:ln>
+          </p:spPr>
+        </p:sp>
+        <p:sp>
+          <p:nvSpPr>
+            <p:cNvPr id="20" name="Freeform 36"/>
+            <p:cNvSpPr/>
+            <p:nvPr/>
+          </p:nvSpPr>
+          <p:spPr bwMode="auto">
+            <a:xfrm>
+              <a:off x="7412038" y="5081588"/>
+              <a:ext cx="114300" cy="558800"/>
+            </a:xfrm>
+            <a:custGeom>
+              <a:avLst/>
+              <a:gdLst/>
+              <a:ahLst/>
+              <a:cxnLst/>
+              <a:rect l="0" t="0" r="r" b="b"/>
+              <a:pathLst>
+                <a:path w="29" h="141">
+                  <a:moveTo>
+                    <a:pt x="0" y="0"/>
+                  </a:moveTo>
+                  <a:cubicBezTo>
+                    <a:pt x="0" y="30"/>
+                    <a:pt x="2" y="60"/>
+                    <a:pt x="7" y="89"/>
+                  </a:cubicBezTo>
+                  <a:cubicBezTo>
+                    <a:pt x="11" y="98"/>
+                    <a:pt x="14" y="108"/>
+                    <a:pt x="18" y="117"/>
+                  </a:cubicBezTo>
+                  <a:cubicBezTo>
+                    <a:pt x="22" y="125"/>
+                    <a:pt x="25" y="133"/>
+                    <a:pt x="29" y="141"/>
+                  </a:cubicBezTo>
+                  <a:cubicBezTo>
+                    <a:pt x="28" y="139"/>
+                    <a:pt x="28" y="137"/>
+                    <a:pt x="27" y="135"/>
+                  </a:cubicBezTo>
+                  <a:cubicBezTo>
+                    <a:pt x="16" y="98"/>
+                    <a:pt x="10" y="60"/>
+                    <a:pt x="8" y="22"/>
+                  </a:cubicBezTo>
+                  <a:cubicBezTo>
+                    <a:pt x="7" y="18"/>
+                    <a:pt x="5" y="15"/>
+                    <a:pt x="4" y="11"/>
+                  </a:cubicBezTo>
+                  <a:cubicBezTo>
+                    <a:pt x="2" y="7"/>
+                    <a:pt x="1" y="3"/>
+                    <a:pt x="0" y="0"/>
+                  </a:cubicBezTo>
+                  <a:close/>
+                </a:path>
+              </a:pathLst>
+            </a:custGeom>
+            <a:solidFill>
+              <a:schemeClr val="tx2"/>
+            </a:solidFill>
+            <a:ln>
+              <a:noFill/>
+            </a:ln>
+          </p:spPr>
+        </p:sp>
+        <p:sp>
+          <p:nvSpPr>
+            <p:cNvPr id="21" name="Freeform 37"/>
+            <p:cNvSpPr/>
+            <p:nvPr/>
+          </p:nvSpPr>
+          <p:spPr bwMode="auto">
+            <a:xfrm>
+              <a:off x="7412038" y="4978400"/>
+              <a:ext cx="31750" cy="188913"/>
+            </a:xfrm>
+            <a:custGeom>
+              <a:avLst/>
+              <a:gdLst/>
+              <a:ahLst/>
+              <a:cxnLst/>
+              <a:rect l="0" t="0" r="r" b="b"/>
+              <a:pathLst>
+                <a:path w="8" h="48">
+                  <a:moveTo>
+                    <a:pt x="0" y="26"/>
+                  </a:moveTo>
+                  <a:cubicBezTo>
+                    <a:pt x="1" y="29"/>
+                    <a:pt x="2" y="33"/>
+                    <a:pt x="4" y="37"/>
+                  </a:cubicBezTo>
+                  <a:cubicBezTo>
+                    <a:pt x="5" y="41"/>
+                    <a:pt x="7" y="44"/>
+                    <a:pt x="8" y="48"/>
+                  </a:cubicBezTo>
+                  <a:cubicBezTo>
+                    <a:pt x="7" y="38"/>
+                    <a:pt x="7" y="28"/>
+                    <a:pt x="7" y="19"/>
+                  </a:cubicBezTo>
+                  <a:cubicBezTo>
+                    <a:pt x="5" y="12"/>
+                    <a:pt x="3" y="6"/>
+                    <a:pt x="0" y="0"/>
+                  </a:cubicBezTo>
+                  <a:cubicBezTo>
+                    <a:pt x="0" y="1"/>
+                    <a:pt x="0" y="3"/>
+                    <a:pt x="0" y="4"/>
+                  </a:cubicBezTo>
+                  <a:cubicBezTo>
+                    <a:pt x="0" y="11"/>
+                    <a:pt x="0" y="19"/>
+                    <a:pt x="0" y="26"/>
+                  </a:cubicBezTo>
+                  <a:close/>
+                </a:path>
+              </a:pathLst>
+            </a:custGeom>
+            <a:solidFill>
+              <a:schemeClr val="tx2"/>
+            </a:solidFill>
+            <a:ln>
+              <a:noFill/>
+            </a:ln>
+          </p:spPr>
+        </p:sp>
+        <p:sp>
+          <p:nvSpPr>
+            <p:cNvPr id="22" name="Freeform 38"/>
+            <p:cNvSpPr/>
+            <p:nvPr/>
+          </p:nvSpPr>
+          <p:spPr bwMode="auto">
+            <a:xfrm>
+              <a:off x="7439026" y="5434013"/>
+              <a:ext cx="174625" cy="439738"/>
+            </a:xfrm>
+            <a:custGeom>
+              <a:avLst/>
+              <a:gdLst/>
+              <a:ahLst/>
+              <a:cxnLst/>
+              <a:rect l="0" t="0" r="r" b="b"/>
+              <a:pathLst>
+                <a:path w="44" h="111">
+                  <a:moveTo>
+                    <a:pt x="11" y="28"/>
+                  </a:moveTo>
+                  <a:cubicBezTo>
+                    <a:pt x="7" y="19"/>
+                    <a:pt x="4" y="9"/>
+                    <a:pt x="0" y="0"/>
+                  </a:cubicBezTo>
+                  <a:cubicBezTo>
+                    <a:pt x="3" y="16"/>
+                    <a:pt x="7" y="33"/>
+                    <a:pt x="11" y="49"/>
+                  </a:cubicBezTo>
+                  <a:cubicBezTo>
+                    <a:pt x="12" y="52"/>
+                    <a:pt x="13" y="55"/>
+                    <a:pt x="14" y="58"/>
+                  </a:cubicBezTo>
+                  <a:cubicBezTo>
+                    <a:pt x="22" y="76"/>
+                    <a:pt x="30" y="94"/>
+                    <a:pt x="39" y="111"/>
+                  </a:cubicBezTo>
+                  <a:cubicBezTo>
+                    <a:pt x="44" y="111"/>
+                    <a:pt x="44" y="111"/>
+                    <a:pt x="44" y="111"/>
+                  </a:cubicBezTo>
+                  <a:cubicBezTo>
+                    <a:pt x="35" y="92"/>
+                    <a:pt x="28" y="72"/>
+                    <a:pt x="22" y="52"/>
+                  </a:cubicBezTo>
+                  <a:cubicBezTo>
+                    <a:pt x="18" y="44"/>
+                    <a:pt x="15" y="36"/>
+                    <a:pt x="11" y="28"/>
+                  </a:cubicBezTo>
+                  <a:close/>
+                </a:path>
+              </a:pathLst>
+            </a:custGeom>
+            <a:solidFill>
+              <a:schemeClr val="tx2"/>
+            </a:solidFill>
+            <a:ln>
+              <a:noFill/>
+            </a:ln>
+          </p:spPr>
+        </p:sp>
+      </p:grpSp>
+      <p:sp>
+        <p:nvSpPr>
+          <p:cNvPr id="7" name="Rectangle 6"/>
+          <p:cNvSpPr/>
+          <p:nvPr/>
         </p:nvSpPr>
         <p:spPr>
           <a:xfrm>
-            <a:off x="838200" y="365125"/>
-            <a:ext cx="10515600" cy="1325563"/>
+            <a:off x="0" y="0"/>
+            <a:ext cx="182880" cy="6858000"/>
+          </a:xfrm>
+          <a:prstGeom prst="rect">
+            <a:avLst/>
+          </a:prstGeom>
+          <a:solidFill>
+            <a:schemeClr val="tx2"/>
+          </a:solidFill>
+          <a:ln>
+            <a:noFill/>
+          </a:ln>
+          <a:effectLst/>
+        </p:spPr>
+        <p:style>
+          <a:lnRef idx="1">
+            <a:schemeClr val="accent1"/>
+          </a:lnRef>
+          <a:fillRef idx="3">
+            <a:schemeClr val="accent1"/>
+          </a:fillRef>
+          <a:effectRef idx="2">
+            <a:schemeClr val="accent1"/>
+          </a:effectRef>
+          <a:fontRef idx="minor">
+            <a:schemeClr val="lt1"/>
+          </a:fontRef>
+        </p:style>
+      </p:sp>
+      <p:sp>
+        <p:nvSpPr>
+          <p:cNvPr id="2" name="Title Placeholder 1"/>
+          <p:cNvSpPr>
+            <a:spLocks noGrp="1"/>
+          </p:cNvSpPr>
+          <p:nvPr>
+            <p:ph type="title"/>
+          </p:nvPr>
+        </p:nvSpPr>
+        <p:spPr>
+          <a:xfrm>
+            <a:off x="2592924" y="624110"/>
+            <a:ext cx="8911687" cy="1280890"/>
           </a:xfrm>
           <a:prstGeom prst="rect">
             <a:avLst/>
           </a:prstGeom>
         </p:spPr>
         <p:txBody>
-          <a:bodyPr vert="horz" lIns="91440" tIns="45720" rIns="91440" bIns="45720" rtlCol="0" anchor="ctr">
+          <a:bodyPr vert="horz" lIns="91440" tIns="45720" rIns="91440" bIns="45720" rtlCol="0" anchor="t">
             <a:normAutofit/>
           </a:bodyPr>
           <a:lstStyle/>
@@ -2814,18 +7077,13 @@
               <a:rPr lang="ru-RU"/>
               <a:t>Образец заголовка</a:t>
             </a:r>
-          </a:p>
-        </p:txBody>
-      </p:sp>
-      <p:sp>
-        <p:nvSpPr>
-          <p:cNvPr id="3" name="Текст 2">
-            <a:extLst>
-              <a:ext uri="{FF2B5EF4-FFF2-40B4-BE49-F238E27FC236}">
-                <a16:creationId xmlns:a16="http://schemas.microsoft.com/office/drawing/2014/main" id="{C0814638-22B8-4401-884D-A3C6B12BF31B}"/>
-              </a:ext>
-            </a:extLst>
-          </p:cNvPr>
+            <a:endParaRPr lang="en-US" dirty="0"/>
+          </a:p>
+        </p:txBody>
+      </p:sp>
+      <p:sp>
+        <p:nvSpPr>
+          <p:cNvPr id="3" name="Text Placeholder 2"/>
           <p:cNvSpPr>
             <a:spLocks noGrp="1"/>
           </p:cNvSpPr>
@@ -2835,8 +7093,8 @@
         </p:nvSpPr>
         <p:spPr>
           <a:xfrm>
-            <a:off x="838200" y="1825625"/>
-            <a:ext cx="10515600" cy="4351338"/>
+            <a:off x="2589212" y="2133600"/>
+            <a:ext cx="8915400" cy="3886200"/>
           </a:xfrm>
           <a:prstGeom prst="rect">
             <a:avLst/>
@@ -2881,18 +7139,13 @@
               <a:rPr lang="ru-RU"/>
               <a:t>Пятый уровень</a:t>
             </a:r>
-          </a:p>
-        </p:txBody>
-      </p:sp>
-      <p:sp>
-        <p:nvSpPr>
-          <p:cNvPr id="4" name="Дата 3">
-            <a:extLst>
-              <a:ext uri="{FF2B5EF4-FFF2-40B4-BE49-F238E27FC236}">
-                <a16:creationId xmlns:a16="http://schemas.microsoft.com/office/drawing/2014/main" id="{1A3372ED-E957-42CE-9AF9-54857A0BFB87}"/>
-              </a:ext>
-            </a:extLst>
-          </p:cNvPr>
+            <a:endParaRPr lang="en-US" dirty="0"/>
+          </a:p>
+        </p:txBody>
+      </p:sp>
+      <p:sp>
+        <p:nvSpPr>
+          <p:cNvPr id="4" name="Date Placeholder 3"/>
           <p:cNvSpPr>
             <a:spLocks noGrp="1"/>
           </p:cNvSpPr>
@@ -2902,8 +7155,8 @@
         </p:nvSpPr>
         <p:spPr>
           <a:xfrm>
-            <a:off x="838200" y="6356350"/>
-            <a:ext cx="2743200" cy="365125"/>
+            <a:off x="10361612" y="6130437"/>
+            <a:ext cx="1146283" cy="370396"/>
           </a:xfrm>
           <a:prstGeom prst="rect">
             <a:avLst/>
@@ -2912,8 +7165,8 @@
         <p:txBody>
           <a:bodyPr vert="horz" lIns="91440" tIns="45720" rIns="91440" bIns="45720" rtlCol="0" anchor="ctr"/>
           <a:lstStyle>
-            <a:lvl1pPr algn="l">
-              <a:defRPr sz="1200">
+            <a:lvl1pPr algn="r">
+              <a:defRPr sz="900">
                 <a:solidFill>
                   <a:schemeClr val="tx1">
                     <a:tint val="75000"/>
@@ -2925,7 +7178,7 @@
           <a:p>
             <a:fld id="{EFC8ABA4-CCD7-4540-A12A-E2FC69BF12D3}" type="datetimeFigureOut">
               <a:rPr lang="ru-RU" smtClean="0"/>
-              <a:t>14.04.2022</a:t>
+              <a:t>21.04.2022</a:t>
             </a:fld>
             <a:endParaRPr lang="ru-RU"/>
           </a:p>
@@ -2933,13 +7186,7 @@
       </p:sp>
       <p:sp>
         <p:nvSpPr>
-          <p:cNvPr id="5" name="Нижний колонтитул 4">
-            <a:extLst>
-              <a:ext uri="{FF2B5EF4-FFF2-40B4-BE49-F238E27FC236}">
-                <a16:creationId xmlns:a16="http://schemas.microsoft.com/office/drawing/2014/main" id="{D7345257-57E3-49FE-8482-A9DC400653DA}"/>
-              </a:ext>
-            </a:extLst>
-          </p:cNvPr>
+          <p:cNvPr id="5" name="Footer Placeholder 4"/>
           <p:cNvSpPr>
             <a:spLocks noGrp="1"/>
           </p:cNvSpPr>
@@ -2949,8 +7196,8 @@
         </p:nvSpPr>
         <p:spPr>
           <a:xfrm>
-            <a:off x="4038600" y="6356350"/>
-            <a:ext cx="4114800" cy="365125"/>
+            <a:off x="2589212" y="6135808"/>
+            <a:ext cx="7619999" cy="365125"/>
           </a:xfrm>
           <a:prstGeom prst="rect">
             <a:avLst/>
@@ -2959,8 +7206,8 @@
         <p:txBody>
           <a:bodyPr vert="horz" lIns="91440" tIns="45720" rIns="91440" bIns="45720" rtlCol="0" anchor="ctr"/>
           <a:lstStyle>
-            <a:lvl1pPr algn="ctr">
-              <a:defRPr sz="1200">
+            <a:lvl1pPr algn="l">
+              <a:defRPr sz="900">
                 <a:solidFill>
                   <a:schemeClr val="tx1">
                     <a:tint val="75000"/>
@@ -2976,13 +7223,7 @@
       </p:sp>
       <p:sp>
         <p:nvSpPr>
-          <p:cNvPr id="6" name="Номер слайда 5">
-            <a:extLst>
-              <a:ext uri="{FF2B5EF4-FFF2-40B4-BE49-F238E27FC236}">
-                <a16:creationId xmlns:a16="http://schemas.microsoft.com/office/drawing/2014/main" id="{FAD85400-C5AE-4734-8E94-332FC3646C85}"/>
-              </a:ext>
-            </a:extLst>
-          </p:cNvPr>
+          <p:cNvPr id="6" name="Slide Number Placeholder 5"/>
           <p:cNvSpPr>
             <a:spLocks noGrp="1"/>
           </p:cNvSpPr>
@@ -2990,10 +7231,10 @@
             <p:ph type="sldNum" sz="quarter" idx="4"/>
           </p:nvPr>
         </p:nvSpPr>
-        <p:spPr>
+        <p:spPr bwMode="gray">
           <a:xfrm>
-            <a:off x="8610600" y="6356350"/>
-            <a:ext cx="2743200" cy="365125"/>
+            <a:off x="531812" y="787782"/>
+            <a:ext cx="779767" cy="365125"/>
           </a:xfrm>
           <a:prstGeom prst="rect">
             <a:avLst/>
@@ -3003,11 +7244,9 @@
           <a:bodyPr vert="horz" lIns="91440" tIns="45720" rIns="91440" bIns="45720" rtlCol="0" anchor="ctr"/>
           <a:lstStyle>
             <a:lvl1pPr algn="r">
-              <a:defRPr sz="1200">
+              <a:defRPr sz="2000">
                 <a:solidFill>
-                  <a:schemeClr val="tx1">
-                    <a:tint val="75000"/>
-                  </a:schemeClr>
+                  <a:srgbClr val="FEFFFF"/>
                 </a:solidFill>
               </a:defRPr>
             </a:lvl1pPr>
@@ -3024,55 +7263,329 @@
     </p:spTree>
     <p:extLst>
       <p:ext uri="{BB962C8B-B14F-4D97-AF65-F5344CB8AC3E}">
-        <p14:creationId xmlns:p14="http://schemas.microsoft.com/office/powerpoint/2010/main" val="3330516487"/>
+        <p14:creationId xmlns:p14="http://schemas.microsoft.com/office/powerpoint/2010/main" val="3848455846"/>
       </p:ext>
     </p:extLst>
   </p:cSld>
   <p:clrMap bg1="lt1" tx1="dk1" bg2="lt2" tx2="dk2" accent1="accent1" accent2="accent2" accent3="accent3" accent4="accent4" accent5="accent5" accent6="accent6" hlink="hlink" folHlink="folHlink"/>
   <p:sldLayoutIdLst>
-    <p:sldLayoutId id="2147483649" r:id="rId1"/>
-    <p:sldLayoutId id="2147483650" r:id="rId2"/>
-    <p:sldLayoutId id="2147483651" r:id="rId3"/>
-    <p:sldLayoutId id="2147483652" r:id="rId4"/>
-    <p:sldLayoutId id="2147483653" r:id="rId5"/>
-    <p:sldLayoutId id="2147483654" r:id="rId6"/>
-    <p:sldLayoutId id="2147483655" r:id="rId7"/>
-    <p:sldLayoutId id="2147483656" r:id="rId8"/>
-    <p:sldLayoutId id="2147483657" r:id="rId9"/>
-    <p:sldLayoutId id="2147483658" r:id="rId10"/>
-    <p:sldLayoutId id="2147483659" r:id="rId11"/>
+    <p:sldLayoutId id="2147483661" r:id="rId1"/>
+    <p:sldLayoutId id="2147483662" r:id="rId2"/>
+    <p:sldLayoutId id="2147483663" r:id="rId3"/>
+    <p:sldLayoutId id="2147483664" r:id="rId4"/>
+    <p:sldLayoutId id="2147483665" r:id="rId5"/>
+    <p:sldLayoutId id="2147483666" r:id="rId6"/>
+    <p:sldLayoutId id="2147483667" r:id="rId7"/>
+    <p:sldLayoutId id="2147483668" r:id="rId8"/>
+    <p:sldLayoutId id="2147483669" r:id="rId9"/>
+    <p:sldLayoutId id="2147483670" r:id="rId10"/>
+    <p:sldLayoutId id="2147483671" r:id="rId11"/>
+    <p:sldLayoutId id="2147483672" r:id="rId12"/>
+    <p:sldLayoutId id="2147483673" r:id="rId13"/>
+    <p:sldLayoutId id="2147483674" r:id="rId14"/>
+    <p:sldLayoutId id="2147483675" r:id="rId15"/>
+    <p:sldLayoutId id="2147483676" r:id="rId16"/>
   </p:sldLayoutIdLst>
   <p:txStyles>
     <p:titleStyle>
-      <a:lvl1pPr algn="l" defTabSz="914400" rtl="0" eaLnBrk="1" latinLnBrk="0" hangingPunct="1">
-        <a:lnSpc>
-          <a:spcPct val="90000"/>
-        </a:lnSpc>
+      <a:lvl1pPr algn="l" defTabSz="457200" rtl="0" eaLnBrk="1" latinLnBrk="0" hangingPunct="1">
         <a:spcBef>
           <a:spcPct val="0"/>
         </a:spcBef>
         <a:buNone/>
-        <a:defRPr sz="4400" kern="1200">
+        <a:defRPr sz="3600" kern="1200">
           <a:solidFill>
-            <a:schemeClr val="tx1"/>
+            <a:schemeClr val="tx1">
+              <a:lumMod val="85000"/>
+              <a:lumOff val="15000"/>
+            </a:schemeClr>
           </a:solidFill>
           <a:latin typeface="+mj-lt"/>
           <a:ea typeface="+mj-ea"/>
           <a:cs typeface="+mj-cs"/>
         </a:defRPr>
       </a:lvl1pPr>
+      <a:lvl2pPr eaLnBrk="1" hangingPunct="1">
+        <a:defRPr>
+          <a:solidFill>
+            <a:schemeClr val="tx2"/>
+          </a:solidFill>
+        </a:defRPr>
+      </a:lvl2pPr>
+      <a:lvl3pPr eaLnBrk="1" hangingPunct="1">
+        <a:defRPr>
+          <a:solidFill>
+            <a:schemeClr val="tx2"/>
+          </a:solidFill>
+        </a:defRPr>
+      </a:lvl3pPr>
+      <a:lvl4pPr eaLnBrk="1" hangingPunct="1">
+        <a:defRPr>
+          <a:solidFill>
+            <a:schemeClr val="tx2"/>
+          </a:solidFill>
+        </a:defRPr>
+      </a:lvl4pPr>
+      <a:lvl5pPr eaLnBrk="1" hangingPunct="1">
+        <a:defRPr>
+          <a:solidFill>
+            <a:schemeClr val="tx2"/>
+          </a:solidFill>
+        </a:defRPr>
+      </a:lvl5pPr>
+      <a:lvl6pPr eaLnBrk="1" hangingPunct="1">
+        <a:defRPr>
+          <a:solidFill>
+            <a:schemeClr val="tx2"/>
+          </a:solidFill>
+        </a:defRPr>
+      </a:lvl6pPr>
+      <a:lvl7pPr eaLnBrk="1" hangingPunct="1">
+        <a:defRPr>
+          <a:solidFill>
+            <a:schemeClr val="tx2"/>
+          </a:solidFill>
+        </a:defRPr>
+      </a:lvl7pPr>
+      <a:lvl8pPr eaLnBrk="1" hangingPunct="1">
+        <a:defRPr>
+          <a:solidFill>
+            <a:schemeClr val="tx2"/>
+          </a:solidFill>
+        </a:defRPr>
+      </a:lvl8pPr>
+      <a:lvl9pPr eaLnBrk="1" hangingPunct="1">
+        <a:defRPr>
+          <a:solidFill>
+            <a:schemeClr val="tx2"/>
+          </a:solidFill>
+        </a:defRPr>
+      </a:lvl9pPr>
     </p:titleStyle>
     <p:bodyStyle>
-      <a:lvl1pPr marL="228600" indent="-228600" algn="l" defTabSz="914400" rtl="0" eaLnBrk="1" latinLnBrk="0" hangingPunct="1">
-        <a:lnSpc>
-          <a:spcPct val="90000"/>
-        </a:lnSpc>
+      <a:lvl1pPr marL="342900" indent="-342900" algn="l" defTabSz="457200" rtl="0" eaLnBrk="1" latinLnBrk="0" hangingPunct="1">
         <a:spcBef>
           <a:spcPts val="1000"/>
         </a:spcBef>
-        <a:buFont typeface="Arial" panose="020B0604020202020204" pitchFamily="34" charset="0"/>
-        <a:buChar char="•"/>
-        <a:defRPr sz="2800" kern="1200">
+        <a:spcAft>
+          <a:spcPts val="0"/>
+        </a:spcAft>
+        <a:buClr>
+          <a:schemeClr val="accent1"/>
+        </a:buClr>
+        <a:buFont typeface="Wingdings 3" charset="2"/>
+        <a:buChar char=""/>
+        <a:defRPr sz="1800" kern="1200">
+          <a:solidFill>
+            <a:schemeClr val="tx1">
+              <a:lumMod val="75000"/>
+              <a:lumOff val="25000"/>
+            </a:schemeClr>
+          </a:solidFill>
+          <a:latin typeface="+mn-lt"/>
+          <a:ea typeface="+mn-ea"/>
+          <a:cs typeface="+mn-cs"/>
+        </a:defRPr>
+      </a:lvl1pPr>
+      <a:lvl2pPr marL="742950" indent="-285750" algn="l" defTabSz="457200" rtl="0" eaLnBrk="1" latinLnBrk="0" hangingPunct="1">
+        <a:spcBef>
+          <a:spcPts val="1000"/>
+        </a:spcBef>
+        <a:spcAft>
+          <a:spcPts val="0"/>
+        </a:spcAft>
+        <a:buClr>
+          <a:schemeClr val="accent1"/>
+        </a:buClr>
+        <a:buFont typeface="Wingdings 3" charset="2"/>
+        <a:buChar char=""/>
+        <a:defRPr sz="1600" kern="1200">
+          <a:solidFill>
+            <a:schemeClr val="tx1">
+              <a:lumMod val="75000"/>
+              <a:lumOff val="25000"/>
+            </a:schemeClr>
+          </a:solidFill>
+          <a:latin typeface="+mn-lt"/>
+          <a:ea typeface="+mn-ea"/>
+          <a:cs typeface="+mn-cs"/>
+        </a:defRPr>
+      </a:lvl2pPr>
+      <a:lvl3pPr marL="1143000" indent="-228600" algn="l" defTabSz="457200" rtl="0" eaLnBrk="1" latinLnBrk="0" hangingPunct="1">
+        <a:spcBef>
+          <a:spcPts val="1000"/>
+        </a:spcBef>
+        <a:spcAft>
+          <a:spcPts val="0"/>
+        </a:spcAft>
+        <a:buClr>
+          <a:schemeClr val="accent1"/>
+        </a:buClr>
+        <a:buFont typeface="Wingdings 3" charset="2"/>
+        <a:buChar char=""/>
+        <a:defRPr sz="1400" kern="1200">
+          <a:solidFill>
+            <a:schemeClr val="tx1">
+              <a:lumMod val="75000"/>
+              <a:lumOff val="25000"/>
+            </a:schemeClr>
+          </a:solidFill>
+          <a:latin typeface="+mn-lt"/>
+          <a:ea typeface="+mn-ea"/>
+          <a:cs typeface="+mn-cs"/>
+        </a:defRPr>
+      </a:lvl3pPr>
+      <a:lvl4pPr marL="1600200" indent="-228600" algn="l" defTabSz="457200" rtl="0" eaLnBrk="1" latinLnBrk="0" hangingPunct="1">
+        <a:spcBef>
+          <a:spcPts val="1000"/>
+        </a:spcBef>
+        <a:spcAft>
+          <a:spcPts val="0"/>
+        </a:spcAft>
+        <a:buClr>
+          <a:schemeClr val="accent1"/>
+        </a:buClr>
+        <a:buFont typeface="Wingdings 3" charset="2"/>
+        <a:buChar char=""/>
+        <a:defRPr sz="1200" kern="1200">
+          <a:solidFill>
+            <a:schemeClr val="tx1">
+              <a:lumMod val="75000"/>
+              <a:lumOff val="25000"/>
+            </a:schemeClr>
+          </a:solidFill>
+          <a:latin typeface="+mn-lt"/>
+          <a:ea typeface="+mn-ea"/>
+          <a:cs typeface="+mn-cs"/>
+        </a:defRPr>
+      </a:lvl4pPr>
+      <a:lvl5pPr marL="2057400" indent="-228600" algn="l" defTabSz="457200" rtl="0" eaLnBrk="1" latinLnBrk="0" hangingPunct="1">
+        <a:spcBef>
+          <a:spcPts val="1000"/>
+        </a:spcBef>
+        <a:spcAft>
+          <a:spcPts val="0"/>
+        </a:spcAft>
+        <a:buClr>
+          <a:schemeClr val="accent1"/>
+        </a:buClr>
+        <a:buFont typeface="Wingdings 3" charset="2"/>
+        <a:buChar char=""/>
+        <a:defRPr sz="1200" kern="1200">
+          <a:solidFill>
+            <a:schemeClr val="tx1">
+              <a:lumMod val="75000"/>
+              <a:lumOff val="25000"/>
+            </a:schemeClr>
+          </a:solidFill>
+          <a:latin typeface="+mn-lt"/>
+          <a:ea typeface="+mn-ea"/>
+          <a:cs typeface="+mn-cs"/>
+        </a:defRPr>
+      </a:lvl5pPr>
+      <a:lvl6pPr marL="2514600" indent="-228600" algn="l" defTabSz="457200" rtl="0" eaLnBrk="1" latinLnBrk="0" hangingPunct="1">
+        <a:spcBef>
+          <a:spcPts val="1000"/>
+        </a:spcBef>
+        <a:spcAft>
+          <a:spcPts val="0"/>
+        </a:spcAft>
+        <a:buClr>
+          <a:schemeClr val="accent1"/>
+        </a:buClr>
+        <a:buFont typeface="Wingdings 3" charset="2"/>
+        <a:buChar char=""/>
+        <a:defRPr sz="1200" kern="1200">
+          <a:solidFill>
+            <a:schemeClr val="tx1">
+              <a:lumMod val="75000"/>
+              <a:lumOff val="25000"/>
+            </a:schemeClr>
+          </a:solidFill>
+          <a:latin typeface="+mn-lt"/>
+          <a:ea typeface="+mn-ea"/>
+          <a:cs typeface="+mn-cs"/>
+        </a:defRPr>
+      </a:lvl6pPr>
+      <a:lvl7pPr marL="2971800" indent="-228600" algn="l" defTabSz="457200" rtl="0" eaLnBrk="1" latinLnBrk="0" hangingPunct="1">
+        <a:spcBef>
+          <a:spcPts val="1000"/>
+        </a:spcBef>
+        <a:spcAft>
+          <a:spcPts val="0"/>
+        </a:spcAft>
+        <a:buClr>
+          <a:schemeClr val="accent1"/>
+        </a:buClr>
+        <a:buFont typeface="Wingdings 3" charset="2"/>
+        <a:buChar char=""/>
+        <a:defRPr sz="1200" kern="1200">
+          <a:solidFill>
+            <a:schemeClr val="tx1">
+              <a:lumMod val="75000"/>
+              <a:lumOff val="25000"/>
+            </a:schemeClr>
+          </a:solidFill>
+          <a:latin typeface="+mn-lt"/>
+          <a:ea typeface="+mn-ea"/>
+          <a:cs typeface="+mn-cs"/>
+        </a:defRPr>
+      </a:lvl7pPr>
+      <a:lvl8pPr marL="3429000" indent="-228600" algn="l" defTabSz="457200" rtl="0" eaLnBrk="1" latinLnBrk="0" hangingPunct="1">
+        <a:spcBef>
+          <a:spcPts val="1000"/>
+        </a:spcBef>
+        <a:spcAft>
+          <a:spcPts val="0"/>
+        </a:spcAft>
+        <a:buClr>
+          <a:schemeClr val="accent1"/>
+        </a:buClr>
+        <a:buFont typeface="Wingdings 3" charset="2"/>
+        <a:buChar char=""/>
+        <a:defRPr sz="1200" kern="1200">
+          <a:solidFill>
+            <a:schemeClr val="tx1">
+              <a:lumMod val="75000"/>
+              <a:lumOff val="25000"/>
+            </a:schemeClr>
+          </a:solidFill>
+          <a:latin typeface="+mn-lt"/>
+          <a:ea typeface="+mn-ea"/>
+          <a:cs typeface="+mn-cs"/>
+        </a:defRPr>
+      </a:lvl8pPr>
+      <a:lvl9pPr marL="3886200" indent="-228600" algn="l" defTabSz="457200" rtl="0" eaLnBrk="1" latinLnBrk="0" hangingPunct="1">
+        <a:spcBef>
+          <a:spcPts val="1000"/>
+        </a:spcBef>
+        <a:spcAft>
+          <a:spcPts val="0"/>
+        </a:spcAft>
+        <a:buClr>
+          <a:schemeClr val="accent1"/>
+        </a:buClr>
+        <a:buFont typeface="Wingdings 3" charset="2"/>
+        <a:buChar char=""/>
+        <a:defRPr sz="1200" kern="1200">
+          <a:solidFill>
+            <a:schemeClr val="tx1">
+              <a:lumMod val="75000"/>
+              <a:lumOff val="25000"/>
+            </a:schemeClr>
+          </a:solidFill>
+          <a:latin typeface="+mn-lt"/>
+          <a:ea typeface="+mn-ea"/>
+          <a:cs typeface="+mn-cs"/>
+        </a:defRPr>
+      </a:lvl9pPr>
+    </p:bodyStyle>
+    <p:otherStyle>
+      <a:defPPr>
+        <a:defRPr lang="en-US"/>
+      </a:defPPr>
+      <a:lvl1pPr marL="0" algn="l" defTabSz="457200" rtl="0" eaLnBrk="1" latinLnBrk="0" hangingPunct="1">
+        <a:defRPr sz="1800" kern="1200">
           <a:solidFill>
             <a:schemeClr val="tx1"/>
           </a:solidFill>
@@ -3081,16 +7594,8 @@
           <a:cs typeface="+mn-cs"/>
         </a:defRPr>
       </a:lvl1pPr>
-      <a:lvl2pPr marL="685800" indent="-228600" algn="l" defTabSz="914400" rtl="0" eaLnBrk="1" latinLnBrk="0" hangingPunct="1">
-        <a:lnSpc>
-          <a:spcPct val="90000"/>
-        </a:lnSpc>
-        <a:spcBef>
-          <a:spcPts val="500"/>
-        </a:spcBef>
-        <a:buFont typeface="Arial" panose="020B0604020202020204" pitchFamily="34" charset="0"/>
-        <a:buChar char="•"/>
-        <a:defRPr sz="2400" kern="1200">
+      <a:lvl2pPr marL="457200" algn="l" defTabSz="457200" rtl="0" eaLnBrk="1" latinLnBrk="0" hangingPunct="1">
+        <a:defRPr sz="1800" kern="1200">
           <a:solidFill>
             <a:schemeClr val="tx1"/>
           </a:solidFill>
@@ -3099,16 +7604,8 @@
           <a:cs typeface="+mn-cs"/>
         </a:defRPr>
       </a:lvl2pPr>
-      <a:lvl3pPr marL="1143000" indent="-228600" algn="l" defTabSz="914400" rtl="0" eaLnBrk="1" latinLnBrk="0" hangingPunct="1">
-        <a:lnSpc>
-          <a:spcPct val="90000"/>
-        </a:lnSpc>
-        <a:spcBef>
-          <a:spcPts val="500"/>
-        </a:spcBef>
-        <a:buFont typeface="Arial" panose="020B0604020202020204" pitchFamily="34" charset="0"/>
-        <a:buChar char="•"/>
-        <a:defRPr sz="2000" kern="1200">
+      <a:lvl3pPr marL="914400" algn="l" defTabSz="457200" rtl="0" eaLnBrk="1" latinLnBrk="0" hangingPunct="1">
+        <a:defRPr sz="1800" kern="1200">
           <a:solidFill>
             <a:schemeClr val="tx1"/>
           </a:solidFill>
@@ -3117,15 +7614,7 @@
           <a:cs typeface="+mn-cs"/>
         </a:defRPr>
       </a:lvl3pPr>
-      <a:lvl4pPr marL="1600200" indent="-228600" algn="l" defTabSz="914400" rtl="0" eaLnBrk="1" latinLnBrk="0" hangingPunct="1">
-        <a:lnSpc>
-          <a:spcPct val="90000"/>
-        </a:lnSpc>
-        <a:spcBef>
-          <a:spcPts val="500"/>
-        </a:spcBef>
-        <a:buFont typeface="Arial" panose="020B0604020202020204" pitchFamily="34" charset="0"/>
-        <a:buChar char="•"/>
+      <a:lvl4pPr marL="1371600" algn="l" defTabSz="457200" rtl="0" eaLnBrk="1" latinLnBrk="0" hangingPunct="1">
         <a:defRPr sz="1800" kern="1200">
           <a:solidFill>
             <a:schemeClr val="tx1"/>
@@ -3135,15 +7624,7 @@
           <a:cs typeface="+mn-cs"/>
         </a:defRPr>
       </a:lvl4pPr>
-      <a:lvl5pPr marL="2057400" indent="-228600" algn="l" defTabSz="914400" rtl="0" eaLnBrk="1" latinLnBrk="0" hangingPunct="1">
-        <a:lnSpc>
-          <a:spcPct val="90000"/>
-        </a:lnSpc>
-        <a:spcBef>
-          <a:spcPts val="500"/>
-        </a:spcBef>
-        <a:buFont typeface="Arial" panose="020B0604020202020204" pitchFamily="34" charset="0"/>
-        <a:buChar char="•"/>
+      <a:lvl5pPr marL="1828800" algn="l" defTabSz="457200" rtl="0" eaLnBrk="1" latinLnBrk="0" hangingPunct="1">
         <a:defRPr sz="1800" kern="1200">
           <a:solidFill>
             <a:schemeClr val="tx1"/>
@@ -3153,15 +7634,7 @@
           <a:cs typeface="+mn-cs"/>
         </a:defRPr>
       </a:lvl5pPr>
-      <a:lvl6pPr marL="2514600" indent="-228600" algn="l" defTabSz="914400" rtl="0" eaLnBrk="1" latinLnBrk="0" hangingPunct="1">
-        <a:lnSpc>
-          <a:spcPct val="90000"/>
-        </a:lnSpc>
-        <a:spcBef>
-          <a:spcPts val="500"/>
-        </a:spcBef>
-        <a:buFont typeface="Arial" panose="020B0604020202020204" pitchFamily="34" charset="0"/>
-        <a:buChar char="•"/>
+      <a:lvl6pPr marL="2286000" algn="l" defTabSz="457200" rtl="0" eaLnBrk="1" latinLnBrk="0" hangingPunct="1">
         <a:defRPr sz="1800" kern="1200">
           <a:solidFill>
             <a:schemeClr val="tx1"/>
@@ -3171,15 +7644,7 @@
           <a:cs typeface="+mn-cs"/>
         </a:defRPr>
       </a:lvl6pPr>
-      <a:lvl7pPr marL="2971800" indent="-228600" algn="l" defTabSz="914400" rtl="0" eaLnBrk="1" latinLnBrk="0" hangingPunct="1">
-        <a:lnSpc>
-          <a:spcPct val="90000"/>
-        </a:lnSpc>
-        <a:spcBef>
-          <a:spcPts val="500"/>
-        </a:spcBef>
-        <a:buFont typeface="Arial" panose="020B0604020202020204" pitchFamily="34" charset="0"/>
-        <a:buChar char="•"/>
+      <a:lvl7pPr marL="2743200" algn="l" defTabSz="457200" rtl="0" eaLnBrk="1" latinLnBrk="0" hangingPunct="1">
         <a:defRPr sz="1800" kern="1200">
           <a:solidFill>
             <a:schemeClr val="tx1"/>
@@ -3189,15 +7654,7 @@
           <a:cs typeface="+mn-cs"/>
         </a:defRPr>
       </a:lvl7pPr>
-      <a:lvl8pPr marL="3429000" indent="-228600" algn="l" defTabSz="914400" rtl="0" eaLnBrk="1" latinLnBrk="0" hangingPunct="1">
-        <a:lnSpc>
-          <a:spcPct val="90000"/>
-        </a:lnSpc>
-        <a:spcBef>
-          <a:spcPts val="500"/>
-        </a:spcBef>
-        <a:buFont typeface="Arial" panose="020B0604020202020204" pitchFamily="34" charset="0"/>
-        <a:buChar char="•"/>
+      <a:lvl8pPr marL="3200400" algn="l" defTabSz="457200" rtl="0" eaLnBrk="1" latinLnBrk="0" hangingPunct="1">
         <a:defRPr sz="1800" kern="1200">
           <a:solidFill>
             <a:schemeClr val="tx1"/>
@@ -3207,110 +7664,7 @@
           <a:cs typeface="+mn-cs"/>
         </a:defRPr>
       </a:lvl8pPr>
-      <a:lvl9pPr marL="3886200" indent="-228600" algn="l" defTabSz="914400" rtl="0" eaLnBrk="1" latinLnBrk="0" hangingPunct="1">
-        <a:lnSpc>
-          <a:spcPct val="90000"/>
-        </a:lnSpc>
-        <a:spcBef>
-          <a:spcPts val="500"/>
-        </a:spcBef>
-        <a:buFont typeface="Arial" panose="020B0604020202020204" pitchFamily="34" charset="0"/>
-        <a:buChar char="•"/>
-        <a:defRPr sz="1800" kern="1200">
-          <a:solidFill>
-            <a:schemeClr val="tx1"/>
-          </a:solidFill>
-          <a:latin typeface="+mn-lt"/>
-          <a:ea typeface="+mn-ea"/>
-          <a:cs typeface="+mn-cs"/>
-        </a:defRPr>
-      </a:lvl9pPr>
-    </p:bodyStyle>
-    <p:otherStyle>
-      <a:defPPr>
-        <a:defRPr lang="ru-RU"/>
-      </a:defPPr>
-      <a:lvl1pPr marL="0" algn="l" defTabSz="914400" rtl="0" eaLnBrk="1" latinLnBrk="0" hangingPunct="1">
-        <a:defRPr sz="1800" kern="1200">
-          <a:solidFill>
-            <a:schemeClr val="tx1"/>
-          </a:solidFill>
-          <a:latin typeface="+mn-lt"/>
-          <a:ea typeface="+mn-ea"/>
-          <a:cs typeface="+mn-cs"/>
-        </a:defRPr>
-      </a:lvl1pPr>
-      <a:lvl2pPr marL="457200" algn="l" defTabSz="914400" rtl="0" eaLnBrk="1" latinLnBrk="0" hangingPunct="1">
-        <a:defRPr sz="1800" kern="1200">
-          <a:solidFill>
-            <a:schemeClr val="tx1"/>
-          </a:solidFill>
-          <a:latin typeface="+mn-lt"/>
-          <a:ea typeface="+mn-ea"/>
-          <a:cs typeface="+mn-cs"/>
-        </a:defRPr>
-      </a:lvl2pPr>
-      <a:lvl3pPr marL="914400" algn="l" defTabSz="914400" rtl="0" eaLnBrk="1" latinLnBrk="0" hangingPunct="1">
-        <a:defRPr sz="1800" kern="1200">
-          <a:solidFill>
-            <a:schemeClr val="tx1"/>
-          </a:solidFill>
-          <a:latin typeface="+mn-lt"/>
-          <a:ea typeface="+mn-ea"/>
-          <a:cs typeface="+mn-cs"/>
-        </a:defRPr>
-      </a:lvl3pPr>
-      <a:lvl4pPr marL="1371600" algn="l" defTabSz="914400" rtl="0" eaLnBrk="1" latinLnBrk="0" hangingPunct="1">
-        <a:defRPr sz="1800" kern="1200">
-          <a:solidFill>
-            <a:schemeClr val="tx1"/>
-          </a:solidFill>
-          <a:latin typeface="+mn-lt"/>
-          <a:ea typeface="+mn-ea"/>
-          <a:cs typeface="+mn-cs"/>
-        </a:defRPr>
-      </a:lvl4pPr>
-      <a:lvl5pPr marL="1828800" algn="l" defTabSz="914400" rtl="0" eaLnBrk="1" latinLnBrk="0" hangingPunct="1">
-        <a:defRPr sz="1800" kern="1200">
-          <a:solidFill>
-            <a:schemeClr val="tx1"/>
-          </a:solidFill>
-          <a:latin typeface="+mn-lt"/>
-          <a:ea typeface="+mn-ea"/>
-          <a:cs typeface="+mn-cs"/>
-        </a:defRPr>
-      </a:lvl5pPr>
-      <a:lvl6pPr marL="2286000" algn="l" defTabSz="914400" rtl="0" eaLnBrk="1" latinLnBrk="0" hangingPunct="1">
-        <a:defRPr sz="1800" kern="1200">
-          <a:solidFill>
-            <a:schemeClr val="tx1"/>
-          </a:solidFill>
-          <a:latin typeface="+mn-lt"/>
-          <a:ea typeface="+mn-ea"/>
-          <a:cs typeface="+mn-cs"/>
-        </a:defRPr>
-      </a:lvl6pPr>
-      <a:lvl7pPr marL="2743200" algn="l" defTabSz="914400" rtl="0" eaLnBrk="1" latinLnBrk="0" hangingPunct="1">
-        <a:defRPr sz="1800" kern="1200">
-          <a:solidFill>
-            <a:schemeClr val="tx1"/>
-          </a:solidFill>
-          <a:latin typeface="+mn-lt"/>
-          <a:ea typeface="+mn-ea"/>
-          <a:cs typeface="+mn-cs"/>
-        </a:defRPr>
-      </a:lvl7pPr>
-      <a:lvl8pPr marL="3200400" algn="l" defTabSz="914400" rtl="0" eaLnBrk="1" latinLnBrk="0" hangingPunct="1">
-        <a:defRPr sz="1800" kern="1200">
-          <a:solidFill>
-            <a:schemeClr val="tx1"/>
-          </a:solidFill>
-          <a:latin typeface="+mn-lt"/>
-          <a:ea typeface="+mn-ea"/>
-          <a:cs typeface="+mn-cs"/>
-        </a:defRPr>
-      </a:lvl8pPr>
-      <a:lvl9pPr marL="3657600" algn="l" defTabSz="914400" rtl="0" eaLnBrk="1" latinLnBrk="0" hangingPunct="1">
+      <a:lvl9pPr marL="3657600" algn="l" defTabSz="457200" rtl="0" eaLnBrk="1" latinLnBrk="0" hangingPunct="1">
         <a:defRPr sz="1800" kern="1200">
           <a:solidFill>
             <a:schemeClr val="tx1"/>
@@ -3360,18 +7714,28 @@
         </p:nvSpPr>
         <p:spPr>
           <a:xfrm>
-            <a:off x="1524000" y="1512981"/>
+            <a:off x="1524000" y="1797066"/>
             <a:ext cx="9144000" cy="2387600"/>
           </a:xfrm>
         </p:spPr>
         <p:txBody>
-          <a:bodyPr/>
+          <a:bodyPr>
+            <a:normAutofit fontScale="90000"/>
+          </a:bodyPr>
           <a:lstStyle/>
           <a:p>
             <a:r>
               <a:rPr lang="ru-RU" dirty="0"/>
               <a:t>Интернет-магазин настольных игр</a:t>
             </a:r>
+            <a:br>
+              <a:rPr lang="ru-RU" dirty="0"/>
+            </a:br>
+            <a:r>
+              <a:rPr lang="en-US" dirty="0" err="1"/>
+              <a:t>MGames</a:t>
+            </a:r>
+            <a:endParaRPr lang="ru-RU" dirty="0"/>
           </a:p>
         </p:txBody>
       </p:sp>
@@ -3399,7 +7763,7 @@
         </p:spPr>
         <p:txBody>
           <a:bodyPr>
-            <a:normAutofit lnSpcReduction="10000"/>
+            <a:normAutofit/>
           </a:bodyPr>
           <a:lstStyle/>
           <a:p>
@@ -3602,7 +7966,7 @@
         <p:spPr/>
         <p:txBody>
           <a:bodyPr>
-            <a:normAutofit fontScale="92500"/>
+            <a:normAutofit/>
           </a:bodyPr>
           <a:lstStyle/>
           <a:p>
@@ -3611,7 +7975,7 @@
             </a:pPr>
             <a:r>
               <a:rPr lang="ru-RU" dirty="0"/>
-              <a:t>При запуске программы появлялась ссылка на главную страницу сайта.</a:t>
+              <a:t>При запуске программы появляется ссылка на главную страницу сайта.</a:t>
             </a:r>
           </a:p>
           <a:p>
@@ -3629,7 +7993,7 @@
             </a:pPr>
             <a:r>
               <a:rPr lang="ru-RU" dirty="0"/>
-              <a:t> Пользователь, вошедший в аккаунт, сможет видеть свой виртуальный баланс и пополнять его. </a:t>
+              <a:t> Пользователь, вошедший в аккаунт, может видеть свой виртуальный баланс и пополнять его. </a:t>
             </a:r>
           </a:p>
           <a:p>
@@ -3638,7 +8002,7 @@
             </a:pPr>
             <a:r>
               <a:rPr lang="ru-RU" dirty="0"/>
-              <a:t>Если будет необходимо пользователь сможет перейти на страницу товара для получения более подробной информации. </a:t>
+              <a:t>Если пользователю нужно узнать более подробную информацию о товаре, он может перейти на страницу товара. </a:t>
             </a:r>
           </a:p>
           <a:p>
@@ -3647,7 +8011,7 @@
             </a:pPr>
             <a:r>
               <a:rPr lang="ru-RU" dirty="0"/>
-              <a:t>Также пользователь сможет добавлять товары в корзину и удалять лишнее.</a:t>
+              <a:t>Также пользователь может добавлять товары в корзину и удалять лишние.</a:t>
             </a:r>
           </a:p>
           <a:p>
@@ -3656,23 +8020,7 @@
             </a:pPr>
             <a:r>
               <a:rPr lang="ru-RU" dirty="0"/>
-              <a:t>И при </a:t>
-            </a:r>
-            <a:r>
-              <a:rPr lang="ru-RU" dirty="0" err="1"/>
-              <a:t>примениении</a:t>
-            </a:r>
-            <a:r>
-              <a:rPr lang="ru-RU" dirty="0"/>
-              <a:t> специальных </a:t>
-            </a:r>
-            <a:r>
-              <a:rPr lang="ru-RU" dirty="0" err="1"/>
-              <a:t>промокодов</a:t>
-            </a:r>
-            <a:r>
-              <a:rPr lang="ru-RU" dirty="0"/>
-              <a:t> пользователь сможет получить скидки на определённое товары.</a:t>
+              <a:t>Если пользователь сделает заказ на определённую сумму, то он получит определённую скидку.</a:t>
             </a:r>
           </a:p>
         </p:txBody>
@@ -3707,88 +8055,46 @@
           <a:chExt cx="0" cy="0"/>
         </a:xfrm>
       </p:grpSpPr>
-      <p:sp>
-        <p:nvSpPr>
-          <p:cNvPr id="2" name="Заголовок 1">
+      <p:pic>
+        <p:nvPicPr>
+          <p:cNvPr id="7" name="Рисунок 6">
             <a:extLst>
               <a:ext uri="{FF2B5EF4-FFF2-40B4-BE49-F238E27FC236}">
-                <a16:creationId xmlns:a16="http://schemas.microsoft.com/office/drawing/2014/main" id="{5F442075-8467-4E62-B423-8589CC9A5F17}"/>
+                <a16:creationId xmlns:a16="http://schemas.microsoft.com/office/drawing/2014/main" id="{06410850-5BF0-4AA4-AAAE-6CA6C9782E4B}"/>
               </a:ext>
             </a:extLst>
           </p:cNvPr>
-          <p:cNvSpPr>
-            <a:spLocks noGrp="1"/>
-          </p:cNvSpPr>
-          <p:nvPr>
-            <p:ph type="title"/>
-          </p:nvPr>
-        </p:nvSpPr>
-        <p:spPr/>
-        <p:txBody>
-          <a:bodyPr/>
-          <a:lstStyle/>
-          <a:p>
-            <a:r>
-              <a:rPr lang="ru-RU" dirty="0"/>
-              <a:t>Описание реализации:</a:t>
-            </a:r>
-          </a:p>
-        </p:txBody>
-      </p:sp>
-      <p:sp>
-        <p:nvSpPr>
-          <p:cNvPr id="3" name="Объект 2">
+          <p:cNvPicPr>
+            <a:picLocks noChangeAspect="1"/>
+          </p:cNvPicPr>
+          <p:nvPr/>
+        </p:nvPicPr>
+        <p:blipFill>
+          <a:blip r:embed="rId2">
             <a:extLst>
-              <a:ext uri="{FF2B5EF4-FFF2-40B4-BE49-F238E27FC236}">
-                <a16:creationId xmlns:a16="http://schemas.microsoft.com/office/drawing/2014/main" id="{6D2BE07C-B390-41F3-B79C-A205642503C1}"/>
+              <a:ext uri="{28A0092B-C50C-407E-A947-70E740481C1C}">
+                <a14:useLocalDpi xmlns:a14="http://schemas.microsoft.com/office/drawing/2010/main" val="0"/>
               </a:ext>
             </a:extLst>
-          </p:cNvPr>
-          <p:cNvSpPr>
-            <a:spLocks noGrp="1"/>
-          </p:cNvSpPr>
-          <p:nvPr>
-            <p:ph idx="1"/>
-          </p:nvPr>
-        </p:nvSpPr>
-        <p:spPr/>
-        <p:txBody>
-          <a:bodyPr>
-            <a:normAutofit/>
-          </a:bodyPr>
-          <a:lstStyle/>
-          <a:p>
-            <a:r>
-              <a:rPr lang="ru-RU" dirty="0"/>
-              <a:t>Также в проекте я использовал следующие библиотеки</a:t>
-            </a:r>
-            <a:r>
-              <a:rPr lang="en-US" dirty="0"/>
-              <a:t>:</a:t>
-            </a:r>
-            <a:endParaRPr lang="ru-RU" dirty="0"/>
-          </a:p>
-          <a:p>
-            <a:r>
-              <a:rPr lang="en-US" dirty="0"/>
-              <a:t>import sqlite3</a:t>
-            </a:r>
-          </a:p>
-          <a:p>
-            <a:endParaRPr lang="en-US" dirty="0"/>
-          </a:p>
-          <a:p>
-            <a:r>
-              <a:rPr lang="en-US" dirty="0"/>
-              <a:t>flask</a:t>
-            </a:r>
-          </a:p>
-        </p:txBody>
-      </p:sp>
+          </a:blip>
+          <a:stretch>
+            <a:fillRect/>
+          </a:stretch>
+        </p:blipFill>
+        <p:spPr>
+          <a:xfrm>
+            <a:off x="0" y="130850"/>
+            <a:ext cx="12192000" cy="6596299"/>
+          </a:xfrm>
+          <a:prstGeom prst="rect">
+            <a:avLst/>
+          </a:prstGeom>
+        </p:spPr>
+      </p:pic>
     </p:spTree>
     <p:extLst>
       <p:ext uri="{BB962C8B-B14F-4D97-AF65-F5344CB8AC3E}">
-        <p14:creationId xmlns:p14="http://schemas.microsoft.com/office/powerpoint/2010/main" val="2726914483"/>
+        <p14:creationId xmlns:p14="http://schemas.microsoft.com/office/powerpoint/2010/main" val="3890065328"/>
       </p:ext>
     </p:extLst>
   </p:cSld>
@@ -3815,6 +8121,309 @@
           <a:chExt cx="0" cy="0"/>
         </a:xfrm>
       </p:grpSpPr>
+      <p:pic>
+        <p:nvPicPr>
+          <p:cNvPr id="7" name="Рисунок 6">
+            <a:extLst>
+              <a:ext uri="{FF2B5EF4-FFF2-40B4-BE49-F238E27FC236}">
+                <a16:creationId xmlns:a16="http://schemas.microsoft.com/office/drawing/2014/main" id="{00F38E73-387C-42B9-BC1E-26CF52E84DF9}"/>
+              </a:ext>
+            </a:extLst>
+          </p:cNvPr>
+          <p:cNvPicPr>
+            <a:picLocks noChangeAspect="1"/>
+          </p:cNvPicPr>
+          <p:nvPr/>
+        </p:nvPicPr>
+        <p:blipFill>
+          <a:blip r:embed="rId2">
+            <a:extLst>
+              <a:ext uri="{28A0092B-C50C-407E-A947-70E740481C1C}">
+                <a14:useLocalDpi xmlns:a14="http://schemas.microsoft.com/office/drawing/2010/main" val="0"/>
+              </a:ext>
+            </a:extLst>
+          </a:blip>
+          <a:stretch>
+            <a:fillRect/>
+          </a:stretch>
+        </p:blipFill>
+        <p:spPr>
+          <a:xfrm>
+            <a:off x="0" y="0"/>
+            <a:ext cx="12192000" cy="6858000"/>
+          </a:xfrm>
+          <a:prstGeom prst="rect">
+            <a:avLst/>
+          </a:prstGeom>
+        </p:spPr>
+      </p:pic>
+    </p:spTree>
+    <p:extLst>
+      <p:ext uri="{BB962C8B-B14F-4D97-AF65-F5344CB8AC3E}">
+        <p14:creationId xmlns:p14="http://schemas.microsoft.com/office/powerpoint/2010/main" val="676306951"/>
+      </p:ext>
+    </p:extLst>
+  </p:cSld>
+  <p:clrMapOvr>
+    <a:masterClrMapping/>
+  </p:clrMapOvr>
+</p:sld>
+</file>
+
+<file path=ppt/slides/slide6.xml><?xml version="1.0" encoding="utf-8"?>
+<p:sld xmlns:a="http://schemas.openxmlformats.org/drawingml/2006/main" xmlns:r="http://schemas.openxmlformats.org/officeDocument/2006/relationships" xmlns:p="http://schemas.openxmlformats.org/presentationml/2006/main">
+  <p:cSld>
+    <p:spTree>
+      <p:nvGrpSpPr>
+        <p:cNvPr id="1" name=""/>
+        <p:cNvGrpSpPr/>
+        <p:nvPr/>
+      </p:nvGrpSpPr>
+      <p:grpSpPr>
+        <a:xfrm>
+          <a:off x="0" y="0"/>
+          <a:ext cx="0" cy="0"/>
+          <a:chOff x="0" y="0"/>
+          <a:chExt cx="0" cy="0"/>
+        </a:xfrm>
+      </p:grpSpPr>
+      <p:pic>
+        <p:nvPicPr>
+          <p:cNvPr id="5" name="Рисунок 4">
+            <a:extLst>
+              <a:ext uri="{FF2B5EF4-FFF2-40B4-BE49-F238E27FC236}">
+                <a16:creationId xmlns:a16="http://schemas.microsoft.com/office/drawing/2014/main" id="{826E1542-03B9-4620-9708-9D72FA38579B}"/>
+              </a:ext>
+            </a:extLst>
+          </p:cNvPr>
+          <p:cNvPicPr>
+            <a:picLocks noChangeAspect="1"/>
+          </p:cNvPicPr>
+          <p:nvPr/>
+        </p:nvPicPr>
+        <p:blipFill>
+          <a:blip r:embed="rId2">
+            <a:extLst>
+              <a:ext uri="{28A0092B-C50C-407E-A947-70E740481C1C}">
+                <a14:useLocalDpi xmlns:a14="http://schemas.microsoft.com/office/drawing/2010/main" val="0"/>
+              </a:ext>
+            </a:extLst>
+          </a:blip>
+          <a:stretch>
+            <a:fillRect/>
+          </a:stretch>
+        </p:blipFill>
+        <p:spPr>
+          <a:xfrm>
+            <a:off x="0" y="172276"/>
+            <a:ext cx="12192000" cy="6513447"/>
+          </a:xfrm>
+          <a:prstGeom prst="rect">
+            <a:avLst/>
+          </a:prstGeom>
+        </p:spPr>
+      </p:pic>
+    </p:spTree>
+    <p:extLst>
+      <p:ext uri="{BB962C8B-B14F-4D97-AF65-F5344CB8AC3E}">
+        <p14:creationId xmlns:p14="http://schemas.microsoft.com/office/powerpoint/2010/main" val="3429580009"/>
+      </p:ext>
+    </p:extLst>
+  </p:cSld>
+  <p:clrMapOvr>
+    <a:masterClrMapping/>
+  </p:clrMapOvr>
+</p:sld>
+</file>
+
+<file path=ppt/slides/slide7.xml><?xml version="1.0" encoding="utf-8"?>
+<p:sld xmlns:a="http://schemas.openxmlformats.org/drawingml/2006/main" xmlns:r="http://schemas.openxmlformats.org/officeDocument/2006/relationships" xmlns:p="http://schemas.openxmlformats.org/presentationml/2006/main">
+  <p:cSld>
+    <p:spTree>
+      <p:nvGrpSpPr>
+        <p:cNvPr id="1" name=""/>
+        <p:cNvGrpSpPr/>
+        <p:nvPr/>
+      </p:nvGrpSpPr>
+      <p:grpSpPr>
+        <a:xfrm>
+          <a:off x="0" y="0"/>
+          <a:ext cx="0" cy="0"/>
+          <a:chOff x="0" y="0"/>
+          <a:chExt cx="0" cy="0"/>
+        </a:xfrm>
+      </p:grpSpPr>
+      <p:pic>
+        <p:nvPicPr>
+          <p:cNvPr id="11" name="Рисунок 10">
+            <a:extLst>
+              <a:ext uri="{FF2B5EF4-FFF2-40B4-BE49-F238E27FC236}">
+                <a16:creationId xmlns:a16="http://schemas.microsoft.com/office/drawing/2014/main" id="{932E048B-8E21-43C0-8BB1-8751969A9ED7}"/>
+              </a:ext>
+            </a:extLst>
+          </p:cNvPr>
+          <p:cNvPicPr>
+            <a:picLocks noChangeAspect="1"/>
+          </p:cNvPicPr>
+          <p:nvPr/>
+        </p:nvPicPr>
+        <p:blipFill>
+          <a:blip r:embed="rId2">
+            <a:extLst>
+              <a:ext uri="{28A0092B-C50C-407E-A947-70E740481C1C}">
+                <a14:useLocalDpi xmlns:a14="http://schemas.microsoft.com/office/drawing/2010/main" val="0"/>
+              </a:ext>
+            </a:extLst>
+          </a:blip>
+          <a:stretch>
+            <a:fillRect/>
+          </a:stretch>
+        </p:blipFill>
+        <p:spPr>
+          <a:xfrm>
+            <a:off x="0" y="0"/>
+            <a:ext cx="12192000" cy="6858000"/>
+          </a:xfrm>
+          <a:prstGeom prst="rect">
+            <a:avLst/>
+          </a:prstGeom>
+        </p:spPr>
+      </p:pic>
+    </p:spTree>
+    <p:extLst>
+      <p:ext uri="{BB962C8B-B14F-4D97-AF65-F5344CB8AC3E}">
+        <p14:creationId xmlns:p14="http://schemas.microsoft.com/office/powerpoint/2010/main" val="2272902673"/>
+      </p:ext>
+    </p:extLst>
+  </p:cSld>
+  <p:clrMapOvr>
+    <a:masterClrMapping/>
+  </p:clrMapOvr>
+</p:sld>
+</file>
+
+<file path=ppt/slides/slide8.xml><?xml version="1.0" encoding="utf-8"?>
+<p:sld xmlns:a="http://schemas.openxmlformats.org/drawingml/2006/main" xmlns:r="http://schemas.openxmlformats.org/officeDocument/2006/relationships" xmlns:p="http://schemas.openxmlformats.org/presentationml/2006/main">
+  <p:cSld>
+    <p:spTree>
+      <p:nvGrpSpPr>
+        <p:cNvPr id="1" name=""/>
+        <p:cNvGrpSpPr/>
+        <p:nvPr/>
+      </p:nvGrpSpPr>
+      <p:grpSpPr>
+        <a:xfrm>
+          <a:off x="0" y="0"/>
+          <a:ext cx="0" cy="0"/>
+          <a:chOff x="0" y="0"/>
+          <a:chExt cx="0" cy="0"/>
+        </a:xfrm>
+      </p:grpSpPr>
+      <p:sp>
+        <p:nvSpPr>
+          <p:cNvPr id="2" name="Заголовок 1">
+            <a:extLst>
+              <a:ext uri="{FF2B5EF4-FFF2-40B4-BE49-F238E27FC236}">
+                <a16:creationId xmlns:a16="http://schemas.microsoft.com/office/drawing/2014/main" id="{5F442075-8467-4E62-B423-8589CC9A5F17}"/>
+              </a:ext>
+            </a:extLst>
+          </p:cNvPr>
+          <p:cNvSpPr>
+            <a:spLocks noGrp="1"/>
+          </p:cNvSpPr>
+          <p:nvPr>
+            <p:ph type="title"/>
+          </p:nvPr>
+        </p:nvSpPr>
+        <p:spPr/>
+        <p:txBody>
+          <a:bodyPr/>
+          <a:lstStyle/>
+          <a:p>
+            <a:r>
+              <a:rPr lang="ru-RU" dirty="0"/>
+              <a:t>Описание реализации:</a:t>
+            </a:r>
+          </a:p>
+        </p:txBody>
+      </p:sp>
+      <p:sp>
+        <p:nvSpPr>
+          <p:cNvPr id="3" name="Объект 2">
+            <a:extLst>
+              <a:ext uri="{FF2B5EF4-FFF2-40B4-BE49-F238E27FC236}">
+                <a16:creationId xmlns:a16="http://schemas.microsoft.com/office/drawing/2014/main" id="{6D2BE07C-B390-41F3-B79C-A205642503C1}"/>
+              </a:ext>
+            </a:extLst>
+          </p:cNvPr>
+          <p:cNvSpPr>
+            <a:spLocks noGrp="1"/>
+          </p:cNvSpPr>
+          <p:nvPr>
+            <p:ph idx="1"/>
+          </p:nvPr>
+        </p:nvSpPr>
+        <p:spPr/>
+        <p:txBody>
+          <a:bodyPr>
+            <a:normAutofit/>
+          </a:bodyPr>
+          <a:lstStyle/>
+          <a:p>
+            <a:r>
+              <a:rPr lang="ru-RU" dirty="0"/>
+              <a:t>Также в проекте я использовал следующие библиотеки</a:t>
+            </a:r>
+            <a:r>
+              <a:rPr lang="en-US" dirty="0"/>
+              <a:t>:</a:t>
+            </a:r>
+            <a:endParaRPr lang="ru-RU" dirty="0"/>
+          </a:p>
+          <a:p>
+            <a:r>
+              <a:rPr lang="en-US" dirty="0"/>
+              <a:t>import sqlite3</a:t>
+            </a:r>
+          </a:p>
+          <a:p>
+            <a:r>
+              <a:rPr lang="en-US" dirty="0"/>
+              <a:t>flask</a:t>
+            </a:r>
+          </a:p>
+        </p:txBody>
+      </p:sp>
+    </p:spTree>
+    <p:extLst>
+      <p:ext uri="{BB962C8B-B14F-4D97-AF65-F5344CB8AC3E}">
+        <p14:creationId xmlns:p14="http://schemas.microsoft.com/office/powerpoint/2010/main" val="2726914483"/>
+      </p:ext>
+    </p:extLst>
+  </p:cSld>
+  <p:clrMapOvr>
+    <a:masterClrMapping/>
+  </p:clrMapOvr>
+</p:sld>
+</file>
+
+<file path=ppt/slides/slide9.xml><?xml version="1.0" encoding="utf-8"?>
+<p:sld xmlns:a="http://schemas.openxmlformats.org/drawingml/2006/main" xmlns:r="http://schemas.openxmlformats.org/officeDocument/2006/relationships" xmlns:p="http://schemas.openxmlformats.org/presentationml/2006/main">
+  <p:cSld>
+    <p:spTree>
+      <p:nvGrpSpPr>
+        <p:cNvPr id="1" name=""/>
+        <p:cNvGrpSpPr/>
+        <p:nvPr/>
+      </p:nvGrpSpPr>
+      <p:grpSpPr>
+        <a:xfrm>
+          <a:off x="0" y="0"/>
+          <a:ext cx="0" cy="0"/>
+          <a:chOff x="0" y="0"/>
+          <a:chExt cx="0" cy="0"/>
+        </a:xfrm>
+      </p:grpSpPr>
       <p:sp>
         <p:nvSpPr>
           <p:cNvPr id="2" name="Заголовок 1">
@@ -3929,9 +8538,9 @@
 </file>
 
 <file path=ppt/theme/theme1.xml><?xml version="1.0" encoding="utf-8"?>
-<a:theme xmlns:a="http://schemas.openxmlformats.org/drawingml/2006/main" name="Тема Office">
+<a:theme xmlns:a="http://schemas.openxmlformats.org/drawingml/2006/main" name="Легкий дым">
   <a:themeElements>
-    <a:clrScheme name="Стандартная">
+    <a:clrScheme name="Легкий дым">
       <a:dk1>
         <a:sysClr val="windowText" lastClr="000000"/>
       </a:dk1>
@@ -3939,100 +8548,48 @@
         <a:sysClr val="window" lastClr="FFFFFF"/>
       </a:lt1>
       <a:dk2>
-        <a:srgbClr val="44546A"/>
+        <a:srgbClr val="766F54"/>
       </a:dk2>
       <a:lt2>
-        <a:srgbClr val="E7E6E6"/>
+        <a:srgbClr val="E3EACF"/>
       </a:lt2>
       <a:accent1>
-        <a:srgbClr val="4472C4"/>
+        <a:srgbClr val="A53010"/>
       </a:accent1>
       <a:accent2>
-        <a:srgbClr val="ED7D31"/>
+        <a:srgbClr val="DE7E18"/>
       </a:accent2>
       <a:accent3>
-        <a:srgbClr val="A5A5A5"/>
+        <a:srgbClr val="9F8351"/>
       </a:accent3>
       <a:accent4>
-        <a:srgbClr val="FFC000"/>
+        <a:srgbClr val="728653"/>
       </a:accent4>
       <a:accent5>
-        <a:srgbClr val="5B9BD5"/>
+        <a:srgbClr val="92AA4C"/>
       </a:accent5>
       <a:accent6>
-        <a:srgbClr val="70AD47"/>
+        <a:srgbClr val="6AAC91"/>
       </a:accent6>
       <a:hlink>
-        <a:srgbClr val="0563C1"/>
+        <a:srgbClr val="FB4A18"/>
       </a:hlink>
       <a:folHlink>
-        <a:srgbClr val="954F72"/>
+        <a:srgbClr val="FB9318"/>
       </a:folHlink>
     </a:clrScheme>
-    <a:fontScheme name="Стандартная">
+    <a:fontScheme name="Легкий дым">
       <a:majorFont>
-        <a:latin typeface="Calibri Light" panose="020F0302020204030204"/>
+        <a:latin typeface="Century Gothic" panose="020B0502020202020204"/>
         <a:ea typeface=""/>
         <a:cs typeface=""/>
-        <a:font script="Jpan" typeface="游ゴシック Light"/>
-        <a:font script="Hang" typeface="맑은 고딕"/>
-        <a:font script="Hans" typeface="等线 Light"/>
-        <a:font script="Hant" typeface="新細明體"/>
-        <a:font script="Arab" typeface="Times New Roman"/>
-        <a:font script="Hebr" typeface="Times New Roman"/>
-        <a:font script="Thai" typeface="Angsana New"/>
-        <a:font script="Ethi" typeface="Nyala"/>
-        <a:font script="Beng" typeface="Vrinda"/>
-        <a:font script="Gujr" typeface="Shruti"/>
-        <a:font script="Khmr" typeface="MoolBoran"/>
-        <a:font script="Knda" typeface="Tunga"/>
-        <a:font script="Guru" typeface="Raavi"/>
-        <a:font script="Cans" typeface="Euphemia"/>
-        <a:font script="Cher" typeface="Plantagenet Cherokee"/>
-        <a:font script="Yiii" typeface="Microsoft Yi Baiti"/>
-        <a:font script="Tibt" typeface="Microsoft Himalaya"/>
-        <a:font script="Thaa" typeface="MV Boli"/>
-        <a:font script="Deva" typeface="Mangal"/>
-        <a:font script="Telu" typeface="Gautami"/>
-        <a:font script="Taml" typeface="Latha"/>
-        <a:font script="Syrc" typeface="Estrangelo Edessa"/>
-        <a:font script="Orya" typeface="Kalinga"/>
-        <a:font script="Mlym" typeface="Kartika"/>
-        <a:font script="Laoo" typeface="DokChampa"/>
-        <a:font script="Sinh" typeface="Iskoola Pota"/>
-        <a:font script="Mong" typeface="Mongolian Baiti"/>
-        <a:font script="Viet" typeface="Times New Roman"/>
-        <a:font script="Uigh" typeface="Microsoft Uighur"/>
-        <a:font script="Geor" typeface="Sylfaen"/>
-        <a:font script="Armn" typeface="Arial"/>
-        <a:font script="Bugi" typeface="Leelawadee UI"/>
-        <a:font script="Bopo" typeface="Microsoft JhengHei"/>
-        <a:font script="Java" typeface="Javanese Text"/>
-        <a:font script="Lisu" typeface="Segoe UI"/>
-        <a:font script="Mymr" typeface="Myanmar Text"/>
-        <a:font script="Nkoo" typeface="Ebrima"/>
-        <a:font script="Olck" typeface="Nirmala UI"/>
-        <a:font script="Osma" typeface="Ebrima"/>
-        <a:font script="Phag" typeface="Phagspa"/>
-        <a:font script="Syrn" typeface="Estrangelo Edessa"/>
-        <a:font script="Syrj" typeface="Estrangelo Edessa"/>
-        <a:font script="Syre" typeface="Estrangelo Edessa"/>
-        <a:font script="Sora" typeface="Nirmala UI"/>
-        <a:font script="Tale" typeface="Microsoft Tai Le"/>
-        <a:font script="Talu" typeface="Microsoft New Tai Lue"/>
-        <a:font script="Tfng" typeface="Ebrima"/>
-      </a:majorFont>
-      <a:minorFont>
-        <a:latin typeface="Calibri" panose="020F0502020204030204"/>
-        <a:ea typeface=""/>
-        <a:cs typeface=""/>
-        <a:font script="Jpan" typeface="游ゴシック"/>
-        <a:font script="Hang" typeface="맑은 고딕"/>
-        <a:font script="Hans" typeface="等线"/>
-        <a:font script="Hant" typeface="新細明體"/>
-        <a:font script="Arab" typeface="Arial"/>
-        <a:font script="Hebr" typeface="Arial"/>
-        <a:font script="Thai" typeface="Cordia New"/>
+        <a:font script="Jpan" typeface="メイリオ"/>
+        <a:font script="Hang" typeface="HY중고딕"/>
+        <a:font script="Hans" typeface="幼圆"/>
+        <a:font script="Hant" typeface="微軟正黑體"/>
+        <a:font script="Arab" typeface="Tahoma"/>
+        <a:font script="Hebr" typeface="Gisha"/>
+        <a:font script="Thai" typeface="DilleniaUPC"/>
         <a:font script="Ethi" typeface="Nyala"/>
         <a:font script="Beng" typeface="Vrinda"/>
         <a:font script="Gujr" typeface="Shruti"/>
@@ -4053,30 +8610,121 @@
         <a:font script="Laoo" typeface="DokChampa"/>
         <a:font script="Sinh" typeface="Iskoola Pota"/>
         <a:font script="Mong" typeface="Mongolian Baiti"/>
-        <a:font script="Viet" typeface="Arial"/>
+        <a:font script="Viet" typeface="Tahoma"/>
         <a:font script="Uigh" typeface="Microsoft Uighur"/>
         <a:font script="Geor" typeface="Sylfaen"/>
-        <a:font script="Armn" typeface="Arial"/>
-        <a:font script="Bugi" typeface="Leelawadee UI"/>
-        <a:font script="Bopo" typeface="Microsoft JhengHei"/>
-        <a:font script="Java" typeface="Javanese Text"/>
-        <a:font script="Lisu" typeface="Segoe UI"/>
-        <a:font script="Mymr" typeface="Myanmar Text"/>
-        <a:font script="Nkoo" typeface="Ebrima"/>
-        <a:font script="Olck" typeface="Nirmala UI"/>
-        <a:font script="Osma" typeface="Ebrima"/>
-        <a:font script="Phag" typeface="Phagspa"/>
-        <a:font script="Syrn" typeface="Estrangelo Edessa"/>
-        <a:font script="Syrj" typeface="Estrangelo Edessa"/>
-        <a:font script="Syre" typeface="Estrangelo Edessa"/>
-        <a:font script="Sora" typeface="Nirmala UI"/>
-        <a:font script="Tale" typeface="Microsoft Tai Le"/>
-        <a:font script="Talu" typeface="Microsoft New Tai Lue"/>
-        <a:font script="Tfng" typeface="Ebrima"/>
+      </a:majorFont>
+      <a:minorFont>
+        <a:latin typeface="Century Gothic" panose="020B0502020202020204"/>
+        <a:ea typeface=""/>
+        <a:cs typeface=""/>
+        <a:font script="Jpan" typeface="メイリオ"/>
+        <a:font script="Hang" typeface="HY중고딕"/>
+        <a:font script="Hans" typeface="幼圆"/>
+        <a:font script="Hant" typeface="微軟正黑體"/>
+        <a:font script="Arab" typeface="Tahoma"/>
+        <a:font script="Hebr" typeface="Gisha"/>
+        <a:font script="Thai" typeface="DilleniaUPC"/>
+        <a:font script="Ethi" typeface="Nyala"/>
+        <a:font script="Beng" typeface="Vrinda"/>
+        <a:font script="Gujr" typeface="Shruti"/>
+        <a:font script="Khmr" typeface="DaunPenh"/>
+        <a:font script="Knda" typeface="Tunga"/>
+        <a:font script="Guru" typeface="Raavi"/>
+        <a:font script="Cans" typeface="Euphemia"/>
+        <a:font script="Cher" typeface="Plantagenet Cherokee"/>
+        <a:font script="Yiii" typeface="Microsoft Yi Baiti"/>
+        <a:font script="Tibt" typeface="Microsoft Himalaya"/>
+        <a:font script="Thaa" typeface="MV Boli"/>
+        <a:font script="Deva" typeface="Mangal"/>
+        <a:font script="Telu" typeface="Gautami"/>
+        <a:font script="Taml" typeface="Latha"/>
+        <a:font script="Syrc" typeface="Estrangelo Edessa"/>
+        <a:font script="Orya" typeface="Kalinga"/>
+        <a:font script="Mlym" typeface="Kartika"/>
+        <a:font script="Laoo" typeface="DokChampa"/>
+        <a:font script="Sinh" typeface="Iskoola Pota"/>
+        <a:font script="Mong" typeface="Mongolian Baiti"/>
+        <a:font script="Viet" typeface="Tahoma"/>
+        <a:font script="Uigh" typeface="Microsoft Uighur"/>
+        <a:font script="Geor" typeface="Sylfaen"/>
       </a:minorFont>
     </a:fontScheme>
-    <a:fmtScheme name="Стандартная">
+    <a:fmtScheme name="Легкий дым">
       <a:fillStyleLst>
+        <a:solidFill>
+          <a:schemeClr val="phClr"/>
+        </a:solidFill>
+        <a:solidFill>
+          <a:schemeClr val="phClr">
+            <a:tint val="70000"/>
+            <a:lumMod val="104000"/>
+          </a:schemeClr>
+        </a:solidFill>
+        <a:gradFill rotWithShape="1">
+          <a:gsLst>
+            <a:gs pos="0">
+              <a:schemeClr val="phClr">
+                <a:tint val="96000"/>
+                <a:lumMod val="104000"/>
+              </a:schemeClr>
+            </a:gs>
+            <a:gs pos="100000">
+              <a:schemeClr val="phClr">
+                <a:shade val="98000"/>
+                <a:lumMod val="94000"/>
+              </a:schemeClr>
+            </a:gs>
+          </a:gsLst>
+          <a:lin ang="5400000" scaled="0"/>
+        </a:gradFill>
+      </a:fillStyleLst>
+      <a:lnStyleLst>
+        <a:ln w="9525" cap="rnd" cmpd="sng" algn="ctr">
+          <a:solidFill>
+            <a:schemeClr val="phClr">
+              <a:shade val="90000"/>
+            </a:schemeClr>
+          </a:solidFill>
+          <a:prstDash val="solid"/>
+        </a:ln>
+        <a:ln w="15875" cap="rnd" cmpd="sng" algn="ctr">
+          <a:solidFill>
+            <a:schemeClr val="phClr"/>
+          </a:solidFill>
+          <a:prstDash val="solid"/>
+        </a:ln>
+        <a:ln w="22225" cap="rnd" cmpd="sng" algn="ctr">
+          <a:solidFill>
+            <a:schemeClr val="phClr"/>
+          </a:solidFill>
+          <a:prstDash val="solid"/>
+        </a:ln>
+      </a:lnStyleLst>
+      <a:effectStyleLst>
+        <a:effectStyle>
+          <a:effectLst/>
+        </a:effectStyle>
+        <a:effectStyle>
+          <a:effectLst>
+            <a:outerShdw blurRad="38100" dist="25400" dir="5400000" rotWithShape="0">
+              <a:srgbClr val="000000">
+                <a:alpha val="25000"/>
+              </a:srgbClr>
+            </a:outerShdw>
+          </a:effectLst>
+        </a:effectStyle>
+        <a:effectStyle>
+          <a:effectLst>
+            <a:outerShdw blurRad="50800" dist="38100" dir="5400000" rotWithShape="0">
+              <a:srgbClr val="000000">
+                <a:alpha val="60000"/>
+              </a:srgbClr>
+            </a:outerShdw>
+          </a:effectLst>
+        </a:effectStyle>
+      </a:effectStyleLst>
+      <a:bgFillStyleLst>
         <a:solidFill>
           <a:schemeClr val="phClr"/>
         </a:solidFill>
@@ -4084,23 +8732,15 @@
           <a:gsLst>
             <a:gs pos="0">
               <a:schemeClr val="phClr">
-                <a:lumMod val="110000"/>
-                <a:satMod val="105000"/>
-                <a:tint val="67000"/>
-              </a:schemeClr>
-            </a:gs>
-            <a:gs pos="50000">
-              <a:schemeClr val="phClr">
-                <a:lumMod val="105000"/>
-                <a:satMod val="103000"/>
-                <a:tint val="73000"/>
+                <a:tint val="90000"/>
+                <a:lumMod val="120000"/>
               </a:schemeClr>
             </a:gs>
             <a:gs pos="100000">
               <a:schemeClr val="phClr">
-                <a:lumMod val="105000"/>
-                <a:satMod val="109000"/>
-                <a:tint val="81000"/>
+                <a:shade val="98000"/>
+                <a:satMod val="120000"/>
+                <a:lumMod val="98000"/>
               </a:schemeClr>
             </a:gs>
           </a:gsLst>
@@ -4110,105 +8750,22 @@
           <a:gsLst>
             <a:gs pos="0">
               <a:schemeClr val="phClr">
-                <a:satMod val="103000"/>
-                <a:lumMod val="102000"/>
-                <a:tint val="94000"/>
-              </a:schemeClr>
-            </a:gs>
-            <a:gs pos="50000">
-              <a:schemeClr val="phClr">
-                <a:satMod val="110000"/>
-                <a:lumMod val="100000"/>
-                <a:shade val="100000"/>
+                <a:tint val="90000"/>
+                <a:satMod val="92000"/>
+                <a:lumMod val="120000"/>
               </a:schemeClr>
             </a:gs>
             <a:gs pos="100000">
               <a:schemeClr val="phClr">
-                <a:lumMod val="99000"/>
+                <a:shade val="98000"/>
                 <a:satMod val="120000"/>
-                <a:shade val="78000"/>
+                <a:lumMod val="98000"/>
               </a:schemeClr>
             </a:gs>
           </a:gsLst>
-          <a:lin ang="5400000" scaled="0"/>
-        </a:gradFill>
-      </a:fillStyleLst>
-      <a:lnStyleLst>
-        <a:ln w="6350" cap="flat" cmpd="sng" algn="ctr">
-          <a:solidFill>
-            <a:schemeClr val="phClr"/>
-          </a:solidFill>
-          <a:prstDash val="solid"/>
-          <a:miter lim="800000"/>
-        </a:ln>
-        <a:ln w="12700" cap="flat" cmpd="sng" algn="ctr">
-          <a:solidFill>
-            <a:schemeClr val="phClr"/>
-          </a:solidFill>
-          <a:prstDash val="solid"/>
-          <a:miter lim="800000"/>
-        </a:ln>
-        <a:ln w="19050" cap="flat" cmpd="sng" algn="ctr">
-          <a:solidFill>
-            <a:schemeClr val="phClr"/>
-          </a:solidFill>
-          <a:prstDash val="solid"/>
-          <a:miter lim="800000"/>
-        </a:ln>
-      </a:lnStyleLst>
-      <a:effectStyleLst>
-        <a:effectStyle>
-          <a:effectLst/>
-        </a:effectStyle>
-        <a:effectStyle>
-          <a:effectLst/>
-        </a:effectStyle>
-        <a:effectStyle>
-          <a:effectLst>
-            <a:outerShdw blurRad="57150" dist="19050" dir="5400000" algn="ctr" rotWithShape="0">
-              <a:srgbClr val="000000">
-                <a:alpha val="63000"/>
-              </a:srgbClr>
-            </a:outerShdw>
-          </a:effectLst>
-        </a:effectStyle>
-      </a:effectStyleLst>
-      <a:bgFillStyleLst>
-        <a:solidFill>
-          <a:schemeClr val="phClr"/>
-        </a:solidFill>
-        <a:solidFill>
-          <a:schemeClr val="phClr">
-            <a:tint val="95000"/>
-            <a:satMod val="170000"/>
-          </a:schemeClr>
-        </a:solidFill>
-        <a:gradFill rotWithShape="1">
-          <a:gsLst>
-            <a:gs pos="0">
-              <a:schemeClr val="phClr">
-                <a:tint val="93000"/>
-                <a:satMod val="150000"/>
-                <a:shade val="98000"/>
-                <a:lumMod val="102000"/>
-              </a:schemeClr>
-            </a:gs>
-            <a:gs pos="50000">
-              <a:schemeClr val="phClr">
-                <a:tint val="98000"/>
-                <a:satMod val="130000"/>
-                <a:shade val="90000"/>
-                <a:lumMod val="103000"/>
-              </a:schemeClr>
-            </a:gs>
-            <a:gs pos="100000">
-              <a:schemeClr val="phClr">
-                <a:shade val="63000"/>
-                <a:satMod val="120000"/>
-              </a:schemeClr>
-            </a:gs>
-          </a:gsLst>
-          <a:lin ang="5400000" scaled="0"/>
+          <a:path path="circle">
+            <a:fillToRect l="50000" t="50000" r="100000" b="100000"/>
+          </a:path>
         </a:gradFill>
       </a:bgFillStyleLst>
     </a:fmtScheme>
@@ -4217,7 +8774,7 @@
   <a:extraClrSchemeLst/>
   <a:extLst>
     <a:ext uri="{05A4C25C-085E-4340-85A3-A5531E510DB2}">
-      <thm15:themeFamily xmlns:thm15="http://schemas.microsoft.com/office/thememl/2012/main" name="Office Theme" id="{62F939B6-93AF-4DB8-9C6B-D6C7DFDC589F}" vid="{4A3C46E8-61CC-4603-A589-7422A47A8E4A}"/>
+      <thm15:themeFamily xmlns:thm15="http://schemas.microsoft.com/office/thememl/2012/main" name="Wisp" id="{7CB32D59-10C0-40DD-B7BD-2E94284A981C}" vid="{24B1A44C-C006-48B2-A4D7-E5549B3D8CD4}"/>
     </a:ext>
   </a:extLst>
 </a:theme>
